--- a/Presentation.pptx
+++ b/Presentation.pptx
@@ -5,7 +5,7 @@
     <p:sldMasterId id="2147483648" r:id="rId1"/>
   </p:sldMasterIdLst>
   <p:notesMasterIdLst>
-    <p:notesMasterId r:id="rId11"/>
+    <p:notesMasterId r:id="rId12"/>
   </p:notesMasterIdLst>
   <p:sldIdLst>
     <p:sldId id="268" r:id="rId2"/>
@@ -16,7 +16,8 @@
     <p:sldId id="311" r:id="rId7"/>
     <p:sldId id="313" r:id="rId8"/>
     <p:sldId id="319" r:id="rId9"/>
-    <p:sldId id="318" r:id="rId10"/>
+    <p:sldId id="321" r:id="rId10"/>
+    <p:sldId id="318" r:id="rId11"/>
   </p:sldIdLst>
   <p:sldSz cx="12192000" cy="6858000"/>
   <p:notesSz cx="6858000" cy="9144000"/>
@@ -115,6 +116,11 @@
       </a:defRPr>
     </a:lvl9pPr>
   </p:defaultTextStyle>
+  <p:extLst>
+    <p:ext uri="{EFAFB233-063F-42B5-8137-9DF3F51BA10A}">
+      <p15:sldGuideLst xmlns:p15="http://schemas.microsoft.com/office/powerpoint/2012/main"/>
+    </p:ext>
+  </p:extLst>
 </p:presentation>
 </file>
 
@@ -200,7 +206,7 @@
           <a:p>
             <a:fld id="{C764B777-688C-4945-832F-C226893EBFF8}" type="datetimeFigureOut">
               <a:rPr lang="ru-RU" smtClean="0"/>
-              <a:t>10.05.2022</a:t>
+              <a:t>16.05.2022</a:t>
             </a:fld>
             <a:endParaRPr lang="ru-RU" dirty="0"/>
           </a:p>
@@ -1263,7 +1269,7 @@
           <a:p>
             <a:fld id="{EBD322C8-163C-4CEF-A0DF-C7796A7CB6CE}" type="datetimeFigureOut">
               <a:rPr lang="ru-RU" smtClean="0"/>
-              <a:t>10.05.2022</a:t>
+              <a:t>16.05.2022</a:t>
             </a:fld>
             <a:endParaRPr lang="ru-RU" dirty="0"/>
           </a:p>
@@ -1461,7 +1467,7 @@
           <a:p>
             <a:fld id="{EBD322C8-163C-4CEF-A0DF-C7796A7CB6CE}" type="datetimeFigureOut">
               <a:rPr lang="ru-RU" smtClean="0"/>
-              <a:t>10.05.2022</a:t>
+              <a:t>16.05.2022</a:t>
             </a:fld>
             <a:endParaRPr lang="ru-RU" dirty="0"/>
           </a:p>
@@ -1669,7 +1675,7 @@
           <a:p>
             <a:fld id="{EBD322C8-163C-4CEF-A0DF-C7796A7CB6CE}" type="datetimeFigureOut">
               <a:rPr lang="ru-RU" smtClean="0"/>
-              <a:t>10.05.2022</a:t>
+              <a:t>16.05.2022</a:t>
             </a:fld>
             <a:endParaRPr lang="ru-RU" dirty="0"/>
           </a:p>
@@ -2841,7 +2847,7 @@
           <a:p>
             <a:fld id="{EBD322C8-163C-4CEF-A0DF-C7796A7CB6CE}" type="datetimeFigureOut">
               <a:rPr lang="ru-RU" smtClean="0"/>
-              <a:t>10.05.2022</a:t>
+              <a:t>16.05.2022</a:t>
             </a:fld>
             <a:endParaRPr lang="ru-RU" dirty="0"/>
           </a:p>
@@ -3116,7 +3122,7 @@
           <a:p>
             <a:fld id="{EBD322C8-163C-4CEF-A0DF-C7796A7CB6CE}" type="datetimeFigureOut">
               <a:rPr lang="ru-RU" smtClean="0"/>
-              <a:t>10.05.2022</a:t>
+              <a:t>16.05.2022</a:t>
             </a:fld>
             <a:endParaRPr lang="ru-RU" dirty="0"/>
           </a:p>
@@ -3381,7 +3387,7 @@
           <a:p>
             <a:fld id="{EBD322C8-163C-4CEF-A0DF-C7796A7CB6CE}" type="datetimeFigureOut">
               <a:rPr lang="ru-RU" smtClean="0"/>
-              <a:t>10.05.2022</a:t>
+              <a:t>16.05.2022</a:t>
             </a:fld>
             <a:endParaRPr lang="ru-RU" dirty="0"/>
           </a:p>
@@ -3793,7 +3799,7 @@
           <a:p>
             <a:fld id="{EBD322C8-163C-4CEF-A0DF-C7796A7CB6CE}" type="datetimeFigureOut">
               <a:rPr lang="ru-RU" smtClean="0"/>
-              <a:t>10.05.2022</a:t>
+              <a:t>16.05.2022</a:t>
             </a:fld>
             <a:endParaRPr lang="ru-RU" dirty="0"/>
           </a:p>
@@ -3934,7 +3940,7 @@
           <a:p>
             <a:fld id="{EBD322C8-163C-4CEF-A0DF-C7796A7CB6CE}" type="datetimeFigureOut">
               <a:rPr lang="ru-RU" smtClean="0"/>
-              <a:t>10.05.2022</a:t>
+              <a:t>16.05.2022</a:t>
             </a:fld>
             <a:endParaRPr lang="ru-RU" dirty="0"/>
           </a:p>
@@ -4047,7 +4053,7 @@
           <a:p>
             <a:fld id="{EBD322C8-163C-4CEF-A0DF-C7796A7CB6CE}" type="datetimeFigureOut">
               <a:rPr lang="ru-RU" smtClean="0"/>
-              <a:t>10.05.2022</a:t>
+              <a:t>16.05.2022</a:t>
             </a:fld>
             <a:endParaRPr lang="ru-RU" dirty="0"/>
           </a:p>
@@ -4358,7 +4364,7 @@
           <a:p>
             <a:fld id="{EBD322C8-163C-4CEF-A0DF-C7796A7CB6CE}" type="datetimeFigureOut">
               <a:rPr lang="ru-RU" smtClean="0"/>
-              <a:t>10.05.2022</a:t>
+              <a:t>16.05.2022</a:t>
             </a:fld>
             <a:endParaRPr lang="ru-RU" dirty="0"/>
           </a:p>
@@ -4646,7 +4652,7 @@
           <a:p>
             <a:fld id="{EBD322C8-163C-4CEF-A0DF-C7796A7CB6CE}" type="datetimeFigureOut">
               <a:rPr lang="ru-RU" smtClean="0"/>
-              <a:t>10.05.2022</a:t>
+              <a:t>16.05.2022</a:t>
             </a:fld>
             <a:endParaRPr lang="ru-RU" dirty="0"/>
           </a:p>
@@ -4887,7 +4893,7 @@
           <a:p>
             <a:fld id="{EBD322C8-163C-4CEF-A0DF-C7796A7CB6CE}" type="datetimeFigureOut">
               <a:rPr lang="ru-RU" smtClean="0"/>
-              <a:t>10.05.2022</a:t>
+              <a:t>16.05.2022</a:t>
             </a:fld>
             <a:endParaRPr lang="ru-RU" dirty="0"/>
           </a:p>
@@ -5423,6 +5429,75 @@
 </p:sld>
 </file>
 
+<file path=ppt/slides/slide10.xml><?xml version="1.0" encoding="utf-8"?>
+<p:sld xmlns:a="http://schemas.openxmlformats.org/drawingml/2006/main" xmlns:r="http://schemas.openxmlformats.org/officeDocument/2006/relationships" xmlns:p="http://schemas.openxmlformats.org/presentationml/2006/main">
+  <p:cSld>
+    <p:spTree>
+      <p:nvGrpSpPr>
+        <p:cNvPr id="1" name=""/>
+        <p:cNvGrpSpPr/>
+        <p:nvPr/>
+      </p:nvGrpSpPr>
+      <p:grpSpPr>
+        <a:xfrm>
+          <a:off x="0" y="0"/>
+          <a:ext cx="0" cy="0"/>
+          <a:chOff x="0" y="0"/>
+          <a:chExt cx="0" cy="0"/>
+        </a:xfrm>
+      </p:grpSpPr>
+      <p:sp>
+        <p:nvSpPr>
+          <p:cNvPr id="2" name="Заголовок 1">
+            <a:extLst>
+              <a:ext uri="{FF2B5EF4-FFF2-40B4-BE49-F238E27FC236}">
+                <a16:creationId xmlns:a16="http://schemas.microsoft.com/office/drawing/2014/main" id="{4BABDB58-B293-4683-A8EE-386D9B296A70}"/>
+              </a:ext>
+            </a:extLst>
+          </p:cNvPr>
+          <p:cNvSpPr>
+            <a:spLocks noGrp="1"/>
+          </p:cNvSpPr>
+          <p:nvPr>
+            <p:ph type="title"/>
+          </p:nvPr>
+        </p:nvSpPr>
+        <p:spPr>
+          <a:xfrm>
+            <a:off x="1289108" y="2800864"/>
+            <a:ext cx="9613783" cy="853600"/>
+          </a:xfrm>
+        </p:spPr>
+        <p:txBody>
+          <a:bodyPr/>
+          <a:lstStyle/>
+          <a:p>
+            <a:pPr algn="ctr"/>
+            <a:r>
+              <a:rPr lang="en-US" sz="5000" dirty="0">
+                <a:latin typeface="Garamond" panose="02020404030301010803" pitchFamily="18" charset="0"/>
+              </a:rPr>
+              <a:t>Thank you for your attention</a:t>
+            </a:r>
+            <a:endParaRPr lang="ru-RU" sz="5000" dirty="0">
+              <a:latin typeface="Garamond" panose="02020404030301010803" pitchFamily="18" charset="0"/>
+            </a:endParaRPr>
+          </a:p>
+        </p:txBody>
+      </p:sp>
+    </p:spTree>
+    <p:extLst>
+      <p:ext uri="{BB962C8B-B14F-4D97-AF65-F5344CB8AC3E}">
+        <p14:creationId xmlns:p14="http://schemas.microsoft.com/office/powerpoint/2010/main" val="3513148880"/>
+      </p:ext>
+    </p:extLst>
+  </p:cSld>
+  <p:clrMapOvr>
+    <a:masterClrMapping/>
+  </p:clrMapOvr>
+</p:sld>
+</file>
+
 <file path=ppt/slides/slide2.xml><?xml version="1.0" encoding="utf-8"?>
 <p:sld xmlns:a="http://schemas.openxmlformats.org/drawingml/2006/main" xmlns:r="http://schemas.openxmlformats.org/officeDocument/2006/relationships" xmlns:p="http://schemas.openxmlformats.org/presentationml/2006/main">
   <p:cSld>
@@ -5519,7 +5594,7 @@
               <a:rPr lang="en-US" sz="2800" dirty="0">
                 <a:latin typeface="Garamond" panose="02020404030301010803" pitchFamily="18" charset="0"/>
               </a:rPr>
-              <a:t>The game consists of two rackets and a ball which bounces off them. If a ball touches a wall, the player, the opposite of that wall receives a point. The rackets move only vertically, while the ball also can move left or right. The game is also known as “Pong” and it was released in 1972.</a:t>
+              <a:t>The game consists of two rackets and a ball which bounces off them. If a ball touches a wall, the player, the opposite of that wall receives a point. The rackets move only vertically, while the ball also can move left or right. The game is also known as “Pong”. It was released in 1972.</a:t>
             </a:r>
             <a:endParaRPr sz="2800" dirty="0">
               <a:latin typeface="Garamond" panose="02020404030301010803" pitchFamily="18" charset="0"/>
@@ -5636,12 +5711,12 @@
               <a:buSzPts val="1100"/>
             </a:pPr>
             <a:r>
-              <a:rPr lang="en-US" sz="3200" dirty="0">
+              <a:rPr lang="en-US" sz="3500" dirty="0">
                 <a:latin typeface="Garamond" panose="02020404030301010803" pitchFamily="18" charset="0"/>
               </a:rPr>
               <a:t>The display panel</a:t>
             </a:r>
-            <a:endParaRPr sz="3200" dirty="0">
+            <a:endParaRPr sz="3500" dirty="0">
               <a:latin typeface="Garamond" panose="02020404030301010803" pitchFamily="18" charset="0"/>
             </a:endParaRPr>
           </a:p>
@@ -5952,9 +6027,6 @@
               </a:rPr>
               <a:t>, RightbatY+1, RightbatY+2 in the column 28. </a:t>
             </a:r>
-            <a:endParaRPr lang="ru-RU" sz="2500" dirty="0">
-              <a:latin typeface="Garamond" panose="02020404030301010803" pitchFamily="18" charset="0"/>
-            </a:endParaRPr>
           </a:p>
         </p:txBody>
       </p:sp>
@@ -6020,12 +6092,12 @@
               <a:buSzPts val="1100"/>
             </a:pPr>
             <a:r>
-              <a:rPr lang="en-US" sz="3200" dirty="0">
+              <a:rPr lang="en-US" sz="3500" dirty="0">
                 <a:latin typeface="Garamond" panose="02020404030301010803" pitchFamily="18" charset="0"/>
               </a:rPr>
               <a:t>Kinematic controller</a:t>
             </a:r>
-            <a:endParaRPr sz="3200" dirty="0">
+            <a:endParaRPr sz="3500" dirty="0">
               <a:latin typeface="Garamond" panose="02020404030301010803" pitchFamily="18" charset="0"/>
             </a:endParaRPr>
           </a:p>
@@ -6140,10 +6212,10 @@
       </p:sp>
       <p:pic>
         <p:nvPicPr>
-          <p:cNvPr id="2" name="Рисунок 1">
-            <a:extLst>
-              <a:ext uri="{FF2B5EF4-FFF2-40B4-BE49-F238E27FC236}">
-                <a16:creationId xmlns:a16="http://schemas.microsoft.com/office/drawing/2014/main" id="{3247BB8F-7664-4379-BD79-5113E04A5C59}"/>
+          <p:cNvPr id="3" name="Рисунок 2">
+            <a:extLst>
+              <a:ext uri="{FF2B5EF4-FFF2-40B4-BE49-F238E27FC236}">
+                <a16:creationId xmlns:a16="http://schemas.microsoft.com/office/drawing/2014/main" id="{9EA7DE8C-3284-4D5B-93E4-77E1FE247825}"/>
               </a:ext>
             </a:extLst>
           </p:cNvPr>
@@ -6160,8 +6232,8 @@
         </p:blipFill>
         <p:spPr>
           <a:xfrm>
-            <a:off x="5809332" y="762000"/>
-            <a:ext cx="2257425" cy="942975"/>
+            <a:off x="5480720" y="827801"/>
+            <a:ext cx="2914650" cy="1276350"/>
           </a:xfrm>
           <a:prstGeom prst="rect">
             <a:avLst/>
@@ -6170,10 +6242,10 @@
       </p:pic>
       <p:pic>
         <p:nvPicPr>
-          <p:cNvPr id="7" name="Рисунок 6">
-            <a:extLst>
-              <a:ext uri="{FF2B5EF4-FFF2-40B4-BE49-F238E27FC236}">
-                <a16:creationId xmlns:a16="http://schemas.microsoft.com/office/drawing/2014/main" id="{86AA1C8E-237A-44CB-ADFA-B4332591B24E}"/>
+          <p:cNvPr id="4" name="Рисунок 3">
+            <a:extLst>
+              <a:ext uri="{FF2B5EF4-FFF2-40B4-BE49-F238E27FC236}">
+                <a16:creationId xmlns:a16="http://schemas.microsoft.com/office/drawing/2014/main" id="{A2776933-1723-41D7-8611-BC9AF8C6E909}"/>
               </a:ext>
             </a:extLst>
           </p:cNvPr>
@@ -6190,8 +6262,8 @@
         </p:blipFill>
         <p:spPr>
           <a:xfrm>
-            <a:off x="8280632" y="762000"/>
-            <a:ext cx="3314700" cy="5334000"/>
+            <a:off x="9201019" y="827801"/>
+            <a:ext cx="2162175" cy="3867150"/>
           </a:xfrm>
           <a:prstGeom prst="rect">
             <a:avLst/>
@@ -6260,12 +6332,12 @@
               <a:buSzPts val="1100"/>
             </a:pPr>
             <a:r>
-              <a:rPr lang="en-US" sz="3200" dirty="0">
+              <a:rPr lang="en-US" sz="3500" dirty="0">
                 <a:latin typeface="Garamond" panose="02020404030301010803" pitchFamily="18" charset="0"/>
               </a:rPr>
               <a:t>Kinematic controller</a:t>
             </a:r>
-            <a:endParaRPr sz="3200" dirty="0">
+            <a:endParaRPr sz="3500" dirty="0">
               <a:latin typeface="Garamond" panose="02020404030301010803" pitchFamily="18" charset="0"/>
             </a:endParaRPr>
           </a:p>
@@ -6459,12 +6531,12 @@
               <a:buSzPts val="1100"/>
             </a:pPr>
             <a:r>
-              <a:rPr lang="en-US" sz="3200" dirty="0">
+              <a:rPr lang="en-US" sz="3500" dirty="0">
                 <a:latin typeface="Garamond" panose="02020404030301010803" pitchFamily="18" charset="0"/>
               </a:rPr>
               <a:t>Artificial intelligence</a:t>
             </a:r>
-            <a:endParaRPr sz="3200" dirty="0">
+            <a:endParaRPr sz="3500" dirty="0">
               <a:latin typeface="Garamond" panose="02020404030301010803" pitchFamily="18" charset="0"/>
             </a:endParaRPr>
           </a:p>
@@ -6773,7 +6845,7 @@
           <p:cNvPr id="2" name="Заголовок 1">
             <a:extLst>
               <a:ext uri="{FF2B5EF4-FFF2-40B4-BE49-F238E27FC236}">
-                <a16:creationId xmlns:a16="http://schemas.microsoft.com/office/drawing/2014/main" id="{4BABDB58-B293-4683-A8EE-386D9B296A70}"/>
+                <a16:creationId xmlns:a16="http://schemas.microsoft.com/office/drawing/2014/main" id="{2040D102-8307-4614-B404-1D4D42EFA1C9}"/>
               </a:ext>
             </a:extLst>
           </p:cNvPr>
@@ -6786,31 +6858,71 @@
         </p:nvSpPr>
         <p:spPr>
           <a:xfrm>
-            <a:off x="1289108" y="2800864"/>
-            <a:ext cx="9613783" cy="853600"/>
+            <a:off x="2819200" y="394842"/>
+            <a:ext cx="6553600" cy="853600"/>
           </a:xfrm>
         </p:spPr>
         <p:txBody>
           <a:bodyPr/>
           <a:lstStyle/>
           <a:p>
-            <a:pPr algn="ctr"/>
-            <a:r>
-              <a:rPr lang="en-US" sz="5000" dirty="0">
-                <a:latin typeface="Garamond" panose="02020404030301010803" pitchFamily="18" charset="0"/>
-              </a:rPr>
-              <a:t>Thank you for your attention</a:t>
-            </a:r>
-            <a:endParaRPr lang="ru-RU" sz="5000" dirty="0">
-              <a:latin typeface="Garamond" panose="02020404030301010803" pitchFamily="18" charset="0"/>
-            </a:endParaRPr>
+            <a:r>
+              <a:rPr lang="en-US" dirty="0"/>
+              <a:t>Something about new stuff</a:t>
+            </a:r>
+            <a:endParaRPr lang="ru-RU" dirty="0"/>
+          </a:p>
+        </p:txBody>
+      </p:sp>
+      <p:sp>
+        <p:nvSpPr>
+          <p:cNvPr id="3" name="Текст 2">
+            <a:extLst>
+              <a:ext uri="{FF2B5EF4-FFF2-40B4-BE49-F238E27FC236}">
+                <a16:creationId xmlns:a16="http://schemas.microsoft.com/office/drawing/2014/main" id="{4D048C58-F9A3-4E76-A20C-0A57550A3120}"/>
+              </a:ext>
+            </a:extLst>
+          </p:cNvPr>
+          <p:cNvSpPr>
+            <a:spLocks noGrp="1"/>
+          </p:cNvSpPr>
+          <p:nvPr>
+            <p:ph type="body" idx="1"/>
+          </p:nvPr>
+        </p:nvSpPr>
+        <p:spPr>
+          <a:xfrm>
+            <a:off x="269498" y="1248442"/>
+            <a:ext cx="6553600" cy="3738400"/>
+          </a:xfrm>
+        </p:spPr>
+        <p:txBody>
+          <a:bodyPr/>
+          <a:lstStyle/>
+          <a:p>
+            <a:pPr marL="186262" indent="0">
+              <a:buNone/>
+            </a:pPr>
+            <a:r>
+              <a:rPr lang="en-US" dirty="0"/>
+              <a:t>Something that is completely new to the project compared to what is in </a:t>
+            </a:r>
+            <a:r>
+              <a:rPr lang="en-US" dirty="0" err="1"/>
+              <a:t>Shafarenko</a:t>
+            </a:r>
+            <a:r>
+              <a:rPr lang="en-US" dirty="0"/>
+              <a:t> is here</a:t>
+            </a:r>
+            <a:endParaRPr lang="ru-RU" dirty="0"/>
           </a:p>
         </p:txBody>
       </p:sp>
     </p:spTree>
     <p:extLst>
       <p:ext uri="{BB962C8B-B14F-4D97-AF65-F5344CB8AC3E}">
-        <p14:creationId xmlns:p14="http://schemas.microsoft.com/office/powerpoint/2010/main" val="3513148880"/>
+        <p14:creationId xmlns:p14="http://schemas.microsoft.com/office/powerpoint/2010/main" val="986015746"/>
       </p:ext>
     </p:extLst>
   </p:cSld>

--- a/Presentation.pptx
+++ b/Presentation.pptx
@@ -5464,7 +5464,7 @@
         </p:nvSpPr>
         <p:spPr>
           <a:xfrm>
-            <a:off x="1289108" y="2800864"/>
+            <a:off x="1289108" y="2809253"/>
             <a:ext cx="9613783" cy="853600"/>
           </a:xfrm>
         </p:spPr>
@@ -5594,7 +5594,7 @@
               <a:rPr lang="en-US" sz="2800" dirty="0">
                 <a:latin typeface="Garamond" panose="02020404030301010803" pitchFamily="18" charset="0"/>
               </a:rPr>
-              <a:t>The game consists of two rackets and a ball which bounces off them. If a ball touches a wall, the player, the opposite of that wall receives a point. The rackets move only vertically, while the ball also can move left or right. The game is also known as “Pong”. It was released in 1972.</a:t>
+              <a:t>The game consists of two bats and a ball which bounces off them. If a ball touches a wall, the player, the opposite of that wall receives a point. The bats move only vertically, while the ball also can move left or right. The game is also known as “Pong”. It was released in 1972.</a:t>
             </a:r>
             <a:endParaRPr sz="2800" dirty="0">
               <a:latin typeface="Garamond" panose="02020404030301010803" pitchFamily="18" charset="0"/>
@@ -5823,16 +5823,14 @@
       </p:sp>
       <p:pic>
         <p:nvPicPr>
-          <p:cNvPr id="3" name="Рисунок 2">
-            <a:extLst>
-              <a:ext uri="{FF2B5EF4-FFF2-40B4-BE49-F238E27FC236}">
-                <a16:creationId xmlns:a16="http://schemas.microsoft.com/office/drawing/2014/main" id="{CA4151CE-9290-4C31-8307-9127390B794B}"/>
-              </a:ext>
-            </a:extLst>
-          </p:cNvPr>
-          <p:cNvPicPr>
-            <a:picLocks noChangeAspect="1"/>
-          </p:cNvPicPr>
+          <p:cNvPr id="5" name="Рисунок 4">
+            <a:extLst>
+              <a:ext uri="{FF2B5EF4-FFF2-40B4-BE49-F238E27FC236}">
+                <a16:creationId xmlns:a16="http://schemas.microsoft.com/office/drawing/2014/main" id="{93B75819-854E-44A1-97C7-77F30379D9A7}"/>
+              </a:ext>
+            </a:extLst>
+          </p:cNvPr>
+          <p:cNvPicPr/>
           <p:nvPr/>
         </p:nvPicPr>
         <p:blipFill>
@@ -5843,8 +5841,8 @@
         </p:blipFill>
         <p:spPr>
           <a:xfrm>
-            <a:off x="5118101" y="285750"/>
-            <a:ext cx="7073900" cy="6286500"/>
+            <a:off x="5328014" y="1585943"/>
+            <a:ext cx="5915025" cy="4352925"/>
           </a:xfrm>
           <a:prstGeom prst="rect">
             <a:avLst/>
@@ -6001,7 +5999,7 @@
               <a:rPr lang="en-US" sz="2500" dirty="0">
                 <a:latin typeface="Garamond" panose="02020404030301010803" pitchFamily="18" charset="0"/>
               </a:rPr>
-              <a:t> 3 and 28 display the rockets. They light up  pixels with the Y coordinates </a:t>
+              <a:t> 3 and 28 display the bats. They light up  pixels with the Y coordinates </a:t>
             </a:r>
             <a:r>
               <a:rPr lang="en-US" sz="2500" dirty="0" err="1">
@@ -6025,8 +6023,41 @@
               <a:rPr lang="en-US" sz="2500" dirty="0">
                 <a:latin typeface="Garamond" panose="02020404030301010803" pitchFamily="18" charset="0"/>
               </a:rPr>
-              <a:t>, RightbatY+1, RightbatY+2 in the column 28. </a:t>
-            </a:r>
+              <a:t>, RightbatY+1, RightbatY+2 in the column 28. To check the </a:t>
+            </a:r>
+            <a:r>
+              <a:rPr lang="en-US" sz="2500" dirty="0" err="1">
+                <a:latin typeface="Garamond" panose="02020404030301010803" pitchFamily="18" charset="0"/>
+              </a:rPr>
+              <a:t>the</a:t>
+            </a:r>
+            <a:r>
+              <a:rPr lang="en-US" sz="2500" dirty="0">
+                <a:latin typeface="Garamond" panose="02020404030301010803" pitchFamily="18" charset="0"/>
+              </a:rPr>
+              <a:t> objects’ positions the </a:t>
+            </a:r>
+            <a:r>
+              <a:rPr lang="en-US" sz="2500" dirty="0" err="1">
+                <a:latin typeface="Garamond" panose="02020404030301010803" pitchFamily="18" charset="0"/>
+              </a:rPr>
+              <a:t>videochip</a:t>
+            </a:r>
+            <a:r>
+              <a:rPr lang="en-US" sz="2500" dirty="0">
+                <a:latin typeface="Garamond" panose="02020404030301010803" pitchFamily="18" charset="0"/>
+              </a:rPr>
+              <a:t> needs coordinates of the ball and Y coordinates of bats. They are represented as 5bit </a:t>
+            </a:r>
+            <a:r>
+              <a:rPr lang="en-US" sz="2500">
+                <a:latin typeface="Garamond" panose="02020404030301010803" pitchFamily="18" charset="0"/>
+              </a:rPr>
+              <a:t>values from 0 to 31.</a:t>
+            </a:r>
+            <a:endParaRPr lang="en-US" sz="2500" dirty="0">
+              <a:latin typeface="Garamond" panose="02020404030301010803" pitchFamily="18" charset="0"/>
+            </a:endParaRPr>
           </a:p>
         </p:txBody>
       </p:sp>
@@ -6154,7 +6185,7 @@
               <a:rPr lang="en-US" sz="2500" dirty="0">
                 <a:latin typeface="Garamond" panose="02020404030301010803" pitchFamily="18" charset="0"/>
               </a:rPr>
-              <a:t>It gets the Y coordinates of both rackets – left from the joystick and right from the processor. </a:t>
+              <a:t>It gets the Y coordinates of both bats – left from the joystick and right from the processor. </a:t>
             </a:r>
           </a:p>
           <a:p>
@@ -6181,7 +6212,7 @@
               <a:rPr lang="en-US" sz="2500" dirty="0">
                 <a:latin typeface="Garamond" panose="02020404030301010803" pitchFamily="18" charset="0"/>
               </a:rPr>
-              <a:t>Kinematic controller returns coordinates and velocity of the ball to the processor. It also returns scores to the scores schemes and  ball’s coordinates and Y coordinates of rackets to the video subsystem. The first </a:t>
+              <a:t>Kinematic controller returns coordinates and velocity of the ball to the processor. It also returns scores to the scores schemes and  ball’s coordinates and Y coordinates of bats to the video subsystem. The first </a:t>
             </a:r>
             <a:r>
               <a:rPr lang="en-US" sz="2500" dirty="0" err="1">
@@ -6396,12 +6427,55 @@
           </a:p>
         </p:txBody>
       </p:sp>
+      <p:sp>
+        <p:nvSpPr>
+          <p:cNvPr id="3" name="TextBox 2">
+            <a:extLst>
+              <a:ext uri="{FF2B5EF4-FFF2-40B4-BE49-F238E27FC236}">
+                <a16:creationId xmlns:a16="http://schemas.microsoft.com/office/drawing/2014/main" id="{3F174857-5624-48DB-9C21-F9BD1B46C652}"/>
+              </a:ext>
+            </a:extLst>
+          </p:cNvPr>
+          <p:cNvSpPr txBox="1"/>
+          <p:nvPr/>
+        </p:nvSpPr>
+        <p:spPr>
+          <a:xfrm>
+            <a:off x="244419" y="2866609"/>
+            <a:ext cx="7147420" cy="1523494"/>
+          </a:xfrm>
+          <a:prstGeom prst="rect">
+            <a:avLst/>
+          </a:prstGeom>
+          <a:noFill/>
+        </p:spPr>
+        <p:txBody>
+          <a:bodyPr wrap="square" rtlCol="0">
+            <a:spAutoFit/>
+          </a:bodyPr>
+          <a:lstStyle/>
+          <a:p>
+            <a:r>
+              <a:rPr lang="en-US" sz="2500" dirty="0">
+                <a:solidFill>
+                  <a:schemeClr val="bg1"/>
+                </a:solidFill>
+                <a:latin typeface="Garamond" panose="02020404030301010803" pitchFamily="18" charset="0"/>
+              </a:rPr>
+              <a:t>These are registers: two for the ball’s coordinates , two for the ball’s velocity , two for the scores and one for the right bat Y coordinate.</a:t>
+            </a:r>
+          </a:p>
+          <a:p>
+            <a:endParaRPr lang="ru-RU" dirty="0"/>
+          </a:p>
+        </p:txBody>
+      </p:sp>
       <p:pic>
         <p:nvPicPr>
-          <p:cNvPr id="6" name="Рисунок 5">
-            <a:extLst>
-              <a:ext uri="{FF2B5EF4-FFF2-40B4-BE49-F238E27FC236}">
-                <a16:creationId xmlns:a16="http://schemas.microsoft.com/office/drawing/2014/main" id="{2FC18A07-3A37-4DF4-A33C-5C0DC7D0613F}"/>
+          <p:cNvPr id="2" name="Рисунок 1">
+            <a:extLst>
+              <a:ext uri="{FF2B5EF4-FFF2-40B4-BE49-F238E27FC236}">
+                <a16:creationId xmlns:a16="http://schemas.microsoft.com/office/drawing/2014/main" id="{578B90B0-2E5F-495D-872B-4D5800415347}"/>
               </a:ext>
             </a:extLst>
           </p:cNvPr>
@@ -6418,57 +6492,14 @@
         </p:blipFill>
         <p:spPr>
           <a:xfrm>
-            <a:off x="7485035" y="2304546"/>
-            <a:ext cx="2457450" cy="3467100"/>
+            <a:off x="7888919" y="2239862"/>
+            <a:ext cx="2638793" cy="3324689"/>
           </a:xfrm>
           <a:prstGeom prst="rect">
             <a:avLst/>
           </a:prstGeom>
         </p:spPr>
       </p:pic>
-      <p:sp>
-        <p:nvSpPr>
-          <p:cNvPr id="3" name="TextBox 2">
-            <a:extLst>
-              <a:ext uri="{FF2B5EF4-FFF2-40B4-BE49-F238E27FC236}">
-                <a16:creationId xmlns:a16="http://schemas.microsoft.com/office/drawing/2014/main" id="{3F174857-5624-48DB-9C21-F9BD1B46C652}"/>
-              </a:ext>
-            </a:extLst>
-          </p:cNvPr>
-          <p:cNvSpPr txBox="1"/>
-          <p:nvPr/>
-        </p:nvSpPr>
-        <p:spPr>
-          <a:xfrm>
-            <a:off x="244419" y="2866609"/>
-            <a:ext cx="7147420" cy="1523494"/>
-          </a:xfrm>
-          <a:prstGeom prst="rect">
-            <a:avLst/>
-          </a:prstGeom>
-          <a:noFill/>
-        </p:spPr>
-        <p:txBody>
-          <a:bodyPr wrap="square" rtlCol="0">
-            <a:spAutoFit/>
-          </a:bodyPr>
-          <a:lstStyle/>
-          <a:p>
-            <a:r>
-              <a:rPr lang="en-US" sz="2500" dirty="0">
-                <a:solidFill>
-                  <a:schemeClr val="bg1"/>
-                </a:solidFill>
-                <a:latin typeface="Garamond" panose="02020404030301010803" pitchFamily="18" charset="0"/>
-              </a:rPr>
-              <a:t>These are registers: two for the ball’s coordinates , two for the ball’s velocity , two for the scores and one for the right bat Y coordinate.</a:t>
-            </a:r>
-          </a:p>
-          <a:p>
-            <a:endParaRPr lang="ru-RU" dirty="0"/>
-          </a:p>
-        </p:txBody>
-      </p:sp>
     </p:spTree>
     <p:extLst>
       <p:ext uri="{BB962C8B-B14F-4D97-AF65-F5344CB8AC3E}">
@@ -6578,7 +6609,7 @@
               <a:rPr lang="en-US" sz="2500" dirty="0">
                 <a:latin typeface="Garamond" panose="02020404030301010803" pitchFamily="18" charset="0"/>
               </a:rPr>
-              <a:t>Our opponent is controlled with AI. The processor receives coordinates and velocity of the ball and adjusts the position of the right racket to hit the ball when it returns back. The right racket can’t move when the ball is on the right side of the display panel.</a:t>
+              <a:t>Our opponent is controlled with AI. The processor receives coordinates and velocity of the ball and adjusts the position of the right bat to hit the ball when it returns back. The right bat can’t move when the ball is on the right side of the display panel.</a:t>
             </a:r>
             <a:endParaRPr sz="2500" dirty="0">
               <a:latin typeface="Garamond" panose="02020404030301010803" pitchFamily="18" charset="0"/>
@@ -6586,12 +6617,49 @@
           </a:p>
         </p:txBody>
       </p:sp>
+      <p:sp>
+        <p:nvSpPr>
+          <p:cNvPr id="3" name="TextBox 2">
+            <a:extLst>
+              <a:ext uri="{FF2B5EF4-FFF2-40B4-BE49-F238E27FC236}">
+                <a16:creationId xmlns:a16="http://schemas.microsoft.com/office/drawing/2014/main" id="{2BF6992E-3D92-4038-BD47-2CDE9DB76FFC}"/>
+              </a:ext>
+            </a:extLst>
+          </p:cNvPr>
+          <p:cNvSpPr txBox="1"/>
+          <p:nvPr/>
+        </p:nvSpPr>
+        <p:spPr>
+          <a:xfrm>
+            <a:off x="6862194" y="1442906"/>
+            <a:ext cx="5149815" cy="477054"/>
+          </a:xfrm>
+          <a:prstGeom prst="rect">
+            <a:avLst/>
+          </a:prstGeom>
+          <a:noFill/>
+        </p:spPr>
+        <p:txBody>
+          <a:bodyPr wrap="square" rtlCol="0">
+            <a:spAutoFit/>
+          </a:bodyPr>
+          <a:lstStyle/>
+          <a:p>
+            <a:endParaRPr lang="ru-RU" sz="2500" dirty="0">
+              <a:solidFill>
+                <a:schemeClr val="bg1"/>
+              </a:solidFill>
+              <a:latin typeface="Garamond" panose="02020404030301010803" pitchFamily="18" charset="0"/>
+            </a:endParaRPr>
+          </a:p>
+        </p:txBody>
+      </p:sp>
       <p:pic>
         <p:nvPicPr>
-          <p:cNvPr id="2" name="Рисунок 1">
-            <a:extLst>
-              <a:ext uri="{FF2B5EF4-FFF2-40B4-BE49-F238E27FC236}">
-                <a16:creationId xmlns:a16="http://schemas.microsoft.com/office/drawing/2014/main" id="{1CA89174-AF78-4767-8CE8-25CF292F451C}"/>
+          <p:cNvPr id="6" name="Рисунок 5">
+            <a:extLst>
+              <a:ext uri="{FF2B5EF4-FFF2-40B4-BE49-F238E27FC236}">
+                <a16:creationId xmlns:a16="http://schemas.microsoft.com/office/drawing/2014/main" id="{2FD92D98-BE88-41DC-8099-4A6C8EC6B5C7}"/>
               </a:ext>
             </a:extLst>
           </p:cNvPr>
@@ -6608,51 +6676,14 @@
         </p:blipFill>
         <p:spPr>
           <a:xfrm>
-            <a:off x="5469435" y="1061759"/>
-            <a:ext cx="6287419" cy="4826123"/>
+            <a:off x="5736669" y="1061759"/>
+            <a:ext cx="5668166" cy="4610743"/>
           </a:xfrm>
           <a:prstGeom prst="rect">
             <a:avLst/>
           </a:prstGeom>
         </p:spPr>
       </p:pic>
-      <p:sp>
-        <p:nvSpPr>
-          <p:cNvPr id="3" name="TextBox 2">
-            <a:extLst>
-              <a:ext uri="{FF2B5EF4-FFF2-40B4-BE49-F238E27FC236}">
-                <a16:creationId xmlns:a16="http://schemas.microsoft.com/office/drawing/2014/main" id="{2BF6992E-3D92-4038-BD47-2CDE9DB76FFC}"/>
-              </a:ext>
-            </a:extLst>
-          </p:cNvPr>
-          <p:cNvSpPr txBox="1"/>
-          <p:nvPr/>
-        </p:nvSpPr>
-        <p:spPr>
-          <a:xfrm>
-            <a:off x="6862194" y="1442906"/>
-            <a:ext cx="5149815" cy="477054"/>
-          </a:xfrm>
-          <a:prstGeom prst="rect">
-            <a:avLst/>
-          </a:prstGeom>
-          <a:noFill/>
-        </p:spPr>
-        <p:txBody>
-          <a:bodyPr wrap="square" rtlCol="0">
-            <a:spAutoFit/>
-          </a:bodyPr>
-          <a:lstStyle/>
-          <a:p>
-            <a:endParaRPr lang="ru-RU" sz="2500" dirty="0">
-              <a:solidFill>
-                <a:schemeClr val="bg1"/>
-              </a:solidFill>
-              <a:latin typeface="Garamond" panose="02020404030301010803" pitchFamily="18" charset="0"/>
-            </a:endParaRPr>
-          </a:p>
-        </p:txBody>
-      </p:sp>
     </p:spTree>
     <p:extLst>
       <p:ext uri="{BB962C8B-B14F-4D97-AF65-F5344CB8AC3E}">
@@ -6755,7 +6786,7 @@
               <a:rPr lang="en-US" sz="2500" dirty="0">
                 <a:latin typeface="Garamond" panose="02020404030301010803" pitchFamily="18" charset="0"/>
               </a:rPr>
-              <a:t>We have a program for the processor which calculates what Y coordinate for the racket is optimal in order to deflect the ball. It checks if the X velocity of the ball is positive. If it is, then it calculates what Y is optimal for the racket. </a:t>
+              <a:t>We have a program for the processor which calculates what Y coordinate for the bat is optimal in order to deflect the ball. It checks if the X velocity of the ball is positive. If it is, then it calculates what Y is optimal for the bat. </a:t>
             </a:r>
           </a:p>
           <a:p>

--- a/Presentation.pptx
+++ b/Presentation.pptx
@@ -11,13 +11,13 @@
     <p:sldId id="268" r:id="rId2"/>
     <p:sldId id="309" r:id="rId3"/>
     <p:sldId id="310" r:id="rId4"/>
-    <p:sldId id="320" r:id="rId5"/>
-    <p:sldId id="312" r:id="rId6"/>
-    <p:sldId id="311" r:id="rId7"/>
-    <p:sldId id="313" r:id="rId8"/>
-    <p:sldId id="319" r:id="rId9"/>
-    <p:sldId id="321" r:id="rId10"/>
-    <p:sldId id="318" r:id="rId11"/>
+    <p:sldId id="322" r:id="rId5"/>
+    <p:sldId id="320" r:id="rId6"/>
+    <p:sldId id="312" r:id="rId7"/>
+    <p:sldId id="311" r:id="rId8"/>
+    <p:sldId id="313" r:id="rId9"/>
+    <p:sldId id="319" r:id="rId10"/>
+    <p:sldId id="323" r:id="rId11"/>
   </p:sldIdLst>
   <p:sldSz cx="12192000" cy="6858000"/>
   <p:notesSz cx="6858000" cy="9144000"/>
@@ -5451,7 +5451,7 @@
           <p:cNvPr id="2" name="Заголовок 1">
             <a:extLst>
               <a:ext uri="{FF2B5EF4-FFF2-40B4-BE49-F238E27FC236}">
-                <a16:creationId xmlns:a16="http://schemas.microsoft.com/office/drawing/2014/main" id="{4BABDB58-B293-4683-A8EE-386D9B296A70}"/>
+                <a16:creationId xmlns:a16="http://schemas.microsoft.com/office/drawing/2014/main" id="{101CC53F-591E-4DF7-BA40-0B19D33D16D4}"/>
               </a:ext>
             </a:extLst>
           </p:cNvPr>
@@ -5464,8 +5464,8 @@
         </p:nvSpPr>
         <p:spPr>
           <a:xfrm>
-            <a:off x="1289108" y="2809253"/>
-            <a:ext cx="9613783" cy="853600"/>
+            <a:off x="2902541" y="411621"/>
+            <a:ext cx="6553600" cy="853600"/>
           </a:xfrm>
         </p:spPr>
         <p:txBody>
@@ -5474,21 +5474,92 @@
           <a:p>
             <a:pPr algn="ctr"/>
             <a:r>
-              <a:rPr lang="en-US" sz="5000" dirty="0">
+              <a:rPr lang="en-US" sz="3500" dirty="0">
                 <a:latin typeface="Garamond" panose="02020404030301010803" pitchFamily="18" charset="0"/>
               </a:rPr>
-              <a:t>Thank you for your attention</a:t>
-            </a:r>
-            <a:endParaRPr lang="ru-RU" sz="5000" dirty="0">
+              <a:t>Moving the right bat </a:t>
+            </a:r>
+            <a:endParaRPr lang="ru-RU" sz="3500" dirty="0">
               <a:latin typeface="Garamond" panose="02020404030301010803" pitchFamily="18" charset="0"/>
             </a:endParaRPr>
           </a:p>
         </p:txBody>
       </p:sp>
+      <p:sp>
+        <p:nvSpPr>
+          <p:cNvPr id="3" name="Текст 2">
+            <a:extLst>
+              <a:ext uri="{FF2B5EF4-FFF2-40B4-BE49-F238E27FC236}">
+                <a16:creationId xmlns:a16="http://schemas.microsoft.com/office/drawing/2014/main" id="{1CE7AC24-086F-44F8-87EA-9CFBB3EC70F9}"/>
+              </a:ext>
+            </a:extLst>
+          </p:cNvPr>
+          <p:cNvSpPr>
+            <a:spLocks noGrp="1"/>
+          </p:cNvSpPr>
+          <p:nvPr>
+            <p:ph type="body" idx="1"/>
+          </p:nvPr>
+        </p:nvSpPr>
+        <p:spPr>
+          <a:xfrm>
+            <a:off x="336609" y="1098958"/>
+            <a:ext cx="5586019" cy="3904663"/>
+          </a:xfrm>
+        </p:spPr>
+        <p:txBody>
+          <a:bodyPr/>
+          <a:lstStyle/>
+          <a:p>
+            <a:pPr marL="186262" indent="0">
+              <a:buNone/>
+            </a:pPr>
+            <a:r>
+              <a:rPr lang="en-US" sz="2500" dirty="0">
+                <a:latin typeface="Garamond" panose="02020404030301010803" pitchFamily="18" charset="0"/>
+              </a:rPr>
+              <a:t>After getting the optimal Y coordinate for the right bat the kinematic controller moves it with a velocity of 2.5 display pixels per 10 ticks. The right bat can only move when the ball is in the left half of the display panel. </a:t>
+            </a:r>
+            <a:endParaRPr lang="ru-RU" sz="2500" dirty="0">
+              <a:latin typeface="Garamond" panose="02020404030301010803" pitchFamily="18" charset="0"/>
+            </a:endParaRPr>
+          </a:p>
+        </p:txBody>
+      </p:sp>
+      <p:pic>
+        <p:nvPicPr>
+          <p:cNvPr id="4" name="Рисунок 3">
+            <a:extLst>
+              <a:ext uri="{FF2B5EF4-FFF2-40B4-BE49-F238E27FC236}">
+                <a16:creationId xmlns:a16="http://schemas.microsoft.com/office/drawing/2014/main" id="{BFFF96A6-9F81-4EA9-9809-B6E5D4B4B876}"/>
+              </a:ext>
+            </a:extLst>
+          </p:cNvPr>
+          <p:cNvPicPr>
+            <a:picLocks noChangeAspect="1"/>
+          </p:cNvPicPr>
+          <p:nvPr/>
+        </p:nvPicPr>
+        <p:blipFill>
+          <a:blip r:embed="rId2"/>
+          <a:stretch>
+            <a:fillRect/>
+          </a:stretch>
+        </p:blipFill>
+        <p:spPr>
+          <a:xfrm>
+            <a:off x="6096000" y="1265221"/>
+            <a:ext cx="5200452" cy="1757493"/>
+          </a:xfrm>
+          <a:prstGeom prst="rect">
+            <a:avLst/>
+          </a:prstGeom>
+        </p:spPr>
+      </p:pic>
     </p:spTree>
     <p:extLst>
       <p:ext uri="{BB962C8B-B14F-4D97-AF65-F5344CB8AC3E}">
-        <p14:creationId xmlns:p14="http://schemas.microsoft.com/office/powerpoint/2010/main" val="3513148880"/>
+        <p14:creationId xmlns:p14="http://schemas.microsoft.com/office/powerpoint/2010/main" val="4180789329"/>
       </p:ext>
     </p:extLst>
   </p:cSld>
@@ -5594,7 +5665,7 @@
               <a:rPr lang="en-US" sz="2800" dirty="0">
                 <a:latin typeface="Garamond" panose="02020404030301010803" pitchFamily="18" charset="0"/>
               </a:rPr>
-              <a:t>The game consists of two bats and a ball which bounces off them. If a ball touches a wall, the player, the opposite of that wall receives a point. The bats move only vertically, while the ball also can move left or right. The game is also known as “Pong”. It was released in 1972.</a:t>
+              <a:t>The game consists of two bats and a ball which bounces off them. If a ball touches a wall, the player, whose bat is the opposite of that wall receives a point. The bats move only vertically, while the ball also can move left or right.</a:t>
             </a:r>
             <a:endParaRPr sz="2800" dirty="0">
               <a:latin typeface="Garamond" panose="02020404030301010803" pitchFamily="18" charset="0"/>
@@ -5631,7 +5702,7 @@
         </p:blipFill>
         <p:spPr bwMode="auto">
           <a:xfrm>
-            <a:off x="6846566" y="2037420"/>
+            <a:off x="6841259" y="1842830"/>
             <a:ext cx="5057775" cy="3924300"/>
           </a:xfrm>
           <a:prstGeom prst="rect">
@@ -5734,8 +5805,8 @@
         </p:nvSpPr>
         <p:spPr>
           <a:xfrm>
-            <a:off x="92278" y="1893206"/>
-            <a:ext cx="4957893" cy="3738400"/>
+            <a:off x="92278" y="1893205"/>
+            <a:ext cx="4957893" cy="4599873"/>
           </a:xfrm>
           <a:prstGeom prst="rect">
             <a:avLst/>
@@ -5784,16 +5855,10 @@
               </a:rPr>
               <a:t> each. This video subsystem displays the bats, the ball and the background.</a:t>
             </a:r>
-          </a:p>
-          <a:p>
-            <a:pPr marL="0" indent="0">
-              <a:buClr>
-                <a:schemeClr val="dk1"/>
-              </a:buClr>
-              <a:buSzPts val="1100"/>
-              <a:buNone/>
-            </a:pPr>
-            <a:endParaRPr lang="en-US" dirty="0"/>
+            <a:r>
+              <a:rPr lang="en-US" dirty="0"/>
+              <a:t> </a:t>
+            </a:r>
           </a:p>
           <a:p>
             <a:pPr marL="0" indent="0">
@@ -5884,6 +5949,144 @@
           <p:cNvPr id="2" name="Заголовок 1">
             <a:extLst>
               <a:ext uri="{FF2B5EF4-FFF2-40B4-BE49-F238E27FC236}">
+                <a16:creationId xmlns:a16="http://schemas.microsoft.com/office/drawing/2014/main" id="{3259420A-CBA6-4F58-AE7C-042FC79B93BB}"/>
+              </a:ext>
+            </a:extLst>
+          </p:cNvPr>
+          <p:cNvSpPr>
+            <a:spLocks noGrp="1"/>
+          </p:cNvSpPr>
+          <p:nvPr>
+            <p:ph type="title"/>
+          </p:nvPr>
+        </p:nvSpPr>
+        <p:spPr>
+          <a:xfrm>
+            <a:off x="520067" y="470343"/>
+            <a:ext cx="6553600" cy="853600"/>
+          </a:xfrm>
+        </p:spPr>
+        <p:txBody>
+          <a:bodyPr/>
+          <a:lstStyle/>
+          <a:p>
+            <a:pPr algn="ctr"/>
+            <a:r>
+              <a:rPr lang="en-US" sz="3500" dirty="0">
+                <a:latin typeface="Garamond" panose="02020404030301010803" pitchFamily="18" charset="0"/>
+              </a:rPr>
+              <a:t>Controls</a:t>
+            </a:r>
+            <a:endParaRPr lang="ru-RU" sz="3500" dirty="0">
+              <a:latin typeface="Garamond" panose="02020404030301010803" pitchFamily="18" charset="0"/>
+            </a:endParaRPr>
+          </a:p>
+        </p:txBody>
+      </p:sp>
+      <p:sp>
+        <p:nvSpPr>
+          <p:cNvPr id="3" name="Текст 2">
+            <a:extLst>
+              <a:ext uri="{FF2B5EF4-FFF2-40B4-BE49-F238E27FC236}">
+                <a16:creationId xmlns:a16="http://schemas.microsoft.com/office/drawing/2014/main" id="{0549A468-5316-4A4D-8734-7573DC2BC17A}"/>
+              </a:ext>
+            </a:extLst>
+          </p:cNvPr>
+          <p:cNvSpPr>
+            <a:spLocks noGrp="1"/>
+          </p:cNvSpPr>
+          <p:nvPr>
+            <p:ph type="body" idx="1"/>
+          </p:nvPr>
+        </p:nvSpPr>
+        <p:spPr>
+          <a:xfrm>
+            <a:off x="436177" y="1554471"/>
+            <a:ext cx="6553600" cy="4737271"/>
+          </a:xfrm>
+        </p:spPr>
+        <p:txBody>
+          <a:bodyPr/>
+          <a:lstStyle/>
+          <a:p>
+            <a:pPr marL="186262" indent="0">
+              <a:buNone/>
+            </a:pPr>
+            <a:r>
+              <a:rPr lang="en-US" sz="2500" dirty="0">
+                <a:latin typeface="Garamond" panose="02020404030301010803" pitchFamily="18" charset="0"/>
+              </a:rPr>
+              <a:t>The player controls the left bat by moving the red part of the joystick. Only the Y axis of the joystick affects the bat. Speed of the bat is changed by how much the red “button” is deviated from the center. Speed changes from -3 to +3 in 10 ticks.</a:t>
+            </a:r>
+            <a:endParaRPr lang="ru-RU" sz="2500" dirty="0">
+              <a:latin typeface="Garamond" panose="02020404030301010803" pitchFamily="18" charset="0"/>
+            </a:endParaRPr>
+          </a:p>
+        </p:txBody>
+      </p:sp>
+      <p:pic>
+        <p:nvPicPr>
+          <p:cNvPr id="4" name="Рисунок 3">
+            <a:extLst>
+              <a:ext uri="{FF2B5EF4-FFF2-40B4-BE49-F238E27FC236}">
+                <a16:creationId xmlns:a16="http://schemas.microsoft.com/office/drawing/2014/main" id="{288D31AA-7CF2-48C7-A399-338A3726D03F}"/>
+              </a:ext>
+            </a:extLst>
+          </p:cNvPr>
+          <p:cNvPicPr/>
+          <p:nvPr/>
+        </p:nvPicPr>
+        <p:blipFill>
+          <a:blip r:embed="rId2"/>
+          <a:stretch>
+            <a:fillRect/>
+          </a:stretch>
+        </p:blipFill>
+        <p:spPr>
+          <a:xfrm>
+            <a:off x="7073667" y="1554471"/>
+            <a:ext cx="3403133" cy="3320904"/>
+          </a:xfrm>
+          <a:prstGeom prst="rect">
+            <a:avLst/>
+          </a:prstGeom>
+        </p:spPr>
+      </p:pic>
+    </p:spTree>
+    <p:extLst>
+      <p:ext uri="{BB962C8B-B14F-4D97-AF65-F5344CB8AC3E}">
+        <p14:creationId xmlns:p14="http://schemas.microsoft.com/office/powerpoint/2010/main" val="360803632"/>
+      </p:ext>
+    </p:extLst>
+  </p:cSld>
+  <p:clrMapOvr>
+    <a:masterClrMapping/>
+  </p:clrMapOvr>
+</p:sld>
+</file>
+
+<file path=ppt/slides/slide5.xml><?xml version="1.0" encoding="utf-8"?>
+<p:sld xmlns:a="http://schemas.openxmlformats.org/drawingml/2006/main" xmlns:r="http://schemas.openxmlformats.org/officeDocument/2006/relationships" xmlns:p="http://schemas.openxmlformats.org/presentationml/2006/main">
+  <p:cSld>
+    <p:spTree>
+      <p:nvGrpSpPr>
+        <p:cNvPr id="1" name=""/>
+        <p:cNvGrpSpPr/>
+        <p:nvPr/>
+      </p:nvGrpSpPr>
+      <p:grpSpPr>
+        <a:xfrm>
+          <a:off x="0" y="0"/>
+          <a:ext cx="0" cy="0"/>
+          <a:chOff x="0" y="0"/>
+          <a:chExt cx="0" cy="0"/>
+        </a:xfrm>
+      </p:grpSpPr>
+      <p:sp>
+        <p:nvSpPr>
+          <p:cNvPr id="2" name="Заголовок 1">
+            <a:extLst>
+              <a:ext uri="{FF2B5EF4-FFF2-40B4-BE49-F238E27FC236}">
                 <a16:creationId xmlns:a16="http://schemas.microsoft.com/office/drawing/2014/main" id="{6D30D5B7-D646-4D4C-B821-1CFBD041A3C0}"/>
               </a:ext>
             </a:extLst>
@@ -5987,19 +6190,19 @@
               <a:rPr lang="en-US" sz="2500" dirty="0">
                 <a:latin typeface="Garamond" panose="02020404030301010803" pitchFamily="18" charset="0"/>
               </a:rPr>
-              <a:t> drives one column of the display panel. It checks if the ball is on it’s column and lights up if that is the case. Also </a:t>
+              <a:t> drives one column of the display panel. It checks if the ball is on it’s column and lights up if that is the case. </a:t>
             </a:r>
             <a:r>
               <a:rPr lang="en-US" sz="2500" dirty="0" err="1">
                 <a:latin typeface="Garamond" panose="02020404030301010803" pitchFamily="18" charset="0"/>
               </a:rPr>
-              <a:t>videochips</a:t>
+              <a:t>Videochips</a:t>
             </a:r>
             <a:r>
               <a:rPr lang="en-US" sz="2500" dirty="0">
                 <a:latin typeface="Garamond" panose="02020404030301010803" pitchFamily="18" charset="0"/>
               </a:rPr>
-              <a:t> 3 and 28 display the bats. They light up  pixels with the Y coordinates </a:t>
+              <a:t> 3 and 28 also display the bats. They light up pixels with the Y coordinates </a:t>
             </a:r>
             <a:r>
               <a:rPr lang="en-US" sz="2500" dirty="0" err="1">
@@ -6011,7 +6214,7 @@
               <a:rPr lang="en-US" sz="2500" dirty="0">
                 <a:latin typeface="Garamond" panose="02020404030301010803" pitchFamily="18" charset="0"/>
               </a:rPr>
-              <a:t>, LeftbatY+1, LeftbatY+2 in the column 3 and </a:t>
+              <a:t>, LeftbatY+1, LeftbatY-1 in the column 3 and </a:t>
             </a:r>
             <a:r>
               <a:rPr lang="en-US" sz="2500" dirty="0" err="1">
@@ -6023,7 +6226,7 @@
               <a:rPr lang="en-US" sz="2500" dirty="0">
                 <a:latin typeface="Garamond" panose="02020404030301010803" pitchFamily="18" charset="0"/>
               </a:rPr>
-              <a:t>, RightbatY+1, RightbatY+2 in the column 28. To check the </a:t>
+              <a:t>, RightbatY+1, RightbatY-1 in the column 28. To check the </a:t>
             </a:r>
             <a:r>
               <a:rPr lang="en-US" sz="2500" dirty="0" err="1">
@@ -6047,17 +6250,8 @@
               <a:rPr lang="en-US" sz="2500" dirty="0">
                 <a:latin typeface="Garamond" panose="02020404030301010803" pitchFamily="18" charset="0"/>
               </a:rPr>
-              <a:t> needs coordinates of the ball and Y coordinates of bats. They are represented as 5bit </a:t>
-            </a:r>
-            <a:r>
-              <a:rPr lang="en-US" sz="2500">
-                <a:latin typeface="Garamond" panose="02020404030301010803" pitchFamily="18" charset="0"/>
-              </a:rPr>
-              <a:t>values from 0 to 31.</a:t>
-            </a:r>
-            <a:endParaRPr lang="en-US" sz="2500" dirty="0">
-              <a:latin typeface="Garamond" panose="02020404030301010803" pitchFamily="18" charset="0"/>
-            </a:endParaRPr>
+              <a:t> needs coordinates of the ball and Y coordinates of bats. They are represented as 5bit values from 0 to 31.</a:t>
+            </a:r>
           </a:p>
         </p:txBody>
       </p:sp>
@@ -6074,7 +6268,7 @@
 </p:sld>
 </file>
 
-<file path=ppt/slides/slide5.xml><?xml version="1.0" encoding="utf-8"?>
+<file path=ppt/slides/slide6.xml><?xml version="1.0" encoding="utf-8"?>
 <p:sld xmlns:a="http://schemas.openxmlformats.org/drawingml/2006/main" xmlns:r="http://schemas.openxmlformats.org/officeDocument/2006/relationships" xmlns:p="http://schemas.openxmlformats.org/presentationml/2006/main">
   <p:cSld>
     <p:spTree>
@@ -6314,7 +6508,7 @@
 </p:sld>
 </file>
 
-<file path=ppt/slides/slide6.xml><?xml version="1.0" encoding="utf-8"?>
+<file path=ppt/slides/slide7.xml><?xml version="1.0" encoding="utf-8"?>
 <p:sld xmlns:a="http://schemas.openxmlformats.org/drawingml/2006/main" xmlns:r="http://schemas.openxmlformats.org/officeDocument/2006/relationships" xmlns:p="http://schemas.openxmlformats.org/presentationml/2006/main">
   <p:cSld>
     <p:spTree>
@@ -6442,7 +6636,7 @@
         <p:spPr>
           <a:xfrm>
             <a:off x="244419" y="2866609"/>
-            <a:ext cx="7147420" cy="1523494"/>
+            <a:ext cx="7147420" cy="2677656"/>
           </a:xfrm>
           <a:prstGeom prst="rect">
             <a:avLst/>
@@ -6462,8 +6656,24 @@
                 </a:solidFill>
                 <a:latin typeface="Garamond" panose="02020404030301010803" pitchFamily="18" charset="0"/>
               </a:rPr>
-              <a:t>These are registers: two for the ball’s coordinates , two for the ball’s velocity , two for the scores and one for the right bat Y coordinate.</a:t>
-            </a:r>
+              <a:t>These are registers: two for the ball’s coordinates (16-bit), two for the ball’s velocity (12-bit), two for the scores(8-bit) and one for the right bat Y coordinate(5 bit).</a:t>
+            </a:r>
+          </a:p>
+          <a:p>
+            <a:endParaRPr lang="en-US" sz="2500" dirty="0">
+              <a:solidFill>
+                <a:schemeClr val="bg1"/>
+              </a:solidFill>
+              <a:latin typeface="Garamond" panose="02020404030301010803" pitchFamily="18" charset="0"/>
+            </a:endParaRPr>
+          </a:p>
+          <a:p>
+            <a:endParaRPr lang="en-US" sz="2500" dirty="0">
+              <a:solidFill>
+                <a:schemeClr val="bg1"/>
+              </a:solidFill>
+              <a:latin typeface="Garamond" panose="02020404030301010803" pitchFamily="18" charset="0"/>
+            </a:endParaRPr>
           </a:p>
           <a:p>
             <a:endParaRPr lang="ru-RU" dirty="0"/>
@@ -6513,7 +6723,7 @@
 </p:sld>
 </file>
 
-<file path=ppt/slides/slide7.xml><?xml version="1.0" encoding="utf-8"?>
+<file path=ppt/slides/slide8.xml><?xml version="1.0" encoding="utf-8"?>
 <p:sld xmlns:a="http://schemas.openxmlformats.org/drawingml/2006/main" xmlns:r="http://schemas.openxmlformats.org/officeDocument/2006/relationships" xmlns:p="http://schemas.openxmlformats.org/presentationml/2006/main">
   <p:cSld>
     <p:spTree>
@@ -6609,7 +6819,7 @@
               <a:rPr lang="en-US" sz="2500" dirty="0">
                 <a:latin typeface="Garamond" panose="02020404030301010803" pitchFamily="18" charset="0"/>
               </a:rPr>
-              <a:t>Our opponent is controlled with AI. The processor receives coordinates and velocity of the ball and adjusts the position of the right bat to hit the ball when it returns back. The right bat can’t move when the ball is on the right side of the display panel.</a:t>
+              <a:t>Our opponent is controlled with AI. The processor receives coordinates and velocity of the ball and adjusts the position of the right bat to hit the ball when it returns back. </a:t>
             </a:r>
             <a:endParaRPr sz="2500" dirty="0">
               <a:latin typeface="Garamond" panose="02020404030301010803" pitchFamily="18" charset="0"/>
@@ -6697,163 +6907,6 @@
 </p:sld>
 </file>
 
-<file path=ppt/slides/slide8.xml><?xml version="1.0" encoding="utf-8"?>
-<p:sld xmlns:a="http://schemas.openxmlformats.org/drawingml/2006/main" xmlns:r="http://schemas.openxmlformats.org/officeDocument/2006/relationships" xmlns:p="http://schemas.openxmlformats.org/presentationml/2006/main">
-  <p:cSld>
-    <p:spTree>
-      <p:nvGrpSpPr>
-        <p:cNvPr id="1" name=""/>
-        <p:cNvGrpSpPr/>
-        <p:nvPr/>
-      </p:nvGrpSpPr>
-      <p:grpSpPr>
-        <a:xfrm>
-          <a:off x="0" y="0"/>
-          <a:ext cx="0" cy="0"/>
-          <a:chOff x="0" y="0"/>
-          <a:chExt cx="0" cy="0"/>
-        </a:xfrm>
-      </p:grpSpPr>
-      <p:sp>
-        <p:nvSpPr>
-          <p:cNvPr id="2" name="Заголовок 1">
-            <a:extLst>
-              <a:ext uri="{FF2B5EF4-FFF2-40B4-BE49-F238E27FC236}">
-                <a16:creationId xmlns:a16="http://schemas.microsoft.com/office/drawing/2014/main" id="{4159FC72-A4EF-46BE-B159-6E456325FBFE}"/>
-              </a:ext>
-            </a:extLst>
-          </p:cNvPr>
-          <p:cNvSpPr>
-            <a:spLocks noGrp="1"/>
-          </p:cNvSpPr>
-          <p:nvPr>
-            <p:ph type="title"/>
-          </p:nvPr>
-        </p:nvSpPr>
-        <p:spPr>
-          <a:xfrm>
-            <a:off x="2819200" y="470343"/>
-            <a:ext cx="6553600" cy="853600"/>
-          </a:xfrm>
-        </p:spPr>
-        <p:txBody>
-          <a:bodyPr/>
-          <a:lstStyle/>
-          <a:p>
-            <a:pPr algn="ctr"/>
-            <a:r>
-              <a:rPr lang="en-US" sz="3500" dirty="0">
-                <a:latin typeface="Garamond" panose="02020404030301010803" pitchFamily="18" charset="0"/>
-              </a:rPr>
-              <a:t>Artificial intelligence</a:t>
-            </a:r>
-            <a:endParaRPr lang="ru-RU" sz="3500" dirty="0">
-              <a:latin typeface="Garamond" panose="02020404030301010803" pitchFamily="18" charset="0"/>
-            </a:endParaRPr>
-          </a:p>
-        </p:txBody>
-      </p:sp>
-      <p:sp>
-        <p:nvSpPr>
-          <p:cNvPr id="3" name="Текст 2">
-            <a:extLst>
-              <a:ext uri="{FF2B5EF4-FFF2-40B4-BE49-F238E27FC236}">
-                <a16:creationId xmlns:a16="http://schemas.microsoft.com/office/drawing/2014/main" id="{30280249-A02E-496B-9175-28AB548DB705}"/>
-              </a:ext>
-            </a:extLst>
-          </p:cNvPr>
-          <p:cNvSpPr>
-            <a:spLocks noGrp="1"/>
-          </p:cNvSpPr>
-          <p:nvPr>
-            <p:ph type="body" idx="1"/>
-          </p:nvPr>
-        </p:nvSpPr>
-        <p:spPr>
-          <a:xfrm>
-            <a:off x="252718" y="1323943"/>
-            <a:ext cx="11718371" cy="3738400"/>
-          </a:xfrm>
-        </p:spPr>
-        <p:txBody>
-          <a:bodyPr/>
-          <a:lstStyle/>
-          <a:p>
-            <a:pPr marL="186262" indent="0">
-              <a:buNone/>
-            </a:pPr>
-            <a:r>
-              <a:rPr lang="en-US" sz="2500" dirty="0">
-                <a:latin typeface="Garamond" panose="02020404030301010803" pitchFamily="18" charset="0"/>
-              </a:rPr>
-              <a:t>We have a program for the processor which calculates what Y coordinate for the bat is optimal in order to deflect the ball. It checks if the X velocity of the ball is positive. If it is, then it calculates what Y is optimal for the bat. </a:t>
-            </a:r>
-          </a:p>
-          <a:p>
-            <a:pPr marL="186262" indent="0">
-              <a:buNone/>
-            </a:pPr>
-            <a:r>
-              <a:rPr lang="en-US" sz="2500" dirty="0">
-                <a:latin typeface="Garamond" panose="02020404030301010803" pitchFamily="18" charset="0"/>
-              </a:rPr>
-              <a:t>It computes (224 – X coordinate of the ball) / (</a:t>
-            </a:r>
-            <a:r>
-              <a:rPr lang="en-US" sz="2500" dirty="0" err="1">
-                <a:latin typeface="Garamond" panose="02020404030301010803" pitchFamily="18" charset="0"/>
-              </a:rPr>
-              <a:t>velocityX</a:t>
-            </a:r>
-            <a:r>
-              <a:rPr lang="en-US" sz="2500" dirty="0">
-                <a:latin typeface="Garamond" panose="02020404030301010803" pitchFamily="18" charset="0"/>
-              </a:rPr>
-              <a:t>) , multiplies it by </a:t>
-            </a:r>
-            <a:r>
-              <a:rPr lang="en-US" sz="2500" dirty="0" err="1">
-                <a:latin typeface="Garamond" panose="02020404030301010803" pitchFamily="18" charset="0"/>
-              </a:rPr>
-              <a:t>velocityY</a:t>
-            </a:r>
-            <a:r>
-              <a:rPr lang="en-US" sz="2500" dirty="0">
-                <a:latin typeface="Garamond" panose="02020404030301010803" pitchFamily="18" charset="0"/>
-              </a:rPr>
-              <a:t>. If the </a:t>
-            </a:r>
-            <a:r>
-              <a:rPr lang="en-US" sz="2500" dirty="0" err="1">
-                <a:latin typeface="Garamond" panose="02020404030301010803" pitchFamily="18" charset="0"/>
-              </a:rPr>
-              <a:t>velocityY</a:t>
-            </a:r>
-            <a:r>
-              <a:rPr lang="en-US" sz="2500" dirty="0">
-                <a:latin typeface="Garamond" panose="02020404030301010803" pitchFamily="18" charset="0"/>
-              </a:rPr>
-              <a:t> is negative it subtracts the ball’s Y coordinate. Otherwise it adds the ball’s coordinate. Then it changes the sign of the number we have depended on parity of a number of times ball will reflect off a wall. We compute this number by counting carry bits. The result is a current coordinate plus this number.</a:t>
-            </a:r>
-            <a:endParaRPr lang="ru-RU" sz="2500" dirty="0">
-              <a:latin typeface="Garamond" panose="02020404030301010803" pitchFamily="18" charset="0"/>
-            </a:endParaRPr>
-          </a:p>
-        </p:txBody>
-      </p:sp>
-    </p:spTree>
-    <p:extLst>
-      <p:ext uri="{BB962C8B-B14F-4D97-AF65-F5344CB8AC3E}">
-        <p14:creationId xmlns:p14="http://schemas.microsoft.com/office/powerpoint/2010/main" val="2547832359"/>
-      </p:ext>
-    </p:extLst>
-  </p:cSld>
-  <p:clrMapOvr>
-    <a:masterClrMapping/>
-  </p:clrMapOvr>
-</p:sld>
-</file>
-
 <file path=ppt/slides/slide9.xml><?xml version="1.0" encoding="utf-8"?>
 <p:sld xmlns:a="http://schemas.openxmlformats.org/drawingml/2006/main" xmlns:r="http://schemas.openxmlformats.org/officeDocument/2006/relationships" xmlns:p="http://schemas.openxmlformats.org/presentationml/2006/main">
   <p:cSld>
@@ -6876,7 +6929,7 @@
           <p:cNvPr id="2" name="Заголовок 1">
             <a:extLst>
               <a:ext uri="{FF2B5EF4-FFF2-40B4-BE49-F238E27FC236}">
-                <a16:creationId xmlns:a16="http://schemas.microsoft.com/office/drawing/2014/main" id="{2040D102-8307-4614-B404-1D4D42EFA1C9}"/>
+                <a16:creationId xmlns:a16="http://schemas.microsoft.com/office/drawing/2014/main" id="{4159FC72-A4EF-46BE-B159-6E456325FBFE}"/>
               </a:ext>
             </a:extLst>
           </p:cNvPr>
@@ -6889,7 +6942,7 @@
         </p:nvSpPr>
         <p:spPr>
           <a:xfrm>
-            <a:off x="2819200" y="394842"/>
+            <a:off x="2819200" y="470343"/>
             <a:ext cx="6553600" cy="853600"/>
           </a:xfrm>
         </p:spPr>
@@ -6897,11 +6950,16 @@
           <a:bodyPr/>
           <a:lstStyle/>
           <a:p>
-            <a:r>
-              <a:rPr lang="en-US" dirty="0"/>
-              <a:t>Something about new stuff</a:t>
-            </a:r>
-            <a:endParaRPr lang="ru-RU" dirty="0"/>
+            <a:pPr algn="ctr"/>
+            <a:r>
+              <a:rPr lang="en-US" sz="3500" dirty="0">
+                <a:latin typeface="Garamond" panose="02020404030301010803" pitchFamily="18" charset="0"/>
+              </a:rPr>
+              <a:t>Artificial intelligence</a:t>
+            </a:r>
+            <a:endParaRPr lang="ru-RU" sz="3500" dirty="0">
+              <a:latin typeface="Garamond" panose="02020404030301010803" pitchFamily="18" charset="0"/>
+            </a:endParaRPr>
           </a:p>
         </p:txBody>
       </p:sp>
@@ -6910,7 +6968,7 @@
           <p:cNvPr id="3" name="Текст 2">
             <a:extLst>
               <a:ext uri="{FF2B5EF4-FFF2-40B4-BE49-F238E27FC236}">
-                <a16:creationId xmlns:a16="http://schemas.microsoft.com/office/drawing/2014/main" id="{4D048C58-F9A3-4E76-A20C-0A57550A3120}"/>
+                <a16:creationId xmlns:a16="http://schemas.microsoft.com/office/drawing/2014/main" id="{30280249-A02E-496B-9175-28AB548DB705}"/>
               </a:ext>
             </a:extLst>
           </p:cNvPr>
@@ -6923,8 +6981,8 @@
         </p:nvSpPr>
         <p:spPr>
           <a:xfrm>
-            <a:off x="269498" y="1248442"/>
-            <a:ext cx="6553600" cy="3738400"/>
+            <a:off x="252718" y="1323943"/>
+            <a:ext cx="11718371" cy="3738400"/>
           </a:xfrm>
         </p:spPr>
         <p:txBody>
@@ -6935,25 +6993,56 @@
               <a:buNone/>
             </a:pPr>
             <a:r>
-              <a:rPr lang="en-US" dirty="0"/>
-              <a:t>Something that is completely new to the project compared to what is in </a:t>
-            </a:r>
-            <a:r>
-              <a:rPr lang="en-US" dirty="0" err="1"/>
-              <a:t>Shafarenko</a:t>
-            </a:r>
-            <a:r>
-              <a:rPr lang="en-US" dirty="0"/>
-              <a:t> is here</a:t>
-            </a:r>
-            <a:endParaRPr lang="ru-RU" dirty="0"/>
+              <a:rPr lang="en-US" sz="2500" dirty="0">
+                <a:latin typeface="Garamond" panose="02020404030301010803" pitchFamily="18" charset="0"/>
+              </a:rPr>
+              <a:t>We have a program for the processor which calculates what Y coordinate for the bat is optimal in order to deflect the ball. It checks if the X velocity of the ball is positive. If it is, then it calculates what Y is optimal for the bat. </a:t>
+            </a:r>
+          </a:p>
+          <a:p>
+            <a:pPr marL="186262" indent="0">
+              <a:buNone/>
+            </a:pPr>
+            <a:r>
+              <a:rPr lang="en-US" sz="2500" dirty="0">
+                <a:latin typeface="Garamond" panose="02020404030301010803" pitchFamily="18" charset="0"/>
+              </a:rPr>
+              <a:t>It computes (227 – X coordinate of the ball) / (</a:t>
+            </a:r>
+            <a:r>
+              <a:rPr lang="en-US" sz="2500" dirty="0" err="1">
+                <a:latin typeface="Garamond" panose="02020404030301010803" pitchFamily="18" charset="0"/>
+              </a:rPr>
+              <a:t>velocityX</a:t>
+            </a:r>
+            <a:r>
+              <a:rPr lang="en-US" sz="2500" dirty="0">
+                <a:latin typeface="Garamond" panose="02020404030301010803" pitchFamily="18" charset="0"/>
+              </a:rPr>
+              <a:t>) , multiplies it by velocity by using the external calculator. If the </a:t>
+            </a:r>
+            <a:r>
+              <a:rPr lang="en-US" sz="2500" dirty="0" err="1">
+                <a:latin typeface="Garamond" panose="02020404030301010803" pitchFamily="18" charset="0"/>
+              </a:rPr>
+              <a:t>velocityY</a:t>
+            </a:r>
+            <a:r>
+              <a:rPr lang="en-US" sz="2500" dirty="0">
+                <a:latin typeface="Garamond" panose="02020404030301010803" pitchFamily="18" charset="0"/>
+              </a:rPr>
+              <a:t> is negative it subtracts the ball’s Y coordinate. Otherwise it adds the ball’s coordinate. Then it changes the sign of the number we have depended on parity of a number of times ball will reflect off a wall. We compute this number by counting carry bits. </a:t>
+            </a:r>
+            <a:endParaRPr lang="ru-RU" sz="2500" dirty="0">
+              <a:latin typeface="Garamond" panose="02020404030301010803" pitchFamily="18" charset="0"/>
+            </a:endParaRPr>
           </a:p>
         </p:txBody>
       </p:sp>
     </p:spTree>
     <p:extLst>
       <p:ext uri="{BB962C8B-B14F-4D97-AF65-F5344CB8AC3E}">
-        <p14:creationId xmlns:p14="http://schemas.microsoft.com/office/powerpoint/2010/main" val="986015746"/>
+        <p14:creationId xmlns:p14="http://schemas.microsoft.com/office/powerpoint/2010/main" val="2547832359"/>
       </p:ext>
     </p:extLst>
   </p:cSld>

--- a/Presentation.pptx
+++ b/Presentation.pptx
@@ -206,7 +206,7 @@
           <a:p>
             <a:fld id="{C764B777-688C-4945-832F-C226893EBFF8}" type="datetimeFigureOut">
               <a:rPr lang="ru-RU" smtClean="0"/>
-              <a:t>16.05.2022</a:t>
+              <a:t>17.05.2022</a:t>
             </a:fld>
             <a:endParaRPr lang="ru-RU" dirty="0"/>
           </a:p>
@@ -1269,7 +1269,7 @@
           <a:p>
             <a:fld id="{EBD322C8-163C-4CEF-A0DF-C7796A7CB6CE}" type="datetimeFigureOut">
               <a:rPr lang="ru-RU" smtClean="0"/>
-              <a:t>16.05.2022</a:t>
+              <a:t>17.05.2022</a:t>
             </a:fld>
             <a:endParaRPr lang="ru-RU" dirty="0"/>
           </a:p>
@@ -1467,7 +1467,7 @@
           <a:p>
             <a:fld id="{EBD322C8-163C-4CEF-A0DF-C7796A7CB6CE}" type="datetimeFigureOut">
               <a:rPr lang="ru-RU" smtClean="0"/>
-              <a:t>16.05.2022</a:t>
+              <a:t>17.05.2022</a:t>
             </a:fld>
             <a:endParaRPr lang="ru-RU" dirty="0"/>
           </a:p>
@@ -1675,7 +1675,7 @@
           <a:p>
             <a:fld id="{EBD322C8-163C-4CEF-A0DF-C7796A7CB6CE}" type="datetimeFigureOut">
               <a:rPr lang="ru-RU" smtClean="0"/>
-              <a:t>16.05.2022</a:t>
+              <a:t>17.05.2022</a:t>
             </a:fld>
             <a:endParaRPr lang="ru-RU" dirty="0"/>
           </a:p>
@@ -2847,7 +2847,7 @@
           <a:p>
             <a:fld id="{EBD322C8-163C-4CEF-A0DF-C7796A7CB6CE}" type="datetimeFigureOut">
               <a:rPr lang="ru-RU" smtClean="0"/>
-              <a:t>16.05.2022</a:t>
+              <a:t>17.05.2022</a:t>
             </a:fld>
             <a:endParaRPr lang="ru-RU" dirty="0"/>
           </a:p>
@@ -3122,7 +3122,7 @@
           <a:p>
             <a:fld id="{EBD322C8-163C-4CEF-A0DF-C7796A7CB6CE}" type="datetimeFigureOut">
               <a:rPr lang="ru-RU" smtClean="0"/>
-              <a:t>16.05.2022</a:t>
+              <a:t>17.05.2022</a:t>
             </a:fld>
             <a:endParaRPr lang="ru-RU" dirty="0"/>
           </a:p>
@@ -3387,7 +3387,7 @@
           <a:p>
             <a:fld id="{EBD322C8-163C-4CEF-A0DF-C7796A7CB6CE}" type="datetimeFigureOut">
               <a:rPr lang="ru-RU" smtClean="0"/>
-              <a:t>16.05.2022</a:t>
+              <a:t>17.05.2022</a:t>
             </a:fld>
             <a:endParaRPr lang="ru-RU" dirty="0"/>
           </a:p>
@@ -3799,7 +3799,7 @@
           <a:p>
             <a:fld id="{EBD322C8-163C-4CEF-A0DF-C7796A7CB6CE}" type="datetimeFigureOut">
               <a:rPr lang="ru-RU" smtClean="0"/>
-              <a:t>16.05.2022</a:t>
+              <a:t>17.05.2022</a:t>
             </a:fld>
             <a:endParaRPr lang="ru-RU" dirty="0"/>
           </a:p>
@@ -3940,7 +3940,7 @@
           <a:p>
             <a:fld id="{EBD322C8-163C-4CEF-A0DF-C7796A7CB6CE}" type="datetimeFigureOut">
               <a:rPr lang="ru-RU" smtClean="0"/>
-              <a:t>16.05.2022</a:t>
+              <a:t>17.05.2022</a:t>
             </a:fld>
             <a:endParaRPr lang="ru-RU" dirty="0"/>
           </a:p>
@@ -4053,7 +4053,7 @@
           <a:p>
             <a:fld id="{EBD322C8-163C-4CEF-A0DF-C7796A7CB6CE}" type="datetimeFigureOut">
               <a:rPr lang="ru-RU" smtClean="0"/>
-              <a:t>16.05.2022</a:t>
+              <a:t>17.05.2022</a:t>
             </a:fld>
             <a:endParaRPr lang="ru-RU" dirty="0"/>
           </a:p>
@@ -4364,7 +4364,7 @@
           <a:p>
             <a:fld id="{EBD322C8-163C-4CEF-A0DF-C7796A7CB6CE}" type="datetimeFigureOut">
               <a:rPr lang="ru-RU" smtClean="0"/>
-              <a:t>16.05.2022</a:t>
+              <a:t>17.05.2022</a:t>
             </a:fld>
             <a:endParaRPr lang="ru-RU" dirty="0"/>
           </a:p>
@@ -4652,7 +4652,7 @@
           <a:p>
             <a:fld id="{EBD322C8-163C-4CEF-A0DF-C7796A7CB6CE}" type="datetimeFigureOut">
               <a:rPr lang="ru-RU" smtClean="0"/>
-              <a:t>16.05.2022</a:t>
+              <a:t>17.05.2022</a:t>
             </a:fld>
             <a:endParaRPr lang="ru-RU" dirty="0"/>
           </a:p>
@@ -4893,7 +4893,7 @@
           <a:p>
             <a:fld id="{EBD322C8-163C-4CEF-A0DF-C7796A7CB6CE}" type="datetimeFigureOut">
               <a:rPr lang="ru-RU" smtClean="0"/>
-              <a:t>16.05.2022</a:t>
+              <a:t>17.05.2022</a:t>
             </a:fld>
             <a:endParaRPr lang="ru-RU" dirty="0"/>
           </a:p>
@@ -6044,8 +6044,8 @@
         </p:blipFill>
         <p:spPr>
           <a:xfrm>
-            <a:off x="7073667" y="1554471"/>
-            <a:ext cx="3403133" cy="3320904"/>
+            <a:off x="8746835" y="286192"/>
+            <a:ext cx="2576947" cy="5605184"/>
           </a:xfrm>
           <a:prstGeom prst="rect">
             <a:avLst/>

--- a/Presentation.pptx
+++ b/Presentation.pptx
@@ -5,7 +5,7 @@
     <p:sldMasterId id="2147483648" r:id="rId1"/>
   </p:sldMasterIdLst>
   <p:notesMasterIdLst>
-    <p:notesMasterId r:id="rId12"/>
+    <p:notesMasterId r:id="rId13"/>
   </p:notesMasterIdLst>
   <p:sldIdLst>
     <p:sldId id="268" r:id="rId2"/>
@@ -17,7 +17,8 @@
     <p:sldId id="311" r:id="rId8"/>
     <p:sldId id="313" r:id="rId9"/>
     <p:sldId id="319" r:id="rId10"/>
-    <p:sldId id="323" r:id="rId11"/>
+    <p:sldId id="324" r:id="rId11"/>
+    <p:sldId id="323" r:id="rId12"/>
   </p:sldIdLst>
   <p:sldSz cx="12192000" cy="6858000"/>
   <p:notesSz cx="6858000" cy="9144000"/>
@@ -5448,6 +5449,113 @@
       </p:grpSpPr>
       <p:sp>
         <p:nvSpPr>
+          <p:cNvPr id="2" name="Заголовок 1"/>
+          <p:cNvSpPr>
+            <a:spLocks noGrp="1"/>
+          </p:cNvSpPr>
+          <p:nvPr>
+            <p:ph type="title"/>
+          </p:nvPr>
+        </p:nvSpPr>
+        <p:spPr>
+          <a:xfrm>
+            <a:off x="2819751" y="142240"/>
+            <a:ext cx="6553600" cy="853600"/>
+          </a:xfrm>
+        </p:spPr>
+        <p:txBody>
+          <a:bodyPr/>
+          <a:lstStyle/>
+          <a:p>
+            <a:endParaRPr lang="ru-RU"/>
+          </a:p>
+        </p:txBody>
+      </p:sp>
+      <p:sp>
+        <p:nvSpPr>
+          <p:cNvPr id="3" name="Текст 2"/>
+          <p:cNvSpPr>
+            <a:spLocks noGrp="1"/>
+          </p:cNvSpPr>
+          <p:nvPr>
+            <p:ph type="body" idx="1"/>
+          </p:nvPr>
+        </p:nvSpPr>
+        <p:spPr>
+          <a:xfrm>
+            <a:off x="2820302" y="1130531"/>
+            <a:ext cx="6553600" cy="3738400"/>
+          </a:xfrm>
+        </p:spPr>
+        <p:txBody>
+          <a:bodyPr/>
+          <a:lstStyle/>
+          <a:p>
+            <a:endParaRPr lang="ru-RU" dirty="0"/>
+          </a:p>
+        </p:txBody>
+      </p:sp>
+      <p:pic>
+        <p:nvPicPr>
+          <p:cNvPr id="4" name="Рисунок 3"/>
+          <p:cNvPicPr>
+            <a:picLocks noChangeAspect="1"/>
+          </p:cNvPicPr>
+          <p:nvPr/>
+        </p:nvPicPr>
+        <p:blipFill rotWithShape="1">
+          <a:blip r:embed="rId2">
+            <a:extLst>
+              <a:ext uri="{28A0092B-C50C-407E-A947-70E740481C1C}">
+                <a14:useLocalDpi xmlns:a14="http://schemas.microsoft.com/office/drawing/2010/main" val="0"/>
+              </a:ext>
+            </a:extLst>
+          </a:blip>
+          <a:srcRect t="78922" r="55817"/>
+          <a:stretch/>
+        </p:blipFill>
+        <p:spPr>
+          <a:xfrm>
+            <a:off x="2144923" y="4686806"/>
+            <a:ext cx="7903256" cy="2171194"/>
+          </a:xfrm>
+          <a:prstGeom prst="rect">
+            <a:avLst/>
+          </a:prstGeom>
+        </p:spPr>
+      </p:pic>
+    </p:spTree>
+    <p:extLst>
+      <p:ext uri="{BB962C8B-B14F-4D97-AF65-F5344CB8AC3E}">
+        <p14:creationId xmlns:p14="http://schemas.microsoft.com/office/powerpoint/2010/main" val="3110749525"/>
+      </p:ext>
+    </p:extLst>
+  </p:cSld>
+  <p:clrMapOvr>
+    <a:masterClrMapping/>
+  </p:clrMapOvr>
+</p:sld>
+</file>
+
+<file path=ppt/slides/slide11.xml><?xml version="1.0" encoding="utf-8"?>
+<p:sld xmlns:a="http://schemas.openxmlformats.org/drawingml/2006/main" xmlns:r="http://schemas.openxmlformats.org/officeDocument/2006/relationships" xmlns:p="http://schemas.openxmlformats.org/presentationml/2006/main">
+  <p:cSld>
+    <p:spTree>
+      <p:nvGrpSpPr>
+        <p:cNvPr id="1" name=""/>
+        <p:cNvGrpSpPr/>
+        <p:nvPr/>
+      </p:nvGrpSpPr>
+      <p:grpSpPr>
+        <a:xfrm>
+          <a:off x="0" y="0"/>
+          <a:ext cx="0" cy="0"/>
+          <a:chOff x="0" y="0"/>
+          <a:chExt cx="0" cy="0"/>
+        </a:xfrm>
+      </p:grpSpPr>
+      <p:sp>
+        <p:nvSpPr>
           <p:cNvPr id="2" name="Заголовок 1">
             <a:extLst>
               <a:ext uri="{FF2B5EF4-FFF2-40B4-BE49-F238E27FC236}">
@@ -6866,28 +6974,27 @@
       </p:sp>
       <p:pic>
         <p:nvPicPr>
-          <p:cNvPr id="6" name="Рисунок 5">
-            <a:extLst>
-              <a:ext uri="{FF2B5EF4-FFF2-40B4-BE49-F238E27FC236}">
-                <a16:creationId xmlns:a16="http://schemas.microsoft.com/office/drawing/2014/main" id="{2FD92D98-BE88-41DC-8099-4A6C8EC6B5C7}"/>
-              </a:ext>
-            </a:extLst>
-          </p:cNvPr>
+          <p:cNvPr id="2" name="Рисунок 1"/>
           <p:cNvPicPr>
             <a:picLocks noChangeAspect="1"/>
           </p:cNvPicPr>
           <p:nvPr/>
         </p:nvPicPr>
-        <p:blipFill>
-          <a:blip r:embed="rId3"/>
-          <a:stretch>
-            <a:fillRect/>
-          </a:stretch>
+        <p:blipFill rotWithShape="1">
+          <a:blip r:embed="rId3">
+            <a:extLst>
+              <a:ext uri="{28A0092B-C50C-407E-A947-70E740481C1C}">
+                <a14:useLocalDpi xmlns:a14="http://schemas.microsoft.com/office/drawing/2010/main" val="0"/>
+              </a:ext>
+            </a:extLst>
+          </a:blip>
+          <a:srcRect l="-77" t="404" r="62952" b="43838"/>
+          <a:stretch/>
         </p:blipFill>
         <p:spPr>
           <a:xfrm>
-            <a:off x="5736669" y="1061759"/>
-            <a:ext cx="5668166" cy="4610743"/>
+            <a:off x="5713591" y="785092"/>
+            <a:ext cx="5942284" cy="5139484"/>
           </a:xfrm>
           <a:prstGeom prst="rect">
             <a:avLst/>

--- a/Presentation.pptx
+++ b/Presentation.pptx
@@ -4,19 +4,23 @@
   <p:sldMasterIdLst>
     <p:sldMasterId id="2147483648" r:id="rId1"/>
   </p:sldMasterIdLst>
+  <p:notesMasterIdLst>
+    <p:notesMasterId r:id="rId17"/>
+  </p:notesMasterIdLst>
   <p:sldIdLst>
-    <p:sldId id="256" r:id="rId3"/>
-    <p:sldId id="257" r:id="rId4"/>
-    <p:sldId id="258" r:id="rId5"/>
-    <p:sldId id="259" r:id="rId6"/>
-    <p:sldId id="260" r:id="rId7"/>
-    <p:sldId id="261" r:id="rId8"/>
-    <p:sldId id="262" r:id="rId9"/>
-    <p:sldId id="263" r:id="rId10"/>
-    <p:sldId id="264" r:id="rId11"/>
-    <p:sldId id="265" r:id="rId12"/>
-    <p:sldId id="266" r:id="rId13"/>
-    <p:sldId id="267" r:id="rId14"/>
+    <p:sldId id="256" r:id="rId4"/>
+    <p:sldId id="257" r:id="rId5"/>
+    <p:sldId id="258" r:id="rId6"/>
+    <p:sldId id="259" r:id="rId7"/>
+    <p:sldId id="260" r:id="rId8"/>
+    <p:sldId id="261" r:id="rId9"/>
+    <p:sldId id="262" r:id="rId10"/>
+    <p:sldId id="263" r:id="rId11"/>
+    <p:sldId id="264" r:id="rId12"/>
+    <p:sldId id="265" r:id="rId13"/>
+    <p:sldId id="266" r:id="rId14"/>
+    <p:sldId id="267" r:id="rId15"/>
+    <p:sldId id="268" r:id="rId16"/>
   </p:sldIdLst>
   <p:sldSz cx="12192000" cy="6858000"/>
   <p:notesSz cx="12192000" cy="6858000"/>
@@ -116,6 +120,1563 @@
     </a:lvl9pPr>
   </p:defaultTextStyle>
 </p:presentation>
+</file>
+
+<file path=ppt/notesMasters/notesMaster1.xml><?xml version="1.0" encoding="utf-8"?>
+<p:notesMaster xmlns:a="http://schemas.openxmlformats.org/drawingml/2006/main" xmlns:r="http://schemas.openxmlformats.org/officeDocument/2006/relationships" xmlns:p="http://schemas.openxmlformats.org/presentationml/2006/main">
+  <p:cSld name="">
+    <p:bg>
+      <p:bgRef idx="1001">
+        <a:schemeClr val="bg1"/>
+      </p:bgRef>
+    </p:bg>
+    <p:spTree>
+      <p:nvGrpSpPr>
+        <p:cNvPr id="1" name="" hidden="0"/>
+        <p:cNvGrpSpPr/>
+        <p:nvPr isPhoto="0" userDrawn="0"/>
+      </p:nvGrpSpPr>
+      <p:grpSpPr bwMode="auto">
+        <a:xfrm>
+          <a:off x="0" y="0"/>
+          <a:ext cx="0" cy="0"/>
+          <a:chOff x="0" y="0"/>
+          <a:chExt cx="0" cy="0"/>
+        </a:xfrm>
+      </p:grpSpPr>
+      <p:sp>
+        <p:nvSpPr>
+          <p:cNvPr id="2" name="Верхний колонтитул 1" hidden="0"/>
+          <p:cNvSpPr>
+            <a:spLocks noGrp="1"/>
+          </p:cNvSpPr>
+          <p:nvPr isPhoto="0" userDrawn="0">
+            <p:ph type="hdr" sz="quarter" hasCustomPrompt="0"/>
+          </p:nvPr>
+        </p:nvSpPr>
+        <p:spPr bwMode="auto">
+          <a:xfrm>
+            <a:off x="0" y="0"/>
+            <a:ext cx="2971800" cy="458788"/>
+          </a:xfrm>
+          <a:prstGeom prst="rect">
+            <a:avLst/>
+          </a:prstGeom>
+        </p:spPr>
+        <p:txBody>
+          <a:bodyPr vert="horz" lIns="91440" tIns="45720" rIns="91440" bIns="45720" rtlCol="0"/>
+          <a:lstStyle>
+            <a:lvl1pPr algn="l">
+              <a:defRPr sz="1200"/>
+            </a:lvl1pPr>
+          </a:lstStyle>
+          <a:p>
+            <a:pPr>
+              <a:defRPr/>
+            </a:pPr>
+            <a:endParaRPr lang="ru-RU"/>
+          </a:p>
+        </p:txBody>
+      </p:sp>
+      <p:sp>
+        <p:nvSpPr>
+          <p:cNvPr id="3" name="Дата 2" hidden="0"/>
+          <p:cNvSpPr>
+            <a:spLocks noGrp="1"/>
+          </p:cNvSpPr>
+          <p:nvPr isPhoto="0" userDrawn="0">
+            <p:ph type="dt" idx="1" hasCustomPrompt="0"/>
+          </p:nvPr>
+        </p:nvSpPr>
+        <p:spPr bwMode="auto">
+          <a:xfrm>
+            <a:off x="3884613" y="0"/>
+            <a:ext cx="2971800" cy="458788"/>
+          </a:xfrm>
+          <a:prstGeom prst="rect">
+            <a:avLst/>
+          </a:prstGeom>
+        </p:spPr>
+        <p:txBody>
+          <a:bodyPr vert="horz" lIns="91440" tIns="45720" rIns="91440" bIns="45720" rtlCol="0"/>
+          <a:lstStyle>
+            <a:lvl1pPr algn="r">
+              <a:defRPr sz="1200"/>
+            </a:lvl1pPr>
+          </a:lstStyle>
+          <a:p>
+            <a:pPr>
+              <a:defRPr/>
+            </a:pPr>
+            <a:fld id="{C764B777-688C-4945-832F-C226893EBFF8}" type="datetimeFigureOut">
+              <a:rPr lang="ru-RU"/>
+              <a:t/>
+            </a:fld>
+            <a:endParaRPr lang="ru-RU"/>
+          </a:p>
+        </p:txBody>
+      </p:sp>
+      <p:sp>
+        <p:nvSpPr>
+          <p:cNvPr id="4" name="Образ слайда 3" hidden="0"/>
+          <p:cNvSpPr>
+            <a:spLocks noChangeAspect="1" noGrp="1" noRot="1"/>
+          </p:cNvSpPr>
+          <p:nvPr isPhoto="0" userDrawn="0">
+            <p:ph type="sldImg" idx="2" hasCustomPrompt="0"/>
+          </p:nvPr>
+        </p:nvSpPr>
+        <p:spPr bwMode="auto">
+          <a:xfrm>
+            <a:off x="685800" y="1143000"/>
+            <a:ext cx="5486400" cy="3086100"/>
+          </a:xfrm>
+          <a:prstGeom prst="rect">
+            <a:avLst/>
+          </a:prstGeom>
+          <a:noFill/>
+          <a:ln w="12700">
+            <a:solidFill>
+              <a:prstClr val="black"/>
+            </a:solidFill>
+          </a:ln>
+        </p:spPr>
+        <p:txBody>
+          <a:bodyPr vert="horz" lIns="91440" tIns="45720" rIns="91440" bIns="45720" rtlCol="0" anchor="ctr"/>
+          <a:lstStyle/>
+          <a:p>
+            <a:pPr>
+              <a:defRPr/>
+            </a:pPr>
+            <a:endParaRPr lang="ru-RU"/>
+          </a:p>
+        </p:txBody>
+      </p:sp>
+      <p:sp>
+        <p:nvSpPr>
+          <p:cNvPr id="5" name="Заметки 4" hidden="0"/>
+          <p:cNvSpPr>
+            <a:spLocks noGrp="1"/>
+          </p:cNvSpPr>
+          <p:nvPr isPhoto="0" userDrawn="0">
+            <p:ph type="body" sz="quarter" idx="3" hasCustomPrompt="0"/>
+          </p:nvPr>
+        </p:nvSpPr>
+        <p:spPr bwMode="auto">
+          <a:xfrm>
+            <a:off x="685800" y="4400550"/>
+            <a:ext cx="5486400" cy="3600450"/>
+          </a:xfrm>
+          <a:prstGeom prst="rect">
+            <a:avLst/>
+          </a:prstGeom>
+        </p:spPr>
+        <p:txBody>
+          <a:bodyPr vert="horz" lIns="91440" tIns="45720" rIns="91440" bIns="45720" rtlCol="0"/>
+          <a:lstStyle/>
+          <a:p>
+            <a:pPr lvl="0">
+              <a:defRPr/>
+            </a:pPr>
+            <a:r>
+              <a:rPr lang="ru-RU"/>
+              <a:t>Образец текста</a:t>
+            </a:r>
+            <a:endParaRPr/>
+          </a:p>
+          <a:p>
+            <a:pPr lvl="1">
+              <a:defRPr/>
+            </a:pPr>
+            <a:r>
+              <a:rPr lang="ru-RU"/>
+              <a:t>Второй уровень</a:t>
+            </a:r>
+            <a:endParaRPr/>
+          </a:p>
+          <a:p>
+            <a:pPr lvl="2">
+              <a:defRPr/>
+            </a:pPr>
+            <a:r>
+              <a:rPr lang="ru-RU"/>
+              <a:t>Третий уровень</a:t>
+            </a:r>
+            <a:endParaRPr/>
+          </a:p>
+          <a:p>
+            <a:pPr lvl="3">
+              <a:defRPr/>
+            </a:pPr>
+            <a:r>
+              <a:rPr lang="ru-RU"/>
+              <a:t>Четвертый уровень</a:t>
+            </a:r>
+            <a:endParaRPr/>
+          </a:p>
+          <a:p>
+            <a:pPr lvl="4">
+              <a:defRPr/>
+            </a:pPr>
+            <a:r>
+              <a:rPr lang="ru-RU"/>
+              <a:t>Пятый уровень</a:t>
+            </a:r>
+            <a:endParaRPr/>
+          </a:p>
+        </p:txBody>
+      </p:sp>
+      <p:sp>
+        <p:nvSpPr>
+          <p:cNvPr id="6" name="Нижний колонтитул 5" hidden="0"/>
+          <p:cNvSpPr>
+            <a:spLocks noGrp="1"/>
+          </p:cNvSpPr>
+          <p:nvPr isPhoto="0" userDrawn="0">
+            <p:ph type="ftr" sz="quarter" idx="4" hasCustomPrompt="0"/>
+          </p:nvPr>
+        </p:nvSpPr>
+        <p:spPr bwMode="auto">
+          <a:xfrm>
+            <a:off x="0" y="8685213"/>
+            <a:ext cx="2971800" cy="458787"/>
+          </a:xfrm>
+          <a:prstGeom prst="rect">
+            <a:avLst/>
+          </a:prstGeom>
+        </p:spPr>
+        <p:txBody>
+          <a:bodyPr vert="horz" lIns="91440" tIns="45720" rIns="91440" bIns="45720" rtlCol="0" anchor="b"/>
+          <a:lstStyle>
+            <a:lvl1pPr algn="l">
+              <a:defRPr sz="1200"/>
+            </a:lvl1pPr>
+          </a:lstStyle>
+          <a:p>
+            <a:pPr>
+              <a:defRPr/>
+            </a:pPr>
+            <a:endParaRPr lang="ru-RU"/>
+          </a:p>
+        </p:txBody>
+      </p:sp>
+      <p:sp>
+        <p:nvSpPr>
+          <p:cNvPr id="7" name="Номер слайда 6" hidden="0"/>
+          <p:cNvSpPr>
+            <a:spLocks noGrp="1"/>
+          </p:cNvSpPr>
+          <p:nvPr isPhoto="0" userDrawn="0">
+            <p:ph type="sldNum" sz="quarter" idx="5" hasCustomPrompt="0"/>
+          </p:nvPr>
+        </p:nvSpPr>
+        <p:spPr bwMode="auto">
+          <a:xfrm>
+            <a:off x="3884613" y="8685213"/>
+            <a:ext cx="2971800" cy="458787"/>
+          </a:xfrm>
+          <a:prstGeom prst="rect">
+            <a:avLst/>
+          </a:prstGeom>
+        </p:spPr>
+        <p:txBody>
+          <a:bodyPr vert="horz" lIns="91440" tIns="45720" rIns="91440" bIns="45720" rtlCol="0" anchor="b"/>
+          <a:lstStyle>
+            <a:lvl1pPr algn="r">
+              <a:defRPr sz="1200"/>
+            </a:lvl1pPr>
+          </a:lstStyle>
+          <a:p>
+            <a:pPr>
+              <a:defRPr/>
+            </a:pPr>
+            <a:fld id="{DE7209DA-3EA0-40A6-AE3D-2AE16C41EDB3}" type="slidenum">
+              <a:rPr lang="ru-RU"/>
+              <a:t/>
+            </a:fld>
+            <a:endParaRPr lang="ru-RU"/>
+          </a:p>
+        </p:txBody>
+      </p:sp>
+    </p:spTree>
+  </p:cSld>
+  <p:clrMap bg1="lt1" tx1="dk1" bg2="lt2" tx2="dk2" accent1="accent1" accent2="accent2" accent3="accent3" accent4="accent4" accent5="accent5" accent6="accent6" hlink="hlink" folHlink="folHlink"/>
+  <p:notesStyle>
+    <a:lvl1pPr marL="0" algn="l" defTabSz="914400">
+      <a:defRPr sz="1200">
+        <a:solidFill>
+          <a:schemeClr val="tx1"/>
+        </a:solidFill>
+        <a:latin typeface="+mn-lt"/>
+        <a:ea typeface="+mn-ea"/>
+        <a:cs typeface="+mn-cs"/>
+      </a:defRPr>
+    </a:lvl1pPr>
+    <a:lvl2pPr marL="457200" algn="l" defTabSz="914400">
+      <a:defRPr sz="1200">
+        <a:solidFill>
+          <a:schemeClr val="tx1"/>
+        </a:solidFill>
+        <a:latin typeface="+mn-lt"/>
+        <a:ea typeface="+mn-ea"/>
+        <a:cs typeface="+mn-cs"/>
+      </a:defRPr>
+    </a:lvl2pPr>
+    <a:lvl3pPr marL="914400" algn="l" defTabSz="914400">
+      <a:defRPr sz="1200">
+        <a:solidFill>
+          <a:schemeClr val="tx1"/>
+        </a:solidFill>
+        <a:latin typeface="+mn-lt"/>
+        <a:ea typeface="+mn-ea"/>
+        <a:cs typeface="+mn-cs"/>
+      </a:defRPr>
+    </a:lvl3pPr>
+    <a:lvl4pPr marL="1371600" algn="l" defTabSz="914400">
+      <a:defRPr sz="1200">
+        <a:solidFill>
+          <a:schemeClr val="tx1"/>
+        </a:solidFill>
+        <a:latin typeface="+mn-lt"/>
+        <a:ea typeface="+mn-ea"/>
+        <a:cs typeface="+mn-cs"/>
+      </a:defRPr>
+    </a:lvl4pPr>
+    <a:lvl5pPr marL="1828800" algn="l" defTabSz="914400">
+      <a:defRPr sz="1200">
+        <a:solidFill>
+          <a:schemeClr val="tx1"/>
+        </a:solidFill>
+        <a:latin typeface="+mn-lt"/>
+        <a:ea typeface="+mn-ea"/>
+        <a:cs typeface="+mn-cs"/>
+      </a:defRPr>
+    </a:lvl5pPr>
+    <a:lvl6pPr marL="2286000" algn="l" defTabSz="914400">
+      <a:defRPr sz="1200">
+        <a:solidFill>
+          <a:schemeClr val="tx1"/>
+        </a:solidFill>
+        <a:latin typeface="+mn-lt"/>
+        <a:ea typeface="+mn-ea"/>
+        <a:cs typeface="+mn-cs"/>
+      </a:defRPr>
+    </a:lvl6pPr>
+    <a:lvl7pPr marL="2743200" algn="l" defTabSz="914400">
+      <a:defRPr sz="1200">
+        <a:solidFill>
+          <a:schemeClr val="tx1"/>
+        </a:solidFill>
+        <a:latin typeface="+mn-lt"/>
+        <a:ea typeface="+mn-ea"/>
+        <a:cs typeface="+mn-cs"/>
+      </a:defRPr>
+    </a:lvl7pPr>
+    <a:lvl8pPr marL="3200400" algn="l" defTabSz="914400">
+      <a:defRPr sz="1200">
+        <a:solidFill>
+          <a:schemeClr val="tx1"/>
+        </a:solidFill>
+        <a:latin typeface="+mn-lt"/>
+        <a:ea typeface="+mn-ea"/>
+        <a:cs typeface="+mn-cs"/>
+      </a:defRPr>
+    </a:lvl8pPr>
+    <a:lvl9pPr marL="3657600" algn="l" defTabSz="914400">
+      <a:defRPr sz="1200">
+        <a:solidFill>
+          <a:schemeClr val="tx1"/>
+        </a:solidFill>
+        <a:latin typeface="+mn-lt"/>
+        <a:ea typeface="+mn-ea"/>
+        <a:cs typeface="+mn-cs"/>
+      </a:defRPr>
+    </a:lvl9pPr>
+  </p:notesStyle>
+</p:notesMaster>
+</file>
+
+<file path=ppt/notesSlides/notesSlide1.xml><?xml version="1.0" encoding="utf-8"?>
+<p:notes xmlns:a="http://schemas.openxmlformats.org/drawingml/2006/main" xmlns:r="http://schemas.openxmlformats.org/officeDocument/2006/relationships" xmlns:p="http://schemas.openxmlformats.org/presentationml/2006/main" xmlns:m="http://schemas.openxmlformats.org/officeDocument/2006/math" xmlns:w="http://schemas.openxmlformats.org/wordprocessingml/2006/main" showMasterPhAnim="0" showMasterSp="0">
+  <p:cSld name="">
+    <p:spTree>
+      <p:nvGrpSpPr>
+        <p:cNvPr id="1" name="" hidden="0"/>
+        <p:cNvGrpSpPr/>
+        <p:nvPr isPhoto="0" userDrawn="0"/>
+      </p:nvGrpSpPr>
+      <p:grpSpPr bwMode="auto">
+        <a:xfrm>
+          <a:off x="0" y="0"/>
+          <a:ext cx="0" cy="0"/>
+          <a:chOff x="0" y="0"/>
+          <a:chExt cx="0" cy="0"/>
+        </a:xfrm>
+      </p:grpSpPr>
+      <p:sp>
+        <p:nvSpPr>
+          <p:cNvPr id="197" name="Google Shape;197;g8d5fefc678_0_18:notes" hidden="0"/>
+          <p:cNvSpPr>
+            <a:spLocks noChangeAspect="1" noGrp="1" noRot="1"/>
+          </p:cNvSpPr>
+          <p:nvPr isPhoto="0" userDrawn="0">
+            <p:ph type="sldImg" idx="2" hasCustomPrompt="0"/>
+          </p:nvPr>
+        </p:nvSpPr>
+        <p:spPr bwMode="auto">
+          <a:xfrm>
+            <a:off x="381000" y="685800"/>
+            <a:ext cx="6096000" cy="3429000"/>
+          </a:xfrm>
+          <a:custGeom>
+            <a:avLst/>
+            <a:gdLst/>
+            <a:ahLst/>
+            <a:cxnLst/>
+            <a:rect l="l" t="t" r="r" b="b"/>
+            <a:pathLst>
+              <a:path w="120000" h="120000" fill="norm" stroke="1" extrusionOk="0">
+                <a:moveTo>
+                  <a:pt x="0" y="0"/>
+                </a:moveTo>
+                <a:lnTo>
+                  <a:pt x="120000" y="0"/>
+                </a:lnTo>
+                <a:lnTo>
+                  <a:pt x="120000" y="120000"/>
+                </a:lnTo>
+                <a:lnTo>
+                  <a:pt x="0" y="120000"/>
+                </a:lnTo>
+                <a:close/>
+              </a:path>
+            </a:pathLst>
+          </a:custGeom>
+        </p:spPr>
+      </p:sp>
+      <p:sp>
+        <p:nvSpPr>
+          <p:cNvPr id="198" name="Google Shape;198;g8d5fefc678_0_18:notes" hidden="0"/>
+          <p:cNvSpPr txBox="1">
+            <a:spLocks noGrp="1"/>
+          </p:cNvSpPr>
+          <p:nvPr isPhoto="0" userDrawn="0">
+            <p:ph type="body" idx="1" hasCustomPrompt="0"/>
+          </p:nvPr>
+        </p:nvSpPr>
+        <p:spPr bwMode="auto">
+          <a:xfrm>
+            <a:off x="685800" y="4343400"/>
+            <a:ext cx="5486400" cy="4114800"/>
+          </a:xfrm>
+          <a:prstGeom prst="rect">
+            <a:avLst/>
+          </a:prstGeom>
+        </p:spPr>
+        <p:txBody>
+          <a:bodyPr spcFirstLastPara="1" wrap="square" lIns="91425" tIns="91425" rIns="91425" bIns="91425" anchor="t" anchorCtr="0">
+            <a:noAutofit/>
+          </a:bodyPr>
+          <a:lstStyle/>
+          <a:p>
+            <a:pPr marL="0" lvl="0" indent="0" algn="l">
+              <a:spcBef>
+                <a:spcPts val="0"/>
+              </a:spcBef>
+              <a:spcAft>
+                <a:spcPts val="0"/>
+              </a:spcAft>
+              <a:buNone/>
+              <a:defRPr/>
+            </a:pPr>
+            <a:r>
+              <a:rPr lang="en-US"/>
+              <a:t>Artem</a:t>
+            </a:r>
+            <a:endParaRPr/>
+          </a:p>
+        </p:txBody>
+      </p:sp>
+    </p:spTree>
+  </p:cSld>
+</p:notes>
+</file>
+
+<file path=ppt/notesSlides/notesSlide10.xml><?xml version="1.0" encoding="utf-8"?>
+<p:notes xmlns:a="http://schemas.openxmlformats.org/drawingml/2006/main" xmlns:r="http://schemas.openxmlformats.org/officeDocument/2006/relationships" xmlns:p="http://schemas.openxmlformats.org/presentationml/2006/main" xmlns:m="http://schemas.openxmlformats.org/officeDocument/2006/math" xmlns:w="http://schemas.openxmlformats.org/wordprocessingml/2006/main" showMasterPhAnim="0" showMasterSp="0">
+  <p:cSld name="">
+    <p:spTree>
+      <p:nvGrpSpPr>
+        <p:cNvPr id="1" name="" hidden="0"/>
+        <p:cNvGrpSpPr/>
+        <p:nvPr isPhoto="0" userDrawn="0"/>
+      </p:nvGrpSpPr>
+      <p:grpSpPr bwMode="auto">
+        <a:xfrm>
+          <a:off x="0" y="0"/>
+          <a:ext cx="0" cy="0"/>
+          <a:chOff x="0" y="0"/>
+          <a:chExt cx="0" cy="0"/>
+        </a:xfrm>
+      </p:grpSpPr>
+      <p:sp>
+        <p:nvSpPr>
+          <p:cNvPr id="1986829274" name="Google Shape;197;g8d5fefc678_0_18:notes" hidden="0"/>
+          <p:cNvSpPr>
+            <a:spLocks noChangeAspect="1" noGrp="1" noRot="1"/>
+          </p:cNvSpPr>
+          <p:nvPr isPhoto="0" userDrawn="0">
+            <p:ph type="sldImg" idx="2" hasCustomPrompt="0"/>
+          </p:nvPr>
+        </p:nvSpPr>
+        <p:spPr bwMode="auto">
+          <a:xfrm>
+            <a:off x="380999" y="685800"/>
+            <a:ext cx="6095999" cy="3429000"/>
+          </a:xfrm>
+          <a:custGeom>
+            <a:avLst/>
+            <a:gdLst/>
+            <a:ahLst/>
+            <a:cxnLst/>
+            <a:rect l="l" t="t" r="r" b="b"/>
+            <a:pathLst>
+              <a:path w="120000" h="120000" fill="norm" stroke="1" extrusionOk="0">
+                <a:moveTo>
+                  <a:pt x="0" y="0"/>
+                </a:moveTo>
+                <a:lnTo>
+                  <a:pt x="120000" y="0"/>
+                </a:lnTo>
+                <a:lnTo>
+                  <a:pt x="120000" y="120000"/>
+                </a:lnTo>
+                <a:lnTo>
+                  <a:pt x="0" y="120000"/>
+                </a:lnTo>
+                <a:close/>
+              </a:path>
+            </a:pathLst>
+          </a:custGeom>
+        </p:spPr>
+      </p:sp>
+      <p:sp>
+        <p:nvSpPr>
+          <p:cNvPr id="95562359" name="Google Shape;198;g8d5fefc678_0_18:notes" hidden="0"/>
+          <p:cNvSpPr txBox="1">
+            <a:spLocks noGrp="1"/>
+          </p:cNvSpPr>
+          <p:nvPr isPhoto="0" userDrawn="0">
+            <p:ph type="body" idx="1" hasCustomPrompt="0"/>
+          </p:nvPr>
+        </p:nvSpPr>
+        <p:spPr bwMode="auto">
+          <a:xfrm>
+            <a:off x="685800" y="4343400"/>
+            <a:ext cx="5486400" cy="4114800"/>
+          </a:xfrm>
+          <a:prstGeom prst="rect">
+            <a:avLst/>
+          </a:prstGeom>
+        </p:spPr>
+        <p:txBody>
+          <a:bodyPr spcFirstLastPara="1" wrap="square" lIns="91424" tIns="91424" rIns="91424" bIns="91424" anchor="t" anchorCtr="0">
+            <a:noAutofit/>
+          </a:bodyPr>
+          <a:lstStyle/>
+          <a:p>
+            <a:pPr marL="0" lvl="0" indent="0" algn="l">
+              <a:spcBef>
+                <a:spcPts val="0"/>
+              </a:spcBef>
+              <a:spcAft>
+                <a:spcPts val="0"/>
+              </a:spcAft>
+              <a:buNone/>
+              <a:defRPr/>
+            </a:pPr>
+            <a:r>
+              <a:rPr lang="en-US"/>
+              <a:t>Maxim</a:t>
+            </a:r>
+            <a:endParaRPr/>
+          </a:p>
+        </p:txBody>
+      </p:sp>
+    </p:spTree>
+  </p:cSld>
+</p:notes>
+</file>
+
+<file path=ppt/notesSlides/notesSlide11.xml><?xml version="1.0" encoding="utf-8"?>
+<p:notes xmlns:a="http://schemas.openxmlformats.org/drawingml/2006/main" xmlns:r="http://schemas.openxmlformats.org/officeDocument/2006/relationships" xmlns:p="http://schemas.openxmlformats.org/presentationml/2006/main" xmlns:m="http://schemas.openxmlformats.org/officeDocument/2006/math" xmlns:w="http://schemas.openxmlformats.org/wordprocessingml/2006/main">
+  <p:cSld name="">
+    <p:spTree>
+      <p:nvGrpSpPr>
+        <p:cNvPr id="1" name="" hidden="0"/>
+        <p:cNvGrpSpPr/>
+        <p:nvPr isPhoto="0" userDrawn="0"/>
+      </p:nvGrpSpPr>
+      <p:grpSpPr bwMode="auto">
+        <a:xfrm>
+          <a:off x="0" y="0"/>
+          <a:ext cx="0" cy="0"/>
+          <a:chOff x="0" y="0"/>
+          <a:chExt cx="0" cy="0"/>
+        </a:xfrm>
+      </p:grpSpPr>
+      <p:sp>
+        <p:nvSpPr>
+          <p:cNvPr id="2" name="Slide Image Placeholder 1" hidden="0"/>
+          <p:cNvSpPr>
+            <a:spLocks noChangeAspect="1" noGrp="1" noRot="1"/>
+          </p:cNvSpPr>
+          <p:nvPr isPhoto="0" userDrawn="0">
+            <p:ph type="sldImg" hasCustomPrompt="0"/>
+          </p:nvPr>
+        </p:nvSpPr>
+        <p:spPr bwMode="auto"/>
+      </p:sp>
+      <p:sp>
+        <p:nvSpPr>
+          <p:cNvPr id="3" name="Notes Placeholder 2" hidden="0"/>
+          <p:cNvSpPr>
+            <a:spLocks noGrp="1"/>
+          </p:cNvSpPr>
+          <p:nvPr isPhoto="0" userDrawn="0">
+            <p:ph type="body" idx="1" hasCustomPrompt="0"/>
+          </p:nvPr>
+        </p:nvSpPr>
+        <p:spPr bwMode="auto"/>
+        <p:txBody>
+          <a:bodyPr/>
+          <a:lstStyle/>
+          <a:p>
+            <a:pPr>
+              <a:defRPr/>
+            </a:pPr>
+            <a:r>
+              <a:rPr lang="en-US"/>
+              <a:t>Maxim</a:t>
+            </a:r>
+            <a:endParaRPr/>
+          </a:p>
+        </p:txBody>
+      </p:sp>
+      <p:sp>
+        <p:nvSpPr>
+          <p:cNvPr id="4" name="Slide Number Placeholder 3" hidden="0"/>
+          <p:cNvSpPr>
+            <a:spLocks noGrp="1"/>
+          </p:cNvSpPr>
+          <p:nvPr isPhoto="0" userDrawn="0">
+            <p:ph type="sldNum" sz="quarter" idx="10" hasCustomPrompt="0"/>
+          </p:nvPr>
+        </p:nvSpPr>
+        <p:spPr bwMode="auto"/>
+        <p:txBody>
+          <a:bodyPr/>
+          <a:lstStyle/>
+          <a:p>
+            <a:pPr>
+              <a:defRPr/>
+            </a:pPr>
+            <a:endParaRPr/>
+          </a:p>
+        </p:txBody>
+      </p:sp>
+    </p:spTree>
+  </p:cSld>
+</p:notes>
+</file>
+
+<file path=ppt/notesSlides/notesSlide12.xml><?xml version="1.0" encoding="utf-8"?>
+<p:notes xmlns:a="http://schemas.openxmlformats.org/drawingml/2006/main" xmlns:r="http://schemas.openxmlformats.org/officeDocument/2006/relationships" xmlns:p="http://schemas.openxmlformats.org/presentationml/2006/main" xmlns:m="http://schemas.openxmlformats.org/officeDocument/2006/math" xmlns:w="http://schemas.openxmlformats.org/wordprocessingml/2006/main">
+  <p:cSld name="">
+    <p:spTree>
+      <p:nvGrpSpPr>
+        <p:cNvPr id="1" name="" hidden="0"/>
+        <p:cNvGrpSpPr/>
+        <p:nvPr isPhoto="0" userDrawn="0"/>
+      </p:nvGrpSpPr>
+      <p:grpSpPr bwMode="auto">
+        <a:xfrm>
+          <a:off x="0" y="0"/>
+          <a:ext cx="0" cy="0"/>
+          <a:chOff x="0" y="0"/>
+          <a:chExt cx="0" cy="0"/>
+        </a:xfrm>
+      </p:grpSpPr>
+      <p:sp>
+        <p:nvSpPr>
+          <p:cNvPr id="2" name="Slide Image Placeholder 1" hidden="0"/>
+          <p:cNvSpPr>
+            <a:spLocks noChangeAspect="1" noGrp="1" noRot="1"/>
+          </p:cNvSpPr>
+          <p:nvPr isPhoto="0" userDrawn="0">
+            <p:ph type="sldImg" hasCustomPrompt="0"/>
+          </p:nvPr>
+        </p:nvSpPr>
+        <p:spPr bwMode="auto"/>
+      </p:sp>
+      <p:sp>
+        <p:nvSpPr>
+          <p:cNvPr id="3" name="Notes Placeholder 2" hidden="0"/>
+          <p:cNvSpPr>
+            <a:spLocks noGrp="1"/>
+          </p:cNvSpPr>
+          <p:nvPr isPhoto="0" userDrawn="0">
+            <p:ph type="body" idx="1" hasCustomPrompt="0"/>
+          </p:nvPr>
+        </p:nvSpPr>
+        <p:spPr bwMode="auto"/>
+        <p:txBody>
+          <a:bodyPr/>
+          <a:lstStyle/>
+          <a:p>
+            <a:pPr>
+              <a:defRPr/>
+            </a:pPr>
+            <a:r>
+              <a:rPr lang="en-US"/>
+              <a:t>Timofey</a:t>
+            </a:r>
+            <a:endParaRPr/>
+          </a:p>
+        </p:txBody>
+      </p:sp>
+      <p:sp>
+        <p:nvSpPr>
+          <p:cNvPr id="4" name="Slide Number Placeholder 3" hidden="0"/>
+          <p:cNvSpPr>
+            <a:spLocks noGrp="1"/>
+          </p:cNvSpPr>
+          <p:nvPr isPhoto="0" userDrawn="0">
+            <p:ph type="sldNum" sz="quarter" idx="10" hasCustomPrompt="0"/>
+          </p:nvPr>
+        </p:nvSpPr>
+        <p:spPr bwMode="auto"/>
+        <p:txBody>
+          <a:bodyPr/>
+          <a:lstStyle/>
+          <a:p>
+            <a:pPr>
+              <a:defRPr/>
+            </a:pPr>
+            <a:endParaRPr/>
+          </a:p>
+        </p:txBody>
+      </p:sp>
+    </p:spTree>
+  </p:cSld>
+</p:notes>
+</file>
+
+<file path=ppt/notesSlides/notesSlide2.xml><?xml version="1.0" encoding="utf-8"?>
+<p:notes xmlns:a="http://schemas.openxmlformats.org/drawingml/2006/main" xmlns:r="http://schemas.openxmlformats.org/officeDocument/2006/relationships" xmlns:p="http://schemas.openxmlformats.org/presentationml/2006/main" xmlns:m="http://schemas.openxmlformats.org/officeDocument/2006/math" xmlns:w="http://schemas.openxmlformats.org/wordprocessingml/2006/main" showMasterPhAnim="0" showMasterSp="0">
+  <p:cSld name="">
+    <p:spTree>
+      <p:nvGrpSpPr>
+        <p:cNvPr id="1" name="" hidden="0"/>
+        <p:cNvGrpSpPr/>
+        <p:nvPr isPhoto="0" userDrawn="0"/>
+      </p:nvGrpSpPr>
+      <p:grpSpPr bwMode="auto">
+        <a:xfrm>
+          <a:off x="0" y="0"/>
+          <a:ext cx="0" cy="0"/>
+          <a:chOff x="0" y="0"/>
+          <a:chExt cx="0" cy="0"/>
+        </a:xfrm>
+      </p:grpSpPr>
+      <p:sp>
+        <p:nvSpPr>
+          <p:cNvPr id="197" name="Google Shape;197;g8d5fefc678_0_18:notes" hidden="0"/>
+          <p:cNvSpPr>
+            <a:spLocks noChangeAspect="1" noGrp="1" noRot="1"/>
+          </p:cNvSpPr>
+          <p:nvPr isPhoto="0" userDrawn="0">
+            <p:ph type="sldImg" idx="2" hasCustomPrompt="0"/>
+          </p:nvPr>
+        </p:nvSpPr>
+        <p:spPr bwMode="auto">
+          <a:xfrm>
+            <a:off x="381000" y="685800"/>
+            <a:ext cx="6096000" cy="3429000"/>
+          </a:xfrm>
+          <a:custGeom>
+            <a:avLst/>
+            <a:gdLst/>
+            <a:ahLst/>
+            <a:cxnLst/>
+            <a:rect l="l" t="t" r="r" b="b"/>
+            <a:pathLst>
+              <a:path w="120000" h="120000" fill="norm" stroke="1" extrusionOk="0">
+                <a:moveTo>
+                  <a:pt x="0" y="0"/>
+                </a:moveTo>
+                <a:lnTo>
+                  <a:pt x="120000" y="0"/>
+                </a:lnTo>
+                <a:lnTo>
+                  <a:pt x="120000" y="120000"/>
+                </a:lnTo>
+                <a:lnTo>
+                  <a:pt x="0" y="120000"/>
+                </a:lnTo>
+                <a:close/>
+              </a:path>
+            </a:pathLst>
+          </a:custGeom>
+        </p:spPr>
+      </p:sp>
+      <p:sp>
+        <p:nvSpPr>
+          <p:cNvPr id="198" name="Google Shape;198;g8d5fefc678_0_18:notes" hidden="0"/>
+          <p:cNvSpPr txBox="1">
+            <a:spLocks noGrp="1"/>
+          </p:cNvSpPr>
+          <p:nvPr isPhoto="0" userDrawn="0">
+            <p:ph type="body" idx="1" hasCustomPrompt="0"/>
+          </p:nvPr>
+        </p:nvSpPr>
+        <p:spPr bwMode="auto">
+          <a:xfrm>
+            <a:off x="685800" y="4343400"/>
+            <a:ext cx="5486400" cy="4114800"/>
+          </a:xfrm>
+          <a:prstGeom prst="rect">
+            <a:avLst/>
+          </a:prstGeom>
+        </p:spPr>
+        <p:txBody>
+          <a:bodyPr spcFirstLastPara="1" wrap="square" lIns="91425" tIns="91425" rIns="91425" bIns="91425" anchor="t" anchorCtr="0">
+            <a:noAutofit/>
+          </a:bodyPr>
+          <a:lstStyle/>
+          <a:p>
+            <a:pPr marL="0" lvl="0" indent="0" algn="l">
+              <a:spcBef>
+                <a:spcPts val="0"/>
+              </a:spcBef>
+              <a:spcAft>
+                <a:spcPts val="0"/>
+              </a:spcAft>
+              <a:buNone/>
+              <a:defRPr/>
+            </a:pPr>
+            <a:r>
+              <a:rPr lang="en-US" sz="1200" b="0" i="0" u="none" strike="noStrike" cap="none" spc="0">
+                <a:solidFill>
+                  <a:schemeClr val="tx1"/>
+                </a:solidFill>
+                <a:latin typeface="+mn-lt"/>
+                <a:ea typeface="+mn-ea"/>
+                <a:cs typeface="+mn-cs"/>
+              </a:rPr>
+              <a:t>Artem</a:t>
+            </a:r>
+            <a:endParaRPr/>
+          </a:p>
+        </p:txBody>
+      </p:sp>
+    </p:spTree>
+  </p:cSld>
+</p:notes>
+</file>
+
+<file path=ppt/notesSlides/notesSlide3.xml><?xml version="1.0" encoding="utf-8"?>
+<p:notes xmlns:a="http://schemas.openxmlformats.org/drawingml/2006/main" xmlns:r="http://schemas.openxmlformats.org/officeDocument/2006/relationships" xmlns:p="http://schemas.openxmlformats.org/presentationml/2006/main" xmlns:m="http://schemas.openxmlformats.org/officeDocument/2006/math" xmlns:w="http://schemas.openxmlformats.org/wordprocessingml/2006/main">
+  <p:cSld name="">
+    <p:spTree>
+      <p:nvGrpSpPr>
+        <p:cNvPr id="1" name="" hidden="0"/>
+        <p:cNvGrpSpPr/>
+        <p:nvPr isPhoto="0" userDrawn="0"/>
+      </p:nvGrpSpPr>
+      <p:grpSpPr bwMode="auto">
+        <a:xfrm>
+          <a:off x="0" y="0"/>
+          <a:ext cx="0" cy="0"/>
+          <a:chOff x="0" y="0"/>
+          <a:chExt cx="0" cy="0"/>
+        </a:xfrm>
+      </p:grpSpPr>
+      <p:sp>
+        <p:nvSpPr>
+          <p:cNvPr id="2" name="Slide Image Placeholder 1" hidden="0"/>
+          <p:cNvSpPr>
+            <a:spLocks noChangeAspect="1" noGrp="1" noRot="1"/>
+          </p:cNvSpPr>
+          <p:nvPr isPhoto="0" userDrawn="0">
+            <p:ph type="sldImg" hasCustomPrompt="0"/>
+          </p:nvPr>
+        </p:nvSpPr>
+        <p:spPr bwMode="auto"/>
+      </p:sp>
+      <p:sp>
+        <p:nvSpPr>
+          <p:cNvPr id="3" name="Notes Placeholder 2" hidden="0"/>
+          <p:cNvSpPr>
+            <a:spLocks noGrp="1"/>
+          </p:cNvSpPr>
+          <p:nvPr isPhoto="0" userDrawn="0">
+            <p:ph type="body" idx="1" hasCustomPrompt="0"/>
+          </p:nvPr>
+        </p:nvSpPr>
+        <p:spPr bwMode="auto"/>
+        <p:txBody>
+          <a:bodyPr/>
+          <a:lstStyle/>
+          <a:p>
+            <a:pPr>
+              <a:defRPr/>
+            </a:pPr>
+            <a:r>
+              <a:rPr lang="en-US"/>
+              <a:t>Artem	</a:t>
+            </a:r>
+            <a:endParaRPr/>
+          </a:p>
+        </p:txBody>
+      </p:sp>
+      <p:sp>
+        <p:nvSpPr>
+          <p:cNvPr id="4" name="Slide Number Placeholder 3" hidden="0"/>
+          <p:cNvSpPr>
+            <a:spLocks noGrp="1"/>
+          </p:cNvSpPr>
+          <p:nvPr isPhoto="0" userDrawn="0">
+            <p:ph type="sldNum" sz="quarter" idx="10" hasCustomPrompt="0"/>
+          </p:nvPr>
+        </p:nvSpPr>
+        <p:spPr bwMode="auto"/>
+        <p:txBody>
+          <a:bodyPr/>
+          <a:lstStyle/>
+          <a:p>
+            <a:pPr>
+              <a:defRPr/>
+            </a:pPr>
+            <a:endParaRPr/>
+          </a:p>
+        </p:txBody>
+      </p:sp>
+    </p:spTree>
+  </p:cSld>
+</p:notes>
+</file>
+
+<file path=ppt/notesSlides/notesSlide4.xml><?xml version="1.0" encoding="utf-8"?>
+<p:notes xmlns:a="http://schemas.openxmlformats.org/drawingml/2006/main" xmlns:r="http://schemas.openxmlformats.org/officeDocument/2006/relationships" xmlns:p="http://schemas.openxmlformats.org/presentationml/2006/main" xmlns:m="http://schemas.openxmlformats.org/officeDocument/2006/math" xmlns:w="http://schemas.openxmlformats.org/wordprocessingml/2006/main" showMasterPhAnim="0" showMasterSp="0">
+  <p:cSld name="">
+    <p:spTree>
+      <p:nvGrpSpPr>
+        <p:cNvPr id="1" name="" hidden="0"/>
+        <p:cNvGrpSpPr/>
+        <p:nvPr isPhoto="0" userDrawn="0"/>
+      </p:nvGrpSpPr>
+      <p:grpSpPr bwMode="auto">
+        <a:xfrm>
+          <a:off x="0" y="0"/>
+          <a:ext cx="0" cy="0"/>
+          <a:chOff x="0" y="0"/>
+          <a:chExt cx="0" cy="0"/>
+        </a:xfrm>
+      </p:grpSpPr>
+      <p:sp>
+        <p:nvSpPr>
+          <p:cNvPr id="197" name="Google Shape;197;g8d5fefc678_0_18:notes" hidden="0"/>
+          <p:cNvSpPr>
+            <a:spLocks noChangeAspect="1" noGrp="1" noRot="1"/>
+          </p:cNvSpPr>
+          <p:nvPr isPhoto="0" userDrawn="0">
+            <p:ph type="sldImg" idx="2" hasCustomPrompt="0"/>
+          </p:nvPr>
+        </p:nvSpPr>
+        <p:spPr bwMode="auto">
+          <a:xfrm>
+            <a:off x="381000" y="685800"/>
+            <a:ext cx="6096000" cy="3429000"/>
+          </a:xfrm>
+          <a:custGeom>
+            <a:avLst/>
+            <a:gdLst/>
+            <a:ahLst/>
+            <a:cxnLst/>
+            <a:rect l="l" t="t" r="r" b="b"/>
+            <a:pathLst>
+              <a:path w="120000" h="120000" fill="norm" stroke="1" extrusionOk="0">
+                <a:moveTo>
+                  <a:pt x="0" y="0"/>
+                </a:moveTo>
+                <a:lnTo>
+                  <a:pt x="120000" y="0"/>
+                </a:lnTo>
+                <a:lnTo>
+                  <a:pt x="120000" y="120000"/>
+                </a:lnTo>
+                <a:lnTo>
+                  <a:pt x="0" y="120000"/>
+                </a:lnTo>
+                <a:close/>
+              </a:path>
+            </a:pathLst>
+          </a:custGeom>
+        </p:spPr>
+      </p:sp>
+      <p:sp>
+        <p:nvSpPr>
+          <p:cNvPr id="198" name="Google Shape;198;g8d5fefc678_0_18:notes" hidden="0"/>
+          <p:cNvSpPr txBox="1">
+            <a:spLocks noGrp="1"/>
+          </p:cNvSpPr>
+          <p:nvPr isPhoto="0" userDrawn="0">
+            <p:ph type="body" idx="1" hasCustomPrompt="0"/>
+          </p:nvPr>
+        </p:nvSpPr>
+        <p:spPr bwMode="auto">
+          <a:xfrm>
+            <a:off x="685800" y="4343400"/>
+            <a:ext cx="5486400" cy="4114800"/>
+          </a:xfrm>
+          <a:prstGeom prst="rect">
+            <a:avLst/>
+          </a:prstGeom>
+        </p:spPr>
+        <p:txBody>
+          <a:bodyPr spcFirstLastPara="1" wrap="square" lIns="91425" tIns="91425" rIns="91425" bIns="91425" anchor="t" anchorCtr="0">
+            <a:noAutofit/>
+          </a:bodyPr>
+          <a:lstStyle/>
+          <a:p>
+            <a:pPr marL="0" lvl="0" indent="0" algn="l">
+              <a:spcBef>
+                <a:spcPts val="0"/>
+              </a:spcBef>
+              <a:spcAft>
+                <a:spcPts val="0"/>
+              </a:spcAft>
+              <a:buNone/>
+              <a:defRPr/>
+            </a:pPr>
+            <a:r>
+              <a:rPr lang="en-US"/>
+              <a:t>Maxim</a:t>
+            </a:r>
+            <a:endParaRPr/>
+          </a:p>
+        </p:txBody>
+      </p:sp>
+    </p:spTree>
+  </p:cSld>
+</p:notes>
+</file>
+
+<file path=ppt/notesSlides/notesSlide5.xml><?xml version="1.0" encoding="utf-8"?>
+<p:notes xmlns:a="http://schemas.openxmlformats.org/drawingml/2006/main" xmlns:r="http://schemas.openxmlformats.org/officeDocument/2006/relationships" xmlns:p="http://schemas.openxmlformats.org/presentationml/2006/main" xmlns:m="http://schemas.openxmlformats.org/officeDocument/2006/math" xmlns:w="http://schemas.openxmlformats.org/wordprocessingml/2006/main">
+  <p:cSld name="">
+    <p:spTree>
+      <p:nvGrpSpPr>
+        <p:cNvPr id="1" name="" hidden="0"/>
+        <p:cNvGrpSpPr/>
+        <p:nvPr isPhoto="0" userDrawn="0"/>
+      </p:nvGrpSpPr>
+      <p:grpSpPr bwMode="auto">
+        <a:xfrm>
+          <a:off x="0" y="0"/>
+          <a:ext cx="0" cy="0"/>
+          <a:chOff x="0" y="0"/>
+          <a:chExt cx="0" cy="0"/>
+        </a:xfrm>
+      </p:grpSpPr>
+      <p:sp>
+        <p:nvSpPr>
+          <p:cNvPr id="548439650" name="Slide Image Placeholder 1" hidden="0"/>
+          <p:cNvSpPr>
+            <a:spLocks noChangeAspect="1" noGrp="1" noRot="1"/>
+          </p:cNvSpPr>
+          <p:nvPr isPhoto="0" userDrawn="0">
+            <p:ph type="sldImg" hasCustomPrompt="0"/>
+          </p:nvPr>
+        </p:nvSpPr>
+        <p:spPr bwMode="auto"/>
+      </p:sp>
+      <p:sp>
+        <p:nvSpPr>
+          <p:cNvPr id="159281959" name="Notes Placeholder 2" hidden="0"/>
+          <p:cNvSpPr>
+            <a:spLocks noGrp="1"/>
+          </p:cNvSpPr>
+          <p:nvPr isPhoto="0" userDrawn="0">
+            <p:ph type="body" idx="1" hasCustomPrompt="0"/>
+          </p:nvPr>
+        </p:nvSpPr>
+        <p:spPr bwMode="auto"/>
+        <p:txBody>
+          <a:bodyPr/>
+          <a:lstStyle/>
+          <a:p>
+            <a:pPr>
+              <a:defRPr/>
+            </a:pPr>
+            <a:r>
+              <a:rPr lang="en-US"/>
+              <a:t>Timofey</a:t>
+            </a:r>
+            <a:endParaRPr/>
+          </a:p>
+        </p:txBody>
+      </p:sp>
+      <p:sp>
+        <p:nvSpPr>
+          <p:cNvPr id="1138875319" name="Slide Number Placeholder 3" hidden="0"/>
+          <p:cNvSpPr>
+            <a:spLocks noGrp="1"/>
+          </p:cNvSpPr>
+          <p:nvPr isPhoto="0" userDrawn="0">
+            <p:ph type="sldNum" sz="quarter" idx="10" hasCustomPrompt="0"/>
+          </p:nvPr>
+        </p:nvSpPr>
+        <p:spPr bwMode="auto"/>
+        <p:txBody>
+          <a:bodyPr/>
+          <a:lstStyle/>
+          <a:p>
+            <a:pPr>
+              <a:defRPr/>
+            </a:pPr>
+            <a:endParaRPr/>
+          </a:p>
+        </p:txBody>
+      </p:sp>
+    </p:spTree>
+  </p:cSld>
+</p:notes>
+</file>
+
+<file path=ppt/notesSlides/notesSlide6.xml><?xml version="1.0" encoding="utf-8"?>
+<p:notes xmlns:a="http://schemas.openxmlformats.org/drawingml/2006/main" xmlns:r="http://schemas.openxmlformats.org/officeDocument/2006/relationships" xmlns:p="http://schemas.openxmlformats.org/presentationml/2006/main" xmlns:m="http://schemas.openxmlformats.org/officeDocument/2006/math" xmlns:w="http://schemas.openxmlformats.org/wordprocessingml/2006/main" showMasterPhAnim="0" showMasterSp="0">
+  <p:cSld name="">
+    <p:spTree>
+      <p:nvGrpSpPr>
+        <p:cNvPr id="1" name="" hidden="0"/>
+        <p:cNvGrpSpPr/>
+        <p:nvPr isPhoto="0" userDrawn="0"/>
+      </p:nvGrpSpPr>
+      <p:grpSpPr bwMode="auto">
+        <a:xfrm>
+          <a:off x="0" y="0"/>
+          <a:ext cx="0" cy="0"/>
+          <a:chOff x="0" y="0"/>
+          <a:chExt cx="0" cy="0"/>
+        </a:xfrm>
+      </p:grpSpPr>
+      <p:sp>
+        <p:nvSpPr>
+          <p:cNvPr id="370949082" name="Google Shape;197;g8d5fefc678_0_18:notes" hidden="0"/>
+          <p:cNvSpPr>
+            <a:spLocks noChangeAspect="1" noGrp="1" noRot="1"/>
+          </p:cNvSpPr>
+          <p:nvPr isPhoto="0" userDrawn="0">
+            <p:ph type="sldImg" idx="2" hasCustomPrompt="0"/>
+          </p:nvPr>
+        </p:nvSpPr>
+        <p:spPr bwMode="auto">
+          <a:xfrm>
+            <a:off x="380999" y="685800"/>
+            <a:ext cx="6095999" cy="3429000"/>
+          </a:xfrm>
+          <a:custGeom>
+            <a:avLst/>
+            <a:gdLst/>
+            <a:ahLst/>
+            <a:cxnLst/>
+            <a:rect l="l" t="t" r="r" b="b"/>
+            <a:pathLst>
+              <a:path w="120000" h="120000" fill="norm" stroke="1" extrusionOk="0">
+                <a:moveTo>
+                  <a:pt x="0" y="0"/>
+                </a:moveTo>
+                <a:lnTo>
+                  <a:pt x="120000" y="0"/>
+                </a:lnTo>
+                <a:lnTo>
+                  <a:pt x="120000" y="120000"/>
+                </a:lnTo>
+                <a:lnTo>
+                  <a:pt x="0" y="120000"/>
+                </a:lnTo>
+                <a:close/>
+              </a:path>
+            </a:pathLst>
+          </a:custGeom>
+        </p:spPr>
+      </p:sp>
+      <p:sp>
+        <p:nvSpPr>
+          <p:cNvPr id="2082150605" name="Google Shape;198;g8d5fefc678_0_18:notes" hidden="0"/>
+          <p:cNvSpPr txBox="1">
+            <a:spLocks noGrp="1"/>
+          </p:cNvSpPr>
+          <p:nvPr isPhoto="0" userDrawn="0">
+            <p:ph type="body" idx="1" hasCustomPrompt="0"/>
+          </p:nvPr>
+        </p:nvSpPr>
+        <p:spPr bwMode="auto">
+          <a:xfrm>
+            <a:off x="685800" y="4343400"/>
+            <a:ext cx="5486400" cy="4114800"/>
+          </a:xfrm>
+          <a:prstGeom prst="rect">
+            <a:avLst/>
+          </a:prstGeom>
+        </p:spPr>
+        <p:txBody>
+          <a:bodyPr spcFirstLastPara="1" wrap="square" lIns="91424" tIns="91424" rIns="91424" bIns="91424" anchor="t" anchorCtr="0">
+            <a:noAutofit/>
+          </a:bodyPr>
+          <a:lstStyle/>
+          <a:p>
+            <a:pPr marL="0" lvl="0" indent="0" algn="l">
+              <a:spcBef>
+                <a:spcPts val="0"/>
+              </a:spcBef>
+              <a:spcAft>
+                <a:spcPts val="0"/>
+              </a:spcAft>
+              <a:buNone/>
+              <a:defRPr/>
+            </a:pPr>
+            <a:r>
+              <a:rPr lang="en-US"/>
+              <a:t>timofey</a:t>
+            </a:r>
+            <a:endParaRPr/>
+          </a:p>
+        </p:txBody>
+      </p:sp>
+    </p:spTree>
+  </p:cSld>
+</p:notes>
+</file>
+
+<file path=ppt/notesSlides/notesSlide7.xml><?xml version="1.0" encoding="utf-8"?>
+<p:notes xmlns:a="http://schemas.openxmlformats.org/drawingml/2006/main" xmlns:r="http://schemas.openxmlformats.org/officeDocument/2006/relationships" xmlns:p="http://schemas.openxmlformats.org/presentationml/2006/main" xmlns:m="http://schemas.openxmlformats.org/officeDocument/2006/math" xmlns:w="http://schemas.openxmlformats.org/wordprocessingml/2006/main" showMasterPhAnim="0" showMasterSp="0">
+  <p:cSld name="">
+    <p:spTree>
+      <p:nvGrpSpPr>
+        <p:cNvPr id="1" name="" hidden="0"/>
+        <p:cNvGrpSpPr/>
+        <p:nvPr isPhoto="0" userDrawn="0"/>
+      </p:nvGrpSpPr>
+      <p:grpSpPr bwMode="auto">
+        <a:xfrm>
+          <a:off x="0" y="0"/>
+          <a:ext cx="0" cy="0"/>
+          <a:chOff x="0" y="0"/>
+          <a:chExt cx="0" cy="0"/>
+        </a:xfrm>
+      </p:grpSpPr>
+      <p:sp>
+        <p:nvSpPr>
+          <p:cNvPr id="138367513" name="Google Shape;197;g8d5fefc678_0_18:notes" hidden="0"/>
+          <p:cNvSpPr>
+            <a:spLocks noChangeAspect="1" noGrp="1" noRot="1"/>
+          </p:cNvSpPr>
+          <p:nvPr isPhoto="0" userDrawn="0">
+            <p:ph type="sldImg" idx="2" hasCustomPrompt="0"/>
+          </p:nvPr>
+        </p:nvSpPr>
+        <p:spPr bwMode="auto">
+          <a:xfrm>
+            <a:off x="380999" y="685800"/>
+            <a:ext cx="6095999" cy="3429000"/>
+          </a:xfrm>
+          <a:custGeom>
+            <a:avLst/>
+            <a:gdLst/>
+            <a:ahLst/>
+            <a:cxnLst/>
+            <a:rect l="l" t="t" r="r" b="b"/>
+            <a:pathLst>
+              <a:path w="120000" h="120000" fill="norm" stroke="1" extrusionOk="0">
+                <a:moveTo>
+                  <a:pt x="0" y="0"/>
+                </a:moveTo>
+                <a:lnTo>
+                  <a:pt x="120000" y="0"/>
+                </a:lnTo>
+                <a:lnTo>
+                  <a:pt x="120000" y="120000"/>
+                </a:lnTo>
+                <a:lnTo>
+                  <a:pt x="0" y="120000"/>
+                </a:lnTo>
+                <a:close/>
+              </a:path>
+            </a:pathLst>
+          </a:custGeom>
+        </p:spPr>
+      </p:sp>
+      <p:sp>
+        <p:nvSpPr>
+          <p:cNvPr id="853371724" name="Google Shape;198;g8d5fefc678_0_18:notes" hidden="0"/>
+          <p:cNvSpPr txBox="1">
+            <a:spLocks noGrp="1"/>
+          </p:cNvSpPr>
+          <p:nvPr isPhoto="0" userDrawn="0">
+            <p:ph type="body" idx="1" hasCustomPrompt="0"/>
+          </p:nvPr>
+        </p:nvSpPr>
+        <p:spPr bwMode="auto">
+          <a:xfrm>
+            <a:off x="685800" y="4343400"/>
+            <a:ext cx="5486400" cy="4114800"/>
+          </a:xfrm>
+          <a:prstGeom prst="rect">
+            <a:avLst/>
+          </a:prstGeom>
+        </p:spPr>
+        <p:txBody>
+          <a:bodyPr spcFirstLastPara="1" wrap="square" lIns="91424" tIns="91424" rIns="91424" bIns="91424" anchor="t" anchorCtr="0">
+            <a:noAutofit/>
+          </a:bodyPr>
+          <a:lstStyle/>
+          <a:p>
+            <a:pPr marL="0" lvl="0" indent="0" algn="l">
+              <a:spcBef>
+                <a:spcPts val="0"/>
+              </a:spcBef>
+              <a:spcAft>
+                <a:spcPts val="0"/>
+              </a:spcAft>
+              <a:buNone/>
+              <a:defRPr/>
+            </a:pPr>
+            <a:r>
+              <a:rPr lang="en-US"/>
+              <a:t>Timofey</a:t>
+            </a:r>
+            <a:endParaRPr/>
+          </a:p>
+        </p:txBody>
+      </p:sp>
+    </p:spTree>
+  </p:cSld>
+</p:notes>
+</file>
+
+<file path=ppt/notesSlides/notesSlide8.xml><?xml version="1.0" encoding="utf-8"?>
+<p:notes xmlns:a="http://schemas.openxmlformats.org/drawingml/2006/main" xmlns:r="http://schemas.openxmlformats.org/officeDocument/2006/relationships" xmlns:p="http://schemas.openxmlformats.org/presentationml/2006/main" xmlns:m="http://schemas.openxmlformats.org/officeDocument/2006/math" xmlns:w="http://schemas.openxmlformats.org/wordprocessingml/2006/main" showMasterPhAnim="0" showMasterSp="0">
+  <p:cSld name="">
+    <p:spTree>
+      <p:nvGrpSpPr>
+        <p:cNvPr id="1" name="" hidden="0"/>
+        <p:cNvGrpSpPr/>
+        <p:nvPr isPhoto="0" userDrawn="0"/>
+      </p:nvGrpSpPr>
+      <p:grpSpPr bwMode="auto">
+        <a:xfrm>
+          <a:off x="0" y="0"/>
+          <a:ext cx="0" cy="0"/>
+          <a:chOff x="0" y="0"/>
+          <a:chExt cx="0" cy="0"/>
+        </a:xfrm>
+      </p:grpSpPr>
+      <p:sp>
+        <p:nvSpPr>
+          <p:cNvPr id="1736001165" name="Google Shape;197;g8d5fefc678_0_18:notes" hidden="0"/>
+          <p:cNvSpPr>
+            <a:spLocks noChangeAspect="1" noGrp="1" noRot="1"/>
+          </p:cNvSpPr>
+          <p:nvPr isPhoto="0" userDrawn="0">
+            <p:ph type="sldImg" idx="2" hasCustomPrompt="0"/>
+          </p:nvPr>
+        </p:nvSpPr>
+        <p:spPr bwMode="auto">
+          <a:xfrm>
+            <a:off x="380999" y="685800"/>
+            <a:ext cx="6095999" cy="3429000"/>
+          </a:xfrm>
+          <a:custGeom>
+            <a:avLst/>
+            <a:gdLst/>
+            <a:ahLst/>
+            <a:cxnLst/>
+            <a:rect l="l" t="t" r="r" b="b"/>
+            <a:pathLst>
+              <a:path w="120000" h="120000" fill="norm" stroke="1" extrusionOk="0">
+                <a:moveTo>
+                  <a:pt x="0" y="0"/>
+                </a:moveTo>
+                <a:lnTo>
+                  <a:pt x="120000" y="0"/>
+                </a:lnTo>
+                <a:lnTo>
+                  <a:pt x="120000" y="120000"/>
+                </a:lnTo>
+                <a:lnTo>
+                  <a:pt x="0" y="120000"/>
+                </a:lnTo>
+                <a:close/>
+              </a:path>
+            </a:pathLst>
+          </a:custGeom>
+        </p:spPr>
+      </p:sp>
+      <p:sp>
+        <p:nvSpPr>
+          <p:cNvPr id="989602023" name="Google Shape;198;g8d5fefc678_0_18:notes" hidden="0"/>
+          <p:cNvSpPr txBox="1">
+            <a:spLocks noGrp="1"/>
+          </p:cNvSpPr>
+          <p:nvPr isPhoto="0" userDrawn="0">
+            <p:ph type="body" idx="1" hasCustomPrompt="0"/>
+          </p:nvPr>
+        </p:nvSpPr>
+        <p:spPr bwMode="auto">
+          <a:xfrm>
+            <a:off x="685800" y="4343400"/>
+            <a:ext cx="5486400" cy="4114800"/>
+          </a:xfrm>
+          <a:prstGeom prst="rect">
+            <a:avLst/>
+          </a:prstGeom>
+        </p:spPr>
+        <p:txBody>
+          <a:bodyPr spcFirstLastPara="1" wrap="square" lIns="91424" tIns="91424" rIns="91424" bIns="91424" anchor="t" anchorCtr="0">
+            <a:noAutofit/>
+          </a:bodyPr>
+          <a:lstStyle/>
+          <a:p>
+            <a:pPr marL="0" lvl="0" indent="0" algn="l">
+              <a:spcBef>
+                <a:spcPts val="0"/>
+              </a:spcBef>
+              <a:spcAft>
+                <a:spcPts val="0"/>
+              </a:spcAft>
+              <a:buNone/>
+              <a:defRPr/>
+            </a:pPr>
+            <a:r>
+              <a:rPr lang="en-US"/>
+              <a:t>Timofey</a:t>
+            </a:r>
+            <a:endParaRPr/>
+          </a:p>
+        </p:txBody>
+      </p:sp>
+    </p:spTree>
+  </p:cSld>
+</p:notes>
+</file>
+
+<file path=ppt/notesSlides/notesSlide9.xml><?xml version="1.0" encoding="utf-8"?>
+<p:notes xmlns:a="http://schemas.openxmlformats.org/drawingml/2006/main" xmlns:r="http://schemas.openxmlformats.org/officeDocument/2006/relationships" xmlns:p="http://schemas.openxmlformats.org/presentationml/2006/main" xmlns:m="http://schemas.openxmlformats.org/officeDocument/2006/math" xmlns:w="http://schemas.openxmlformats.org/wordprocessingml/2006/main" showMasterPhAnim="0" showMasterSp="0">
+  <p:cSld name="">
+    <p:spTree>
+      <p:nvGrpSpPr>
+        <p:cNvPr id="1" name="" hidden="0"/>
+        <p:cNvGrpSpPr/>
+        <p:nvPr isPhoto="0" userDrawn="0"/>
+      </p:nvGrpSpPr>
+      <p:grpSpPr bwMode="auto">
+        <a:xfrm>
+          <a:off x="0" y="0"/>
+          <a:ext cx="0" cy="0"/>
+          <a:chOff x="0" y="0"/>
+          <a:chExt cx="0" cy="0"/>
+        </a:xfrm>
+      </p:grpSpPr>
+      <p:sp>
+        <p:nvSpPr>
+          <p:cNvPr id="197" name="Google Shape;197;g8d5fefc678_0_18:notes" hidden="0"/>
+          <p:cNvSpPr>
+            <a:spLocks noChangeAspect="1" noGrp="1" noRot="1"/>
+          </p:cNvSpPr>
+          <p:nvPr isPhoto="0" userDrawn="0">
+            <p:ph type="sldImg" idx="2" hasCustomPrompt="0"/>
+          </p:nvPr>
+        </p:nvSpPr>
+        <p:spPr bwMode="auto">
+          <a:xfrm>
+            <a:off x="381000" y="685800"/>
+            <a:ext cx="6096000" cy="3429000"/>
+          </a:xfrm>
+          <a:custGeom>
+            <a:avLst/>
+            <a:gdLst/>
+            <a:ahLst/>
+            <a:cxnLst/>
+            <a:rect l="l" t="t" r="r" b="b"/>
+            <a:pathLst>
+              <a:path w="120000" h="120000" fill="norm" stroke="1" extrusionOk="0">
+                <a:moveTo>
+                  <a:pt x="0" y="0"/>
+                </a:moveTo>
+                <a:lnTo>
+                  <a:pt x="120000" y="0"/>
+                </a:lnTo>
+                <a:lnTo>
+                  <a:pt x="120000" y="120000"/>
+                </a:lnTo>
+                <a:lnTo>
+                  <a:pt x="0" y="120000"/>
+                </a:lnTo>
+                <a:close/>
+              </a:path>
+            </a:pathLst>
+          </a:custGeom>
+        </p:spPr>
+      </p:sp>
+      <p:sp>
+        <p:nvSpPr>
+          <p:cNvPr id="198" name="Google Shape;198;g8d5fefc678_0_18:notes" hidden="0"/>
+          <p:cNvSpPr txBox="1">
+            <a:spLocks noGrp="1"/>
+          </p:cNvSpPr>
+          <p:nvPr isPhoto="0" userDrawn="0">
+            <p:ph type="body" idx="1" hasCustomPrompt="0"/>
+          </p:nvPr>
+        </p:nvSpPr>
+        <p:spPr bwMode="auto">
+          <a:xfrm>
+            <a:off x="685800" y="4343400"/>
+            <a:ext cx="5486400" cy="4114800"/>
+          </a:xfrm>
+          <a:prstGeom prst="rect">
+            <a:avLst/>
+          </a:prstGeom>
+        </p:spPr>
+        <p:txBody>
+          <a:bodyPr spcFirstLastPara="1" wrap="square" lIns="91425" tIns="91425" rIns="91425" bIns="91425" anchor="t" anchorCtr="0">
+            <a:noAutofit/>
+          </a:bodyPr>
+          <a:lstStyle/>
+          <a:p>
+            <a:pPr marL="0" lvl="0" indent="0" algn="l">
+              <a:spcBef>
+                <a:spcPts val="0"/>
+              </a:spcBef>
+              <a:spcAft>
+                <a:spcPts val="0"/>
+              </a:spcAft>
+              <a:buNone/>
+              <a:defRPr/>
+            </a:pPr>
+            <a:r>
+              <a:rPr lang="en-US"/>
+              <a:t>Maxim</a:t>
+            </a:r>
+            <a:endParaRPr/>
+          </a:p>
+        </p:txBody>
+      </p:sp>
+    </p:spTree>
+  </p:cSld>
+</p:notes>
 </file>
 
 <file path=ppt/slideLayouts/slideLayout1.xml><?xml version="1.0" encoding="utf-8"?>
@@ -4300,7 +5861,7 @@
       </p:grpSpPr>
       <p:sp>
         <p:nvSpPr>
-          <p:cNvPr id="723678614" name="Google Shape;200;p38" hidden="0"/>
+          <p:cNvPr id="200" name="Google Shape;200;p38" hidden="0"/>
           <p:cNvSpPr txBox="1">
             <a:spLocks noGrp="1"/>
           </p:cNvSpPr>
@@ -4310,15 +5871,15 @@
         </p:nvSpPr>
         <p:spPr bwMode="auto">
           <a:xfrm>
-            <a:off x="576504" y="2844"/>
-            <a:ext cx="11435504" cy="1058914"/>
+            <a:off x="576505" y="2844"/>
+            <a:ext cx="11435504" cy="1058915"/>
           </a:xfrm>
           <a:prstGeom prst="rect">
             <a:avLst/>
           </a:prstGeom>
         </p:spPr>
         <p:txBody>
-          <a:bodyPr spcFirstLastPara="1" vert="horz" wrap="square" lIns="121899" tIns="121899" rIns="121899" bIns="121899" rtlCol="0" anchor="t" anchorCtr="0">
+          <a:bodyPr spcFirstLastPara="1" vert="horz" wrap="square" lIns="121900" tIns="121900" rIns="121900" bIns="121900" rtlCol="0" anchor="t" anchorCtr="0">
             <a:noAutofit/>
           </a:bodyPr>
           <a:lstStyle/>
@@ -4331,163 +5892,118 @@
               <a:defRPr/>
             </a:pPr>
             <a:r>
-              <a:rPr lang="en-US" sz="3500">
-                <a:latin typeface="Garamond"/>
-              </a:rPr>
-              <a:t>Calculating angle of reflection</a:t>
-            </a:r>
-            <a:endParaRPr sz="3500">
-              <a:latin typeface="Garamond"/>
-            </a:endParaRPr>
-          </a:p>
-        </p:txBody>
-      </p:sp>
-      <p:sp>
-        <p:nvSpPr>
-          <p:cNvPr id="1768766287" name="Google Shape;201;p38" hidden="0"/>
-          <p:cNvSpPr txBox="1">
-            <a:spLocks noGrp="1"/>
-          </p:cNvSpPr>
-          <p:nvPr isPhoto="0" userDrawn="0">
-            <p:ph type="body" idx="1" hasCustomPrompt="0"/>
-          </p:nvPr>
-        </p:nvSpPr>
-        <p:spPr bwMode="auto">
-          <a:xfrm flipH="0" flipV="0">
-            <a:off x="400522" y="1061758"/>
-            <a:ext cx="11447413" cy="2879208"/>
-          </a:xfrm>
-          <a:prstGeom prst="rect">
-            <a:avLst/>
-          </a:prstGeom>
-        </p:spPr>
-        <p:txBody>
-          <a:bodyPr spcFirstLastPara="1" vert="horz" wrap="square" lIns="121899" tIns="121899" rIns="121899" bIns="121899" rtlCol="0" anchor="t" anchorCtr="0">
-            <a:noAutofit/>
-          </a:bodyPr>
-          <a:lstStyle/>
-          <a:p>
-            <a:pPr marL="186261" indent="0">
-              <a:buClr>
-                <a:schemeClr val="lt1"/>
-              </a:buClr>
-              <a:buSzPts val="1400"/>
-              <a:buFont typeface="Arial"/>
-              <a:buNone/>
-              <a:defRPr/>
-            </a:pPr>
-            <a:r>
-              <a:rPr lang="en-US" sz="2500">
+              <a:rPr lang="en-US" sz="3500" b="1" i="0" u="none" strike="noStrike" cap="none" spc="0">
+                <a:solidFill>
+                  <a:schemeClr val="lt1"/>
+                </a:solidFill>
                 <a:latin typeface="Garamond"/>
                 <a:ea typeface="Garamond"/>
                 <a:cs typeface="Garamond"/>
               </a:rPr>
-              <a:t>Sine and cosine are stored as 12-bit values in RAM. The first bit is sign, other are an 11-bit positive number, where 0 represents 0 and 2047 represents 1</a:t>
-            </a:r>
-            <a:endParaRPr lang="en-US" sz="2500">
+              <a:t>Moving the right bat </a:t>
+            </a:r>
+            <a:endParaRPr sz="3500">
               <a:latin typeface="Garamond"/>
-              <a:ea typeface="Garamond"/>
-              <a:cs typeface="Garamond"/>
             </a:endParaRPr>
           </a:p>
-          <a:p>
-            <a:pPr marL="186261" indent="0">
+        </p:txBody>
+      </p:sp>
+      <p:sp>
+        <p:nvSpPr>
+          <p:cNvPr id="201" name="Google Shape;201;p38" hidden="0"/>
+          <p:cNvSpPr txBox="1">
+            <a:spLocks noGrp="1"/>
+          </p:cNvSpPr>
+          <p:nvPr isPhoto="0" userDrawn="0">
+            <p:ph type="body" idx="1" hasCustomPrompt="0"/>
+          </p:nvPr>
+        </p:nvSpPr>
+        <p:spPr bwMode="auto">
+          <a:xfrm>
+            <a:off x="400523" y="1061759"/>
+            <a:ext cx="4892930" cy="5112538"/>
+          </a:xfrm>
+          <a:prstGeom prst="rect">
+            <a:avLst/>
+          </a:prstGeom>
+        </p:spPr>
+        <p:txBody>
+          <a:bodyPr spcFirstLastPara="1" vert="horz" wrap="square" lIns="121900" tIns="121900" rIns="121900" bIns="121900" rtlCol="0" anchor="t" anchorCtr="0">
+            <a:noAutofit/>
+          </a:bodyPr>
+          <a:lstStyle/>
+          <a:p>
+            <a:pPr marL="0" indent="0">
               <a:buClr>
-                <a:schemeClr val="lt1"/>
+                <a:schemeClr val="dk1"/>
               </a:buClr>
-              <a:buSzPts val="1400"/>
-              <a:buFont typeface="Arial"/>
-              <a:buNone/>
-              <a:defRPr/>
-            </a:pPr>
-            <a:endParaRPr lang="en-US" sz="2500">
-              <a:latin typeface="Garamond"/>
-              <a:ea typeface="Garamond"/>
-              <a:cs typeface="Garamond"/>
-            </a:endParaRPr>
-          </a:p>
-          <a:p>
-            <a:pPr marL="186261" indent="0">
-              <a:buClr>
-                <a:schemeClr val="lt1"/>
-              </a:buClr>
-              <a:buSzPts val="1400"/>
-              <a:buFont typeface="Arial"/>
+              <a:buSzPts val="1100"/>
               <a:buNone/>
               <a:defRPr/>
             </a:pPr>
             <a:r>
               <a:rPr lang="en-US" sz="2500">
                 <a:latin typeface="Garamond"/>
-                <a:ea typeface="Garamond"/>
-                <a:cs typeface="Garamond"/>
               </a:rPr>
-              <a:t>Velocity is a two’s complementary numbers</a:t>
-            </a:r>
-            <a:endParaRPr lang="en-US" sz="2500">
+              <a:t>Our opponent is controlled with AI. The processor receives coordinates and velocity of the ball and adjusts the position of the right bat to hit the ball when it returns back. </a:t>
+            </a:r>
+            <a:endParaRPr sz="2500">
               <a:latin typeface="Garamond"/>
-              <a:ea typeface="Garamond"/>
-              <a:cs typeface="Garamond"/>
             </a:endParaRPr>
           </a:p>
-          <a:p>
-            <a:pPr marL="186261" indent="0">
-              <a:buClr>
-                <a:schemeClr val="lt1"/>
-              </a:buClr>
-              <a:buSzPts val="1400"/>
-              <a:buFont typeface="Arial"/>
-              <a:buNone/>
-              <a:defRPr/>
-            </a:pPr>
-            <a:endParaRPr lang="en-US" sz="2500">
+        </p:txBody>
+      </p:sp>
+      <p:sp>
+        <p:nvSpPr>
+          <p:cNvPr id="3" name="TextBox 2" hidden="0"/>
+          <p:cNvSpPr txBox="1"/>
+          <p:nvPr isPhoto="0" userDrawn="0"/>
+        </p:nvSpPr>
+        <p:spPr bwMode="auto">
+          <a:xfrm>
+            <a:off x="6862194" y="1442906"/>
+            <a:ext cx="5149815" cy="477054"/>
+          </a:xfrm>
+          <a:prstGeom prst="rect">
+            <a:avLst/>
+          </a:prstGeom>
+          <a:noFill/>
+        </p:spPr>
+        <p:txBody>
+          <a:bodyPr wrap="square" rtlCol="0">
+            <a:spAutoFit/>
+          </a:bodyPr>
+          <a:lstStyle/>
+          <a:p>
+            <a:pPr>
+              <a:defRPr/>
+            </a:pPr>
+            <a:endParaRPr lang="ru-RU" sz="2500">
+              <a:solidFill>
+                <a:schemeClr val="bg1"/>
+              </a:solidFill>
               <a:latin typeface="Garamond"/>
-              <a:ea typeface="Garamond"/>
-              <a:cs typeface="Garamond"/>
-            </a:endParaRPr>
-          </a:p>
-          <a:p>
-            <a:pPr marL="186261" indent="0">
-              <a:buClr>
-                <a:schemeClr val="lt1"/>
-              </a:buClr>
-              <a:buSzPts val="1400"/>
-              <a:buFont typeface="Arial"/>
-              <a:buNone/>
-              <a:defRPr/>
-            </a:pPr>
-            <a:r>
-              <a:rPr lang="en-US" sz="2500">
-                <a:latin typeface="Garamond"/>
-                <a:ea typeface="Garamond"/>
-                <a:cs typeface="Garamond"/>
-              </a:rPr>
-              <a:t>The scheme makes all numbers positive, multiplies everything and changes the sign in the end</a:t>
-            </a:r>
-            <a:endParaRPr lang="en-US" sz="2500">
-              <a:latin typeface="Garamond"/>
-              <a:ea typeface="Garamond"/>
-              <a:cs typeface="Garamond"/>
             </a:endParaRPr>
           </a:p>
         </p:txBody>
       </p:sp>
       <p:pic>
         <p:nvPicPr>
-          <p:cNvPr id="1410275714" name="Рисунок 5" hidden="0"/>
+          <p:cNvPr id="2" name="Рисунок 1" hidden="0"/>
           <p:cNvPicPr>
             <a:picLocks noChangeAspect="1"/>
           </p:cNvPicPr>
           <p:nvPr isPhoto="0" userDrawn="0"/>
         </p:nvPicPr>
         <p:blipFill>
-          <a:blip r:embed="rId2"/>
+          <a:blip r:embed="rId3"/>
+          <a:srcRect l="-77" t="404" r="62952" b="43838"/>
           <a:stretch/>
         </p:blipFill>
         <p:spPr bwMode="auto">
-          <a:xfrm rot="0" flipH="0" flipV="0">
-            <a:off x="1414116" y="4264539"/>
-            <a:ext cx="9420225" cy="1857375"/>
+          <a:xfrm>
+            <a:off x="5713591" y="785092"/>
+            <a:ext cx="5942284" cy="5139484"/>
           </a:xfrm>
           <a:prstGeom prst="rect">
             <a:avLst/>
@@ -4616,7 +6132,7 @@
                 <a:ea typeface="Garamond"/>
                 <a:cs typeface="Garamond"/>
               </a:rPr>
-              <a:t>There must be information about the triangle and Artem’s image of triangle</a:t>
+              <a:t>The sought coordinates of the right bat are calculated as the picture shows using information about velocity and coordinates of the ball and counting the formula below having all the carry bits in mind. Depending on the parity of the number of carry bits the formula is either distance from upper or lower wall.</a:t>
             </a:r>
             <a:endParaRPr lang="en-US" sz="2500">
               <a:latin typeface="Garamond"/>
@@ -4758,13 +6274,35 @@
           <p:nvPr isPhoto="0" userDrawn="0"/>
         </p:nvPicPr>
         <p:blipFill>
-          <a:blip r:embed="rId2"/>
+          <a:blip r:embed="rId3"/>
           <a:stretch/>
         </p:blipFill>
         <p:spPr bwMode="auto">
           <a:xfrm rot="0" flipH="0" flipV="0">
-            <a:off x="1244862" y="3743853"/>
-            <a:ext cx="9758734" cy="2432035"/>
+            <a:off x="808300" y="5086927"/>
+            <a:ext cx="6892248" cy="1717660"/>
+          </a:xfrm>
+          <a:prstGeom prst="rect">
+            <a:avLst/>
+          </a:prstGeom>
+        </p:spPr>
+      </p:pic>
+      <p:pic>
+        <p:nvPicPr>
+          <p:cNvPr id="1792971697" name="" hidden="0"/>
+          <p:cNvPicPr>
+            <a:picLocks noChangeAspect="1"/>
+          </p:cNvPicPr>
+          <p:nvPr isPhoto="0" userDrawn="0"/>
+        </p:nvPicPr>
+        <p:blipFill>
+          <a:blip r:embed="rId4"/>
+          <a:stretch/>
+        </p:blipFill>
+        <p:spPr bwMode="auto">
+          <a:xfrm rot="0" flipH="0" flipV="0">
+            <a:off x="8109479" y="2501363"/>
+            <a:ext cx="4183380" cy="4303224"/>
           </a:xfrm>
           <a:prstGeom prst="rect">
             <a:avLst/>
@@ -4884,7 +6422,7 @@
           <p:nvPr isPhoto="0" userDrawn="0"/>
         </p:nvPicPr>
         <p:blipFill>
-          <a:blip r:embed="rId2"/>
+          <a:blip r:embed="rId3"/>
           <a:stretch/>
         </p:blipFill>
         <p:spPr bwMode="auto">
@@ -4897,6 +6435,428 @@
           </a:prstGeom>
         </p:spPr>
       </p:pic>
+    </p:spTree>
+  </p:cSld>
+  <p:clrMapOvr>
+    <a:masterClrMapping/>
+  </p:clrMapOvr>
+  <mc:AlternateContent xmlns:mc="http://schemas.openxmlformats.org/markup-compatibility/2006">
+    <mc:Choice xmlns:p14="http://schemas.microsoft.com/office/powerpoint/2010/main" Requires="p14">
+      <p:transition p14:dur="2000" advClick="1"/>
+    </mc:Choice>
+    <mc:Fallback>
+      <p:transition advClick="1"/>
+    </mc:Fallback>
+  </mc:AlternateContent>
+</p:sld>
+</file>
+
+<file path=ppt/slides/slide13.xml><?xml version="1.0" encoding="utf-8"?>
+<p:sld xmlns:a="http://schemas.openxmlformats.org/drawingml/2006/main" xmlns:r="http://schemas.openxmlformats.org/officeDocument/2006/relationships" xmlns:p="http://schemas.openxmlformats.org/presentationml/2006/main" xmlns:m="http://schemas.openxmlformats.org/officeDocument/2006/math" xmlns:w="http://schemas.openxmlformats.org/wordprocessingml/2006/main" showMasterPhAnim="0" show="1">
+  <p:cSld name="">
+    <p:spTree>
+      <p:nvGrpSpPr>
+        <p:cNvPr id="1" name="" hidden="0"/>
+        <p:cNvGrpSpPr/>
+        <p:nvPr isPhoto="0" userDrawn="0"/>
+      </p:nvGrpSpPr>
+      <p:grpSpPr bwMode="auto">
+        <a:xfrm>
+          <a:off x="0" y="0"/>
+          <a:ext cx="0" cy="0"/>
+          <a:chOff x="0" y="0"/>
+          <a:chExt cx="0" cy="0"/>
+        </a:xfrm>
+      </p:grpSpPr>
+      <p:sp>
+        <p:nvSpPr>
+          <p:cNvPr id="1813310109" name="Google Shape;40;p9" hidden="0"/>
+          <p:cNvSpPr txBox="1">
+            <a:spLocks noGrp="1"/>
+          </p:cNvSpPr>
+          <p:nvPr isPhoto="0" userDrawn="0">
+            <p:ph type="title" hasCustomPrompt="0"/>
+          </p:nvPr>
+        </p:nvSpPr>
+        <p:spPr bwMode="auto">
+          <a:xfrm>
+            <a:off x="2818650" y="1158239"/>
+            <a:ext cx="6553599" cy="853599"/>
+          </a:xfrm>
+          <a:prstGeom prst="rect">
+            <a:avLst/>
+          </a:prstGeom>
+        </p:spPr>
+        <p:txBody>
+          <a:bodyPr spcFirstLastPara="1" wrap="square" lIns="91424" tIns="91424" rIns="91424" bIns="91424" anchor="t" anchorCtr="0">
+            <a:noAutofit/>
+          </a:bodyPr>
+          <a:lstStyle>
+            <a:lvl1pPr lvl="0">
+              <a:spcBef>
+                <a:spcPts val="0"/>
+              </a:spcBef>
+              <a:spcAft>
+                <a:spcPts val="0"/>
+              </a:spcAft>
+              <a:buSzPts val="2400"/>
+              <a:buFont typeface="Montserrat"/>
+              <a:buNone/>
+              <a:defRPr sz="3350" b="1">
+                <a:solidFill>
+                  <a:schemeClr val="lt1"/>
+                </a:solidFill>
+                <a:latin typeface="Playfair Display"/>
+                <a:ea typeface="Playfair Display"/>
+                <a:cs typeface="Playfair Display"/>
+              </a:defRPr>
+            </a:lvl1pPr>
+            <a:lvl2pPr lvl="1">
+              <a:spcBef>
+                <a:spcPts val="0"/>
+              </a:spcBef>
+              <a:spcAft>
+                <a:spcPts val="0"/>
+              </a:spcAft>
+              <a:buSzPts val="2100"/>
+              <a:buFont typeface="Montserrat"/>
+              <a:buNone/>
+              <a:defRPr sz="2800" b="1">
+                <a:latin typeface="Montserrat"/>
+                <a:ea typeface="Montserrat"/>
+                <a:cs typeface="Montserrat"/>
+              </a:defRPr>
+            </a:lvl2pPr>
+            <a:lvl3pPr lvl="2">
+              <a:spcBef>
+                <a:spcPts val="0"/>
+              </a:spcBef>
+              <a:spcAft>
+                <a:spcPts val="0"/>
+              </a:spcAft>
+              <a:buSzPts val="2100"/>
+              <a:buFont typeface="Montserrat"/>
+              <a:buNone/>
+              <a:defRPr sz="2800" b="1">
+                <a:latin typeface="Montserrat"/>
+                <a:ea typeface="Montserrat"/>
+                <a:cs typeface="Montserrat"/>
+              </a:defRPr>
+            </a:lvl3pPr>
+            <a:lvl4pPr lvl="3">
+              <a:spcBef>
+                <a:spcPts val="0"/>
+              </a:spcBef>
+              <a:spcAft>
+                <a:spcPts val="0"/>
+              </a:spcAft>
+              <a:buSzPts val="2100"/>
+              <a:buFont typeface="Montserrat"/>
+              <a:buNone/>
+              <a:defRPr sz="2800" b="1">
+                <a:latin typeface="Montserrat"/>
+                <a:ea typeface="Montserrat"/>
+                <a:cs typeface="Montserrat"/>
+              </a:defRPr>
+            </a:lvl4pPr>
+            <a:lvl5pPr lvl="4">
+              <a:spcBef>
+                <a:spcPts val="0"/>
+              </a:spcBef>
+              <a:spcAft>
+                <a:spcPts val="0"/>
+              </a:spcAft>
+              <a:buSzPts val="2100"/>
+              <a:buFont typeface="Montserrat"/>
+              <a:buNone/>
+              <a:defRPr sz="2800" b="1">
+                <a:latin typeface="Montserrat"/>
+                <a:ea typeface="Montserrat"/>
+                <a:cs typeface="Montserrat"/>
+              </a:defRPr>
+            </a:lvl5pPr>
+            <a:lvl6pPr lvl="5">
+              <a:spcBef>
+                <a:spcPts val="0"/>
+              </a:spcBef>
+              <a:spcAft>
+                <a:spcPts val="0"/>
+              </a:spcAft>
+              <a:buSzPts val="2100"/>
+              <a:buFont typeface="Montserrat"/>
+              <a:buNone/>
+              <a:defRPr sz="2800" b="1">
+                <a:latin typeface="Montserrat"/>
+                <a:ea typeface="Montserrat"/>
+                <a:cs typeface="Montserrat"/>
+              </a:defRPr>
+            </a:lvl6pPr>
+            <a:lvl7pPr lvl="6">
+              <a:spcBef>
+                <a:spcPts val="0"/>
+              </a:spcBef>
+              <a:spcAft>
+                <a:spcPts val="0"/>
+              </a:spcAft>
+              <a:buSzPts val="2100"/>
+              <a:buFont typeface="Montserrat"/>
+              <a:buNone/>
+              <a:defRPr sz="2800" b="1">
+                <a:latin typeface="Montserrat"/>
+                <a:ea typeface="Montserrat"/>
+                <a:cs typeface="Montserrat"/>
+              </a:defRPr>
+            </a:lvl7pPr>
+            <a:lvl8pPr lvl="7">
+              <a:spcBef>
+                <a:spcPts val="0"/>
+              </a:spcBef>
+              <a:spcAft>
+                <a:spcPts val="0"/>
+              </a:spcAft>
+              <a:buSzPts val="2100"/>
+              <a:buFont typeface="Montserrat"/>
+              <a:buNone/>
+              <a:defRPr sz="2800" b="1">
+                <a:latin typeface="Montserrat"/>
+                <a:ea typeface="Montserrat"/>
+                <a:cs typeface="Montserrat"/>
+              </a:defRPr>
+            </a:lvl8pPr>
+            <a:lvl9pPr lvl="8">
+              <a:spcBef>
+                <a:spcPts val="0"/>
+              </a:spcBef>
+              <a:spcAft>
+                <a:spcPts val="0"/>
+              </a:spcAft>
+              <a:buSzPts val="2100"/>
+              <a:buFont typeface="Montserrat"/>
+              <a:buNone/>
+              <a:defRPr sz="2800" b="1">
+                <a:latin typeface="Montserrat"/>
+                <a:ea typeface="Montserrat"/>
+                <a:cs typeface="Montserrat"/>
+              </a:defRPr>
+            </a:lvl9pPr>
+          </a:lstStyle>
+          <a:p>
+            <a:pPr>
+              <a:defRPr/>
+            </a:pPr>
+            <a:r>
+              <a:rPr lang="en-US"/>
+              <a:t>Time for computing</a:t>
+            </a:r>
+            <a:br>
+              <a:rPr lang="en-US"/>
+            </a:br>
+            <a:r>
+              <a:rPr lang="en-US"/>
+              <a:t>Velocity of a ball</a:t>
+            </a:r>
+            <a:endParaRPr/>
+          </a:p>
+        </p:txBody>
+      </p:sp>
+      <p:sp>
+        <p:nvSpPr>
+          <p:cNvPr id="1604347332" name="Google Shape;41;p9" hidden="0"/>
+          <p:cNvSpPr txBox="1">
+            <a:spLocks noGrp="1"/>
+          </p:cNvSpPr>
+          <p:nvPr isPhoto="0" userDrawn="0">
+            <p:ph type="body" idx="1" hasCustomPrompt="0"/>
+          </p:nvPr>
+        </p:nvSpPr>
+        <p:spPr bwMode="auto">
+          <a:xfrm>
+            <a:off x="2819750" y="2368203"/>
+            <a:ext cx="6553599" cy="3738399"/>
+          </a:xfrm>
+          <a:prstGeom prst="rect">
+            <a:avLst/>
+          </a:prstGeom>
+        </p:spPr>
+        <p:txBody>
+          <a:bodyPr spcFirstLastPara="1" wrap="square" lIns="91424" tIns="91424" rIns="91424" bIns="91424" anchor="t" anchorCtr="0">
+            <a:noAutofit/>
+          </a:bodyPr>
+          <a:lstStyle>
+            <a:lvl1pPr marL="609584" lvl="0" indent="-423322">
+              <a:lnSpc>
+                <a:spcPct val="100000"/>
+              </a:lnSpc>
+              <a:spcBef>
+                <a:spcPts val="0"/>
+              </a:spcBef>
+              <a:spcAft>
+                <a:spcPts val="0"/>
+              </a:spcAft>
+              <a:buClr>
+                <a:schemeClr val="lt1"/>
+              </a:buClr>
+              <a:buSzPts val="1400"/>
+              <a:buChar char="●"/>
+              <a:defRPr sz="1850">
+                <a:solidFill>
+                  <a:schemeClr val="lt1"/>
+                </a:solidFill>
+              </a:defRPr>
+            </a:lvl1pPr>
+            <a:lvl2pPr marL="1219169" lvl="1" indent="-389457">
+              <a:spcBef>
+                <a:spcPts val="2132"/>
+              </a:spcBef>
+              <a:spcAft>
+                <a:spcPts val="0"/>
+              </a:spcAft>
+              <a:buClr>
+                <a:schemeClr val="lt1"/>
+              </a:buClr>
+              <a:buSzPts val="1000"/>
+              <a:buChar char="○"/>
+              <a:defRPr sz="1350">
+                <a:solidFill>
+                  <a:schemeClr val="lt1"/>
+                </a:solidFill>
+              </a:defRPr>
+            </a:lvl2pPr>
+            <a:lvl3pPr marL="1828753" lvl="2" indent="-389457">
+              <a:spcBef>
+                <a:spcPts val="2132"/>
+              </a:spcBef>
+              <a:spcAft>
+                <a:spcPts val="0"/>
+              </a:spcAft>
+              <a:buClr>
+                <a:schemeClr val="lt1"/>
+              </a:buClr>
+              <a:buSzPts val="1000"/>
+              <a:buChar char="■"/>
+              <a:defRPr sz="1350">
+                <a:solidFill>
+                  <a:schemeClr val="lt1"/>
+                </a:solidFill>
+              </a:defRPr>
+            </a:lvl3pPr>
+            <a:lvl4pPr marL="2438338" lvl="3" indent="-389457">
+              <a:spcBef>
+                <a:spcPts val="2132"/>
+              </a:spcBef>
+              <a:spcAft>
+                <a:spcPts val="0"/>
+              </a:spcAft>
+              <a:buClr>
+                <a:schemeClr val="lt1"/>
+              </a:buClr>
+              <a:buSzPts val="1000"/>
+              <a:buChar char="●"/>
+              <a:defRPr sz="1350">
+                <a:solidFill>
+                  <a:schemeClr val="lt1"/>
+                </a:solidFill>
+              </a:defRPr>
+            </a:lvl4pPr>
+            <a:lvl5pPr marL="3047923" lvl="4" indent="-389457">
+              <a:spcBef>
+                <a:spcPts val="2132"/>
+              </a:spcBef>
+              <a:spcAft>
+                <a:spcPts val="0"/>
+              </a:spcAft>
+              <a:buClr>
+                <a:schemeClr val="lt1"/>
+              </a:buClr>
+              <a:buSzPts val="1000"/>
+              <a:buChar char="○"/>
+              <a:defRPr sz="1350">
+                <a:solidFill>
+                  <a:schemeClr val="lt1"/>
+                </a:solidFill>
+              </a:defRPr>
+            </a:lvl5pPr>
+            <a:lvl6pPr marL="3657508" lvl="5" indent="-389457">
+              <a:spcBef>
+                <a:spcPts val="2132"/>
+              </a:spcBef>
+              <a:spcAft>
+                <a:spcPts val="0"/>
+              </a:spcAft>
+              <a:buClr>
+                <a:schemeClr val="lt1"/>
+              </a:buClr>
+              <a:buSzPts val="1000"/>
+              <a:buChar char="■"/>
+              <a:defRPr sz="1350">
+                <a:solidFill>
+                  <a:schemeClr val="lt1"/>
+                </a:solidFill>
+              </a:defRPr>
+            </a:lvl6pPr>
+            <a:lvl7pPr marL="4267092" lvl="6" indent="-389457">
+              <a:spcBef>
+                <a:spcPts val="2132"/>
+              </a:spcBef>
+              <a:spcAft>
+                <a:spcPts val="0"/>
+              </a:spcAft>
+              <a:buClr>
+                <a:schemeClr val="lt1"/>
+              </a:buClr>
+              <a:buSzPts val="1000"/>
+              <a:buChar char="●"/>
+              <a:defRPr sz="1350">
+                <a:solidFill>
+                  <a:schemeClr val="lt1"/>
+                </a:solidFill>
+              </a:defRPr>
+            </a:lvl7pPr>
+            <a:lvl8pPr marL="4876677" lvl="7" indent="-389457">
+              <a:spcBef>
+                <a:spcPts val="2132"/>
+              </a:spcBef>
+              <a:spcAft>
+                <a:spcPts val="0"/>
+              </a:spcAft>
+              <a:buClr>
+                <a:schemeClr val="lt1"/>
+              </a:buClr>
+              <a:buSzPts val="1000"/>
+              <a:buChar char="○"/>
+              <a:defRPr sz="1350">
+                <a:solidFill>
+                  <a:schemeClr val="lt1"/>
+                </a:solidFill>
+              </a:defRPr>
+            </a:lvl8pPr>
+            <a:lvl9pPr marL="5486262" lvl="8" indent="-389457">
+              <a:spcBef>
+                <a:spcPts val="2132"/>
+              </a:spcBef>
+              <a:spcAft>
+                <a:spcPts val="2132"/>
+              </a:spcAft>
+              <a:buClr>
+                <a:schemeClr val="lt1"/>
+              </a:buClr>
+              <a:buSzPts val="1000"/>
+              <a:buChar char="■"/>
+              <a:defRPr sz="1350">
+                <a:solidFill>
+                  <a:schemeClr val="lt1"/>
+                </a:solidFill>
+              </a:defRPr>
+            </a:lvl9pPr>
+          </a:lstStyle>
+          <a:p>
+            <a:pPr>
+              <a:defRPr/>
+            </a:pPr>
+            <a:endParaRPr/>
+          </a:p>
+        </p:txBody>
+      </p:sp>
     </p:spTree>
   </p:cSld>
   <p:clrMapOvr>
@@ -5028,7 +6988,7 @@
           <p:nvPr isPhoto="0" userDrawn="0"/>
         </p:nvPicPr>
         <p:blipFill>
-          <a:blip r:embed="rId2"/>
+          <a:blip r:embed="rId3"/>
           <a:stretch/>
         </p:blipFill>
         <p:spPr bwMode="auto">
@@ -5223,7 +7183,7 @@
           <p:nvPr isPhoto="0" userDrawn="0"/>
         </p:nvPicPr>
         <p:blipFill>
-          <a:blip r:embed="rId2"/>
+          <a:blip r:embed="rId3"/>
           <a:stretch/>
         </p:blipFill>
         <p:spPr bwMode="auto">
@@ -5347,7 +7307,7 @@
           <p:nvPr isPhoto="0" userDrawn="0"/>
         </p:nvPicPr>
         <p:blipFill>
-          <a:blip r:embed="rId2"/>
+          <a:blip r:embed="rId3"/>
           <a:stretch/>
         </p:blipFill>
         <p:spPr bwMode="auto">
@@ -5561,7 +7521,7 @@
           <p:nvPr isPhoto="0" userDrawn="0"/>
         </p:nvPicPr>
         <p:blipFill>
-          <a:blip r:embed="rId2"/>
+          <a:blip r:embed="rId3"/>
           <a:stretch/>
         </p:blipFill>
         <p:spPr bwMode="auto">
@@ -5583,7 +7543,7 @@
           <p:nvPr isPhoto="0" userDrawn="0"/>
         </p:nvPicPr>
         <p:blipFill>
-          <a:blip r:embed="rId3"/>
+          <a:blip r:embed="rId4"/>
           <a:stretch/>
         </p:blipFill>
         <p:spPr bwMode="auto">
@@ -5830,7 +7790,7 @@
           <p:nvPr isPhoto="0" userDrawn="0"/>
         </p:nvPicPr>
         <p:blipFill>
-          <a:blip r:embed="rId2"/>
+          <a:blip r:embed="rId3"/>
           <a:stretch/>
         </p:blipFill>
         <p:spPr bwMode="auto">
@@ -5852,7 +7812,7 @@
           <p:nvPr isPhoto="0" userDrawn="0"/>
         </p:nvPicPr>
         <p:blipFill>
-          <a:blip r:embed="rId3"/>
+          <a:blip r:embed="rId4"/>
           <a:stretch/>
         </p:blipFill>
         <p:spPr bwMode="auto">
@@ -5874,7 +7834,7 @@
           <p:nvPr isPhoto="0" userDrawn="0"/>
         </p:nvPicPr>
         <p:blipFill>
-          <a:blip r:embed="rId4"/>
+          <a:blip r:embed="rId5"/>
           <a:stretch/>
         </p:blipFill>
         <p:spPr bwMode="auto">
@@ -7026,7 +8986,7 @@
           <p:nvPr isPhoto="0" userDrawn="0"/>
         </p:nvPicPr>
         <p:blipFill>
-          <a:blip r:embed="rId2"/>
+          <a:blip r:embed="rId3"/>
           <a:stretch/>
         </p:blipFill>
         <p:spPr bwMode="auto">
@@ -7074,7 +9034,7 @@
       </p:grpSpPr>
       <p:sp>
         <p:nvSpPr>
-          <p:cNvPr id="200" name="Google Shape;200;p38" hidden="0"/>
+          <p:cNvPr id="459622589" name="Google Shape;200;p38" hidden="0"/>
           <p:cNvSpPr txBox="1">
             <a:spLocks noGrp="1"/>
           </p:cNvSpPr>
@@ -7084,15 +9044,15 @@
         </p:nvSpPr>
         <p:spPr bwMode="auto">
           <a:xfrm>
-            <a:off x="576505" y="2844"/>
-            <a:ext cx="11435504" cy="1058915"/>
+            <a:off x="576504" y="2844"/>
+            <a:ext cx="11435504" cy="1058914"/>
           </a:xfrm>
           <a:prstGeom prst="rect">
             <a:avLst/>
           </a:prstGeom>
         </p:spPr>
         <p:txBody>
-          <a:bodyPr spcFirstLastPara="1" vert="horz" wrap="square" lIns="121900" tIns="121900" rIns="121900" bIns="121900" rtlCol="0" anchor="t" anchorCtr="0">
+          <a:bodyPr spcFirstLastPara="1" vert="horz" wrap="square" lIns="121899" tIns="121899" rIns="121899" bIns="121899" rtlCol="0" anchor="t" anchorCtr="0">
             <a:noAutofit/>
           </a:bodyPr>
           <a:lstStyle/>
@@ -7105,7 +9065,64 @@
               <a:defRPr/>
             </a:pPr>
             <a:r>
-              <a:rPr lang="en-US" sz="3500" b="1" i="0" u="none" strike="noStrike" cap="none" spc="0">
+              <a:rPr lang="en-US" sz="3500">
+                <a:latin typeface="Garamond"/>
+              </a:rPr>
+              <a:t>Calculating angle of reflection</a:t>
+            </a:r>
+            <a:endParaRPr sz="3500">
+              <a:latin typeface="Garamond"/>
+            </a:endParaRPr>
+          </a:p>
+        </p:txBody>
+      </p:sp>
+      <p:sp>
+        <p:nvSpPr>
+          <p:cNvPr id="475259604" name="Google Shape;201;p38" hidden="0"/>
+          <p:cNvSpPr txBox="1">
+            <a:spLocks noGrp="1"/>
+          </p:cNvSpPr>
+          <p:nvPr isPhoto="0" userDrawn="0">
+            <p:ph type="body" idx="1" hasCustomPrompt="0"/>
+          </p:nvPr>
+        </p:nvSpPr>
+        <p:spPr bwMode="auto">
+          <a:xfrm>
+            <a:off x="400522" y="1061758"/>
+            <a:ext cx="4892929" cy="5112537"/>
+          </a:xfrm>
+          <a:prstGeom prst="rect">
+            <a:avLst/>
+          </a:prstGeom>
+        </p:spPr>
+        <p:txBody>
+          <a:bodyPr spcFirstLastPara="1" vert="horz" wrap="square" lIns="121899" tIns="121899" rIns="121899" bIns="121899" rtlCol="0" anchor="t" anchorCtr="0">
+            <a:noAutofit/>
+          </a:bodyPr>
+          <a:lstStyle/>
+          <a:p>
+            <a:pPr marL="0" indent="0">
+              <a:buClr>
+                <a:schemeClr val="dk1"/>
+              </a:buClr>
+              <a:buSzPts val="1100"/>
+              <a:buNone/>
+              <a:defRPr/>
+            </a:pPr>
+            <a:r>
+              <a:rPr lang="en-US" sz="2500">
+                <a:latin typeface="Garamond"/>
+              </a:rPr>
+              <a:t>The angle between the normal to the bat surface </a:t>
+            </a:r>
+            <a:r>
+              <a:rPr lang="en-US" sz="2500">
+                <a:latin typeface="Garamond"/>
+              </a:rPr>
+              <a:t>and the x+ axis is (-</a:t>
+            </a:r>
+            <a:r>
+              <a:rPr lang="en-US" sz="2500" b="0" i="0" u="none" strike="noStrike" cap="none" spc="0">
                 <a:solidFill>
                   <a:schemeClr val="lt1"/>
                 </a:solidFill>
@@ -7113,38 +9130,35 @@
                 <a:ea typeface="Garamond"/>
                 <a:cs typeface="Garamond"/>
               </a:rPr>
-              <a:t>Moving the right bat </a:t>
-            </a:r>
-            <a:endParaRPr sz="3500">
+              <a:t>β</a:t>
+            </a:r>
+            <a:r>
+              <a:rPr lang="en-US" sz="2500">
+                <a:latin typeface="Garamond"/>
+              </a:rPr>
+              <a:t>), the angle of the ball trajectory is </a:t>
+            </a:r>
+            <a:r>
+              <a:rPr lang="en-US" sz="2500" b="0" i="0" u="none" strike="noStrike" cap="none" spc="0">
+                <a:solidFill>
+                  <a:schemeClr val="lt1"/>
+                </a:solidFill>
+                <a:latin typeface="Garamond"/>
+                <a:ea typeface="Garamond"/>
+                <a:cs typeface="Garamond"/>
+              </a:rPr>
+              <a:t>α</a:t>
+            </a:r>
+            <a:r>
+              <a:rPr lang="en-US" sz="2500">
+                <a:latin typeface="Garamond"/>
+              </a:rPr>
+              <a:t> and the ball velocity is v.</a:t>
+            </a:r>
+            <a:endParaRPr lang="en-US" sz="2500">
               <a:latin typeface="Garamond"/>
             </a:endParaRPr>
           </a:p>
-        </p:txBody>
-      </p:sp>
-      <p:sp>
-        <p:nvSpPr>
-          <p:cNvPr id="201" name="Google Shape;201;p38" hidden="0"/>
-          <p:cNvSpPr txBox="1">
-            <a:spLocks noGrp="1"/>
-          </p:cNvSpPr>
-          <p:nvPr isPhoto="0" userDrawn="0">
-            <p:ph type="body" idx="1" hasCustomPrompt="0"/>
-          </p:nvPr>
-        </p:nvSpPr>
-        <p:spPr bwMode="auto">
-          <a:xfrm>
-            <a:off x="400523" y="1061759"/>
-            <a:ext cx="4892930" cy="5112538"/>
-          </a:xfrm>
-          <a:prstGeom prst="rect">
-            <a:avLst/>
-          </a:prstGeom>
-        </p:spPr>
-        <p:txBody>
-          <a:bodyPr spcFirstLastPara="1" vert="horz" wrap="square" lIns="121900" tIns="121900" rIns="121900" bIns="121900" rtlCol="0" anchor="t" anchorCtr="0">
-            <a:noAutofit/>
-          </a:bodyPr>
-          <a:lstStyle/>
           <a:p>
             <a:pPr marL="0" indent="0">
               <a:buClr>
@@ -7154,28 +9168,278 @@
               <a:buNone/>
               <a:defRPr/>
             </a:pPr>
+            <a:endParaRPr lang="en-US" sz="2500">
+              <a:latin typeface="Garamond"/>
+            </a:endParaRPr>
+          </a:p>
+          <a:p>
+            <a:pPr marL="0" indent="0">
+              <a:buClr>
+                <a:schemeClr val="dk1"/>
+              </a:buClr>
+              <a:buSzPts val="1100"/>
+              <a:buNone/>
+              <a:defRPr/>
+            </a:pPr>
             <a:r>
               <a:rPr lang="en-US" sz="2500">
                 <a:latin typeface="Garamond"/>
               </a:rPr>
-              <a:t>Our opponent is controlled with AI. The processor receives coordinates and velocity of the ball and adjusts the position of the right bat to hit the ball when it returns back. </a:t>
-            </a:r>
-            <a:endParaRPr sz="2500">
+              <a:t>vx = -v * cos </a:t>
+            </a:r>
+            <a:r>
+              <a:rPr lang="en-US" sz="2500" b="0" i="0" u="none" strike="noStrike" cap="none" spc="0">
+                <a:solidFill>
+                  <a:schemeClr val="lt1"/>
+                </a:solidFill>
+                <a:latin typeface="Garamond"/>
+                <a:ea typeface="Garamond"/>
+                <a:cs typeface="Garamond"/>
+              </a:rPr>
+              <a:t>α</a:t>
+            </a:r>
+            <a:endParaRPr lang="en-US" sz="2500">
               <a:latin typeface="Garamond"/>
             </a:endParaRPr>
           </a:p>
-        </p:txBody>
-      </p:sp>
-      <p:sp>
-        <p:nvSpPr>
-          <p:cNvPr id="3" name="TextBox 2" hidden="0"/>
+          <a:p>
+            <a:pPr marL="0" indent="0">
+              <a:buClr>
+                <a:schemeClr val="dk1"/>
+              </a:buClr>
+              <a:buSzPts val="1100"/>
+              <a:buNone/>
+              <a:defRPr/>
+            </a:pPr>
+            <a:r>
+              <a:rPr lang="en-US" sz="2500">
+                <a:latin typeface="Garamond"/>
+              </a:rPr>
+              <a:t>vy = -v * sin </a:t>
+            </a:r>
+            <a:r>
+              <a:rPr lang="en-US" sz="2500" b="0" i="0" u="none" strike="noStrike" cap="none" spc="0">
+                <a:solidFill>
+                  <a:schemeClr val="lt1"/>
+                </a:solidFill>
+                <a:latin typeface="Garamond"/>
+                <a:ea typeface="Garamond"/>
+                <a:cs typeface="Garamond"/>
+              </a:rPr>
+              <a:t>α</a:t>
+            </a:r>
+            <a:endParaRPr lang="en-US" sz="2500" b="0" i="0" u="none" strike="noStrike" cap="none" spc="0">
+              <a:solidFill>
+                <a:schemeClr val="lt1"/>
+              </a:solidFill>
+              <a:latin typeface="Garamond"/>
+              <a:ea typeface="Garamond"/>
+              <a:cs typeface="Garamond"/>
+            </a:endParaRPr>
+          </a:p>
+          <a:p>
+            <a:pPr marL="0" indent="0">
+              <a:buClr>
+                <a:schemeClr val="dk1"/>
+              </a:buClr>
+              <a:buSzPts val="1100"/>
+              <a:buNone/>
+              <a:defRPr/>
+            </a:pPr>
+            <a:endParaRPr lang="en-US" sz="2500">
+              <a:latin typeface="Garamond"/>
+            </a:endParaRPr>
+          </a:p>
+          <a:p>
+            <a:pPr marL="0" indent="0">
+              <a:buClr>
+                <a:schemeClr val="dk1"/>
+              </a:buClr>
+              <a:buSzPts val="1100"/>
+              <a:buNone/>
+              <a:defRPr/>
+            </a:pPr>
+            <a:r>
+              <a:rPr lang="en-US" sz="2500" b="0" i="0" u="none" strike="noStrike" cap="none" spc="0">
+                <a:solidFill>
+                  <a:schemeClr val="lt1"/>
+                </a:solidFill>
+                <a:latin typeface="Garamond"/>
+                <a:ea typeface="Garamond"/>
+                <a:cs typeface="Garamond"/>
+              </a:rPr>
+              <a:t>vx' = v * cos (-2β - α)</a:t>
+            </a:r>
+            <a:r>
+              <a:rPr lang="en-US" sz="2500" b="0" i="0" u="none" strike="noStrike" cap="none" spc="0">
+                <a:solidFill>
+                  <a:schemeClr val="lt1"/>
+                </a:solidFill>
+                <a:latin typeface="Garamond"/>
+                <a:ea typeface="Garamond"/>
+                <a:cs typeface="Garamond"/>
+              </a:rPr>
+              <a:t> =</a:t>
+            </a:r>
+            <a:endParaRPr lang="en-US" sz="2500" b="0" i="0" u="none" strike="noStrike" cap="none" spc="0">
+              <a:solidFill>
+                <a:schemeClr val="lt1"/>
+              </a:solidFill>
+              <a:latin typeface="Garamond"/>
+              <a:ea typeface="Garamond"/>
+              <a:cs typeface="Garamond"/>
+            </a:endParaRPr>
+          </a:p>
+          <a:p>
+            <a:pPr marL="0" indent="0">
+              <a:buClr>
+                <a:schemeClr val="dk1"/>
+              </a:buClr>
+              <a:buSzPts val="1100"/>
+              <a:buNone/>
+              <a:defRPr/>
+            </a:pPr>
+            <a:r>
+              <a:rPr lang="en-US" sz="2500" b="0" i="0" u="none" strike="noStrike" cap="none" spc="0">
+                <a:solidFill>
+                  <a:schemeClr val="lt1"/>
+                </a:solidFill>
+                <a:latin typeface="Garamond"/>
+                <a:ea typeface="Garamond"/>
+                <a:cs typeface="Garamond"/>
+              </a:rPr>
+              <a:t>= </a:t>
+            </a:r>
+            <a:r>
+              <a:rPr lang="en-US" sz="2500" b="0" i="0" u="none" strike="noStrike" cap="none" spc="0">
+                <a:solidFill>
+                  <a:schemeClr val="lt1"/>
+                </a:solidFill>
+                <a:latin typeface="Garamond"/>
+                <a:ea typeface="Garamond"/>
+                <a:cs typeface="Garamond"/>
+              </a:rPr>
+              <a:t>cos (-2β) * (-vx) + sin (-2β) * (-vy)</a:t>
+            </a:r>
+            <a:endParaRPr lang="en-US" sz="2500" b="0" i="0" u="none" strike="noStrike" cap="none" spc="0">
+              <a:solidFill>
+                <a:schemeClr val="lt1"/>
+              </a:solidFill>
+              <a:latin typeface="Garamond"/>
+              <a:ea typeface="Garamond"/>
+              <a:cs typeface="Garamond"/>
+            </a:endParaRPr>
+          </a:p>
+          <a:p>
+            <a:pPr marL="0" indent="0">
+              <a:buClr>
+                <a:schemeClr val="dk1"/>
+              </a:buClr>
+              <a:buSzPts val="1100"/>
+              <a:buNone/>
+              <a:defRPr/>
+            </a:pPr>
+            <a:endParaRPr lang="en-US" sz="2500" b="0" i="0" u="none" strike="noStrike" cap="none" spc="0">
+              <a:solidFill>
+                <a:schemeClr val="lt1"/>
+              </a:solidFill>
+              <a:latin typeface="Garamond"/>
+              <a:ea typeface="Garamond"/>
+              <a:cs typeface="Garamond"/>
+            </a:endParaRPr>
+          </a:p>
+          <a:p>
+            <a:pPr marL="0" indent="0">
+              <a:buClr>
+                <a:schemeClr val="dk1"/>
+              </a:buClr>
+              <a:buSzPts val="1100"/>
+              <a:buNone/>
+              <a:defRPr/>
+            </a:pPr>
+            <a:r>
+              <a:rPr lang="en-US" sz="2500" b="0" i="0" u="none" strike="noStrike" cap="none" spc="0">
+                <a:solidFill>
+                  <a:schemeClr val="lt1"/>
+                </a:solidFill>
+                <a:latin typeface="Garamond"/>
+                <a:ea typeface="Garamond"/>
+                <a:cs typeface="Garamond"/>
+              </a:rPr>
+              <a:t>vy' = v * sin (-2β - α) =</a:t>
+            </a:r>
+            <a:endParaRPr lang="en-US" sz="2500" b="0" i="0" u="none" strike="noStrike" cap="none" spc="0">
+              <a:solidFill>
+                <a:schemeClr val="lt1"/>
+              </a:solidFill>
+              <a:latin typeface="Garamond"/>
+              <a:ea typeface="Garamond"/>
+              <a:cs typeface="Garamond"/>
+            </a:endParaRPr>
+          </a:p>
+          <a:p>
+            <a:pPr marL="0" indent="0">
+              <a:buClr>
+                <a:schemeClr val="dk1"/>
+              </a:buClr>
+              <a:buSzPts val="1100"/>
+              <a:buNone/>
+              <a:defRPr/>
+            </a:pPr>
+            <a:r>
+              <a:rPr lang="en-US" sz="2500" b="0" i="0" u="none" strike="noStrike" cap="none" spc="0">
+                <a:solidFill>
+                  <a:schemeClr val="lt1"/>
+                </a:solidFill>
+                <a:latin typeface="Garamond"/>
+                <a:ea typeface="Garamond"/>
+                <a:cs typeface="Garamond"/>
+              </a:rPr>
+              <a:t>= sin (-2β) * (-vx) </a:t>
+            </a:r>
+            <a:r>
+              <a:rPr lang="en-US" sz="2500" b="0" i="0" u="none" strike="noStrike" cap="none" spc="0">
+                <a:solidFill>
+                  <a:schemeClr val="lt1"/>
+                </a:solidFill>
+                <a:latin typeface="Garamond"/>
+                <a:ea typeface="Garamond"/>
+                <a:cs typeface="Garamond"/>
+              </a:rPr>
+              <a:t>-</a:t>
+            </a:r>
+            <a:r>
+              <a:rPr lang="en-US" sz="2500" b="0" i="0" u="none" strike="noStrike" cap="none" spc="0">
+                <a:solidFill>
+                  <a:schemeClr val="lt1"/>
+                </a:solidFill>
+                <a:latin typeface="Garamond"/>
+                <a:ea typeface="Garamond"/>
+                <a:cs typeface="Garamond"/>
+              </a:rPr>
+              <a:t> cos (-2β) * (-vy)</a:t>
+            </a:r>
+            <a:endParaRPr lang="en-US" sz="2500" b="0" i="0" u="none" strike="noStrike" cap="none" spc="0">
+              <a:solidFill>
+                <a:schemeClr val="lt1"/>
+              </a:solidFill>
+              <a:latin typeface="Garamond"/>
+              <a:ea typeface="Garamond"/>
+              <a:cs typeface="Garamond"/>
+            </a:endParaRPr>
+          </a:p>
+        </p:txBody>
+      </p:sp>
+      <p:sp>
+        <p:nvSpPr>
+          <p:cNvPr id="1619428335" name="TextBox 2" hidden="0"/>
           <p:cNvSpPr txBox="1"/>
           <p:nvPr isPhoto="0" userDrawn="0"/>
         </p:nvSpPr>
         <p:spPr bwMode="auto">
           <a:xfrm>
-            <a:off x="6862194" y="1442906"/>
-            <a:ext cx="5149815" cy="477054"/>
+            <a:off x="6862194" y="1442905"/>
+            <a:ext cx="5149814" cy="477054"/>
           </a:xfrm>
           <a:prstGeom prst="rect">
             <a:avLst/>
@@ -7202,21 +9466,20 @@
       </p:sp>
       <p:pic>
         <p:nvPicPr>
-          <p:cNvPr id="2" name="Рисунок 1" hidden="0"/>
+          <p:cNvPr id="972452525" name="Рисунок 5" hidden="0"/>
           <p:cNvPicPr>
             <a:picLocks noChangeAspect="1"/>
           </p:cNvPicPr>
           <p:nvPr isPhoto="0" userDrawn="0"/>
         </p:nvPicPr>
         <p:blipFill>
-          <a:blip r:embed="rId2"/>
-          <a:srcRect l="-77" t="404" r="62952" b="43838"/>
+          <a:blip r:embed="rId3"/>
           <a:stretch/>
         </p:blipFill>
         <p:spPr bwMode="auto">
           <a:xfrm>
-            <a:off x="5713591" y="785092"/>
-            <a:ext cx="5942284" cy="5139484"/>
+            <a:off x="5736668" y="1061758"/>
+            <a:ext cx="5668165" cy="4610742"/>
           </a:xfrm>
           <a:prstGeom prst="rect">
             <a:avLst/>
@@ -7258,7 +9521,7 @@
       </p:grpSpPr>
       <p:sp>
         <p:nvSpPr>
-          <p:cNvPr id="459622589" name="Google Shape;200;p38" hidden="0"/>
+          <p:cNvPr id="723678614" name="Google Shape;200;p38" hidden="0"/>
           <p:cNvSpPr txBox="1">
             <a:spLocks noGrp="1"/>
           </p:cNvSpPr>
@@ -7302,7 +9565,7 @@
       </p:sp>
       <p:sp>
         <p:nvSpPr>
-          <p:cNvPr id="475259604" name="Google Shape;201;p38" hidden="0"/>
+          <p:cNvPr id="1768766287" name="Google Shape;201;p38" hidden="0"/>
           <p:cNvSpPr txBox="1">
             <a:spLocks noGrp="1"/>
           </p:cNvSpPr>
@@ -7311,9 +9574,9 @@
           </p:nvPr>
         </p:nvSpPr>
         <p:spPr bwMode="auto">
-          <a:xfrm>
+          <a:xfrm flipH="0" flipV="0">
             <a:off x="400522" y="1061758"/>
-            <a:ext cx="4892929" cy="5112537"/>
+            <a:ext cx="11447413" cy="2879208"/>
           </a:xfrm>
           <a:prstGeom prst="rect">
             <a:avLst/>
@@ -7325,385 +9588,127 @@
           </a:bodyPr>
           <a:lstStyle/>
           <a:p>
-            <a:pPr marL="0" indent="0">
+            <a:pPr marL="186261" indent="0">
               <a:buClr>
-                <a:schemeClr val="dk1"/>
+                <a:schemeClr val="lt1"/>
               </a:buClr>
-              <a:buSzPts val="1100"/>
+              <a:buSzPts val="1400"/>
+              <a:buFont typeface="Arial"/>
               <a:buNone/>
               <a:defRPr/>
             </a:pPr>
             <a:r>
               <a:rPr lang="en-US" sz="2500">
-                <a:latin typeface="Garamond"/>
-              </a:rPr>
-              <a:t>The angle between the normal to the bat surface </a:t>
-            </a:r>
-            <a:r>
-              <a:rPr lang="en-US" sz="2500">
-                <a:latin typeface="Garamond"/>
-              </a:rPr>
-              <a:t>and the x+ axis is (-</a:t>
-            </a:r>
-            <a:r>
-              <a:rPr lang="en-US" sz="2500" b="0" i="0" u="none" strike="noStrike" cap="none" spc="0">
-                <a:solidFill>
-                  <a:schemeClr val="lt1"/>
-                </a:solidFill>
                 <a:latin typeface="Garamond"/>
                 <a:ea typeface="Garamond"/>
                 <a:cs typeface="Garamond"/>
               </a:rPr>
-              <a:t>β</a:t>
-            </a:r>
+              <a:t>Sine and cosine are stored as 12-bit values in RAM. The first bit is sign, other are an 11-bit positive number, where 0 represents 0 and 2047 represents 1</a:t>
+            </a:r>
+            <a:endParaRPr lang="en-US" sz="2500">
+              <a:latin typeface="Garamond"/>
+              <a:ea typeface="Garamond"/>
+              <a:cs typeface="Garamond"/>
+            </a:endParaRPr>
+          </a:p>
+          <a:p>
+            <a:pPr marL="186261" indent="0">
+              <a:buClr>
+                <a:schemeClr val="lt1"/>
+              </a:buClr>
+              <a:buSzPts val="1400"/>
+              <a:buFont typeface="Arial"/>
+              <a:buNone/>
+              <a:defRPr/>
+            </a:pPr>
+            <a:endParaRPr lang="en-US" sz="2500">
+              <a:latin typeface="Garamond"/>
+              <a:ea typeface="Garamond"/>
+              <a:cs typeface="Garamond"/>
+            </a:endParaRPr>
+          </a:p>
+          <a:p>
+            <a:pPr marL="186261" indent="0">
+              <a:buClr>
+                <a:schemeClr val="lt1"/>
+              </a:buClr>
+              <a:buSzPts val="1400"/>
+              <a:buFont typeface="Arial"/>
+              <a:buNone/>
+              <a:defRPr/>
+            </a:pPr>
             <a:r>
               <a:rPr lang="en-US" sz="2500">
-                <a:latin typeface="Garamond"/>
-              </a:rPr>
-              <a:t>), the angle of the ball trajectory is </a:t>
-            </a:r>
-            <a:r>
-              <a:rPr lang="en-US" sz="2500" b="0" i="0" u="none" strike="noStrike" cap="none" spc="0">
-                <a:solidFill>
-                  <a:schemeClr val="lt1"/>
-                </a:solidFill>
                 <a:latin typeface="Garamond"/>
                 <a:ea typeface="Garamond"/>
                 <a:cs typeface="Garamond"/>
               </a:rPr>
-              <a:t>α</a:t>
-            </a:r>
-            <a:r>
-              <a:rPr lang="en-US" sz="2500">
-                <a:latin typeface="Garamond"/>
-              </a:rPr>
-              <a:t> and the ball velocity is v.</a:t>
+              <a:t>Velocity is a two’s complementary numbers</a:t>
             </a:r>
             <a:endParaRPr lang="en-US" sz="2500">
               <a:latin typeface="Garamond"/>
+              <a:ea typeface="Garamond"/>
+              <a:cs typeface="Garamond"/>
             </a:endParaRPr>
           </a:p>
           <a:p>
-            <a:pPr marL="0" indent="0">
+            <a:pPr marL="186261" indent="0">
               <a:buClr>
-                <a:schemeClr val="dk1"/>
+                <a:schemeClr val="lt1"/>
               </a:buClr>
-              <a:buSzPts val="1100"/>
+              <a:buSzPts val="1400"/>
+              <a:buFont typeface="Arial"/>
               <a:buNone/>
               <a:defRPr/>
             </a:pPr>
             <a:endParaRPr lang="en-US" sz="2500">
               <a:latin typeface="Garamond"/>
+              <a:ea typeface="Garamond"/>
+              <a:cs typeface="Garamond"/>
             </a:endParaRPr>
           </a:p>
           <a:p>
-            <a:pPr marL="0" indent="0">
+            <a:pPr marL="186261" indent="0">
               <a:buClr>
-                <a:schemeClr val="dk1"/>
+                <a:schemeClr val="lt1"/>
               </a:buClr>
-              <a:buSzPts val="1100"/>
+              <a:buSzPts val="1400"/>
+              <a:buFont typeface="Arial"/>
               <a:buNone/>
               <a:defRPr/>
             </a:pPr>
             <a:r>
               <a:rPr lang="en-US" sz="2500">
-                <a:latin typeface="Garamond"/>
-              </a:rPr>
-              <a:t>vx = -v * cos </a:t>
-            </a:r>
-            <a:r>
-              <a:rPr lang="en-US" sz="2500" b="0" i="0" u="none" strike="noStrike" cap="none" spc="0">
-                <a:solidFill>
-                  <a:schemeClr val="lt1"/>
-                </a:solidFill>
                 <a:latin typeface="Garamond"/>
                 <a:ea typeface="Garamond"/>
                 <a:cs typeface="Garamond"/>
               </a:rPr>
-              <a:t>α</a:t>
+              <a:t>The scheme makes all numbers positive, multiplies everything and changes the sign in the end</a:t>
             </a:r>
             <a:endParaRPr lang="en-US" sz="2500">
-              <a:latin typeface="Garamond"/>
-            </a:endParaRPr>
-          </a:p>
-          <a:p>
-            <a:pPr marL="0" indent="0">
-              <a:buClr>
-                <a:schemeClr val="dk1"/>
-              </a:buClr>
-              <a:buSzPts val="1100"/>
-              <a:buNone/>
-              <a:defRPr/>
-            </a:pPr>
-            <a:r>
-              <a:rPr lang="en-US" sz="2500">
-                <a:latin typeface="Garamond"/>
-              </a:rPr>
-              <a:t>vy = -v * sin </a:t>
-            </a:r>
-            <a:r>
-              <a:rPr lang="en-US" sz="2500" b="0" i="0" u="none" strike="noStrike" cap="none" spc="0">
-                <a:solidFill>
-                  <a:schemeClr val="lt1"/>
-                </a:solidFill>
-                <a:latin typeface="Garamond"/>
-                <a:ea typeface="Garamond"/>
-                <a:cs typeface="Garamond"/>
-              </a:rPr>
-              <a:t>α</a:t>
-            </a:r>
-            <a:endParaRPr lang="en-US" sz="2500" b="0" i="0" u="none" strike="noStrike" cap="none" spc="0">
-              <a:solidFill>
-                <a:schemeClr val="lt1"/>
-              </a:solidFill>
               <a:latin typeface="Garamond"/>
               <a:ea typeface="Garamond"/>
               <a:cs typeface="Garamond"/>
             </a:endParaRPr>
           </a:p>
-          <a:p>
-            <a:pPr marL="0" indent="0">
-              <a:buClr>
-                <a:schemeClr val="dk1"/>
-              </a:buClr>
-              <a:buSzPts val="1100"/>
-              <a:buNone/>
-              <a:defRPr/>
-            </a:pPr>
-            <a:endParaRPr lang="en-US" sz="2500">
-              <a:latin typeface="Garamond"/>
-            </a:endParaRPr>
-          </a:p>
-          <a:p>
-            <a:pPr marL="0" indent="0">
-              <a:buClr>
-                <a:schemeClr val="dk1"/>
-              </a:buClr>
-              <a:buSzPts val="1100"/>
-              <a:buNone/>
-              <a:defRPr/>
-            </a:pPr>
-            <a:r>
-              <a:rPr lang="en-US" sz="2500" b="0" i="0" u="none" strike="noStrike" cap="none" spc="0">
-                <a:solidFill>
-                  <a:schemeClr val="lt1"/>
-                </a:solidFill>
-                <a:latin typeface="Garamond"/>
-                <a:ea typeface="Garamond"/>
-                <a:cs typeface="Garamond"/>
-              </a:rPr>
-              <a:t>vx' = v * cos (-2β - α)</a:t>
-            </a:r>
-            <a:r>
-              <a:rPr lang="en-US" sz="2500" b="0" i="0" u="none" strike="noStrike" cap="none" spc="0">
-                <a:solidFill>
-                  <a:schemeClr val="lt1"/>
-                </a:solidFill>
-                <a:latin typeface="Garamond"/>
-                <a:ea typeface="Garamond"/>
-                <a:cs typeface="Garamond"/>
-              </a:rPr>
-              <a:t> =</a:t>
-            </a:r>
-            <a:endParaRPr lang="en-US" sz="2500" b="0" i="0" u="none" strike="noStrike" cap="none" spc="0">
-              <a:solidFill>
-                <a:schemeClr val="lt1"/>
-              </a:solidFill>
-              <a:latin typeface="Garamond"/>
-              <a:ea typeface="Garamond"/>
-              <a:cs typeface="Garamond"/>
-            </a:endParaRPr>
-          </a:p>
-          <a:p>
-            <a:pPr marL="0" indent="0">
-              <a:buClr>
-                <a:schemeClr val="dk1"/>
-              </a:buClr>
-              <a:buSzPts val="1100"/>
-              <a:buNone/>
-              <a:defRPr/>
-            </a:pPr>
-            <a:r>
-              <a:rPr lang="en-US" sz="2500" b="0" i="0" u="none" strike="noStrike" cap="none" spc="0">
-                <a:solidFill>
-                  <a:schemeClr val="lt1"/>
-                </a:solidFill>
-                <a:latin typeface="Garamond"/>
-                <a:ea typeface="Garamond"/>
-                <a:cs typeface="Garamond"/>
-              </a:rPr>
-              <a:t>= </a:t>
-            </a:r>
-            <a:r>
-              <a:rPr lang="en-US" sz="2500" b="0" i="0" u="none" strike="noStrike" cap="none" spc="0">
-                <a:solidFill>
-                  <a:schemeClr val="lt1"/>
-                </a:solidFill>
-                <a:latin typeface="Garamond"/>
-                <a:ea typeface="Garamond"/>
-                <a:cs typeface="Garamond"/>
-              </a:rPr>
-              <a:t>cos (-2β) * (-vx) + sin (-2β) * (-vy)</a:t>
-            </a:r>
-            <a:endParaRPr lang="en-US" sz="2500" b="0" i="0" u="none" strike="noStrike" cap="none" spc="0">
-              <a:solidFill>
-                <a:schemeClr val="lt1"/>
-              </a:solidFill>
-              <a:latin typeface="Garamond"/>
-              <a:ea typeface="Garamond"/>
-              <a:cs typeface="Garamond"/>
-            </a:endParaRPr>
-          </a:p>
-          <a:p>
-            <a:pPr marL="0" indent="0">
-              <a:buClr>
-                <a:schemeClr val="dk1"/>
-              </a:buClr>
-              <a:buSzPts val="1100"/>
-              <a:buNone/>
-              <a:defRPr/>
-            </a:pPr>
-            <a:endParaRPr lang="en-US" sz="2500" b="0" i="0" u="none" strike="noStrike" cap="none" spc="0">
-              <a:solidFill>
-                <a:schemeClr val="lt1"/>
-              </a:solidFill>
-              <a:latin typeface="Garamond"/>
-              <a:ea typeface="Garamond"/>
-              <a:cs typeface="Garamond"/>
-            </a:endParaRPr>
-          </a:p>
-          <a:p>
-            <a:pPr marL="0" indent="0">
-              <a:buClr>
-                <a:schemeClr val="dk1"/>
-              </a:buClr>
-              <a:buSzPts val="1100"/>
-              <a:buNone/>
-              <a:defRPr/>
-            </a:pPr>
-            <a:r>
-              <a:rPr lang="en-US" sz="2500" b="0" i="0" u="none" strike="noStrike" cap="none" spc="0">
-                <a:solidFill>
-                  <a:schemeClr val="lt1"/>
-                </a:solidFill>
-                <a:latin typeface="Garamond"/>
-                <a:ea typeface="Garamond"/>
-                <a:cs typeface="Garamond"/>
-              </a:rPr>
-              <a:t>vy' = v * sin (-2β - α) =</a:t>
-            </a:r>
-            <a:endParaRPr lang="en-US" sz="2500" b="0" i="0" u="none" strike="noStrike" cap="none" spc="0">
-              <a:solidFill>
-                <a:schemeClr val="lt1"/>
-              </a:solidFill>
-              <a:latin typeface="Garamond"/>
-              <a:ea typeface="Garamond"/>
-              <a:cs typeface="Garamond"/>
-            </a:endParaRPr>
-          </a:p>
-          <a:p>
-            <a:pPr marL="0" indent="0">
-              <a:buClr>
-                <a:schemeClr val="dk1"/>
-              </a:buClr>
-              <a:buSzPts val="1100"/>
-              <a:buNone/>
-              <a:defRPr/>
-            </a:pPr>
-            <a:r>
-              <a:rPr lang="en-US" sz="2500" b="0" i="0" u="none" strike="noStrike" cap="none" spc="0">
-                <a:solidFill>
-                  <a:schemeClr val="lt1"/>
-                </a:solidFill>
-                <a:latin typeface="Garamond"/>
-                <a:ea typeface="Garamond"/>
-                <a:cs typeface="Garamond"/>
-              </a:rPr>
-              <a:t>= sin (-2β) * (-vx) </a:t>
-            </a:r>
-            <a:r>
-              <a:rPr lang="en-US" sz="2500" b="0" i="0" u="none" strike="noStrike" cap="none" spc="0">
-                <a:solidFill>
-                  <a:schemeClr val="lt1"/>
-                </a:solidFill>
-                <a:latin typeface="Garamond"/>
-                <a:ea typeface="Garamond"/>
-                <a:cs typeface="Garamond"/>
-              </a:rPr>
-              <a:t>-</a:t>
-            </a:r>
-            <a:r>
-              <a:rPr lang="en-US" sz="2500" b="0" i="0" u="none" strike="noStrike" cap="none" spc="0">
-                <a:solidFill>
-                  <a:schemeClr val="lt1"/>
-                </a:solidFill>
-                <a:latin typeface="Garamond"/>
-                <a:ea typeface="Garamond"/>
-                <a:cs typeface="Garamond"/>
-              </a:rPr>
-              <a:t> cos (-2β) * (-vy)</a:t>
-            </a:r>
-            <a:endParaRPr lang="en-US" sz="2500" b="0" i="0" u="none" strike="noStrike" cap="none" spc="0">
-              <a:solidFill>
-                <a:schemeClr val="lt1"/>
-              </a:solidFill>
-              <a:latin typeface="Garamond"/>
-              <a:ea typeface="Garamond"/>
-              <a:cs typeface="Garamond"/>
-            </a:endParaRPr>
-          </a:p>
-        </p:txBody>
-      </p:sp>
-      <p:sp>
-        <p:nvSpPr>
-          <p:cNvPr id="1619428335" name="TextBox 2" hidden="0"/>
-          <p:cNvSpPr txBox="1"/>
-          <p:nvPr isPhoto="0" userDrawn="0"/>
-        </p:nvSpPr>
-        <p:spPr bwMode="auto">
-          <a:xfrm>
-            <a:off x="6862194" y="1442905"/>
-            <a:ext cx="5149814" cy="477054"/>
-          </a:xfrm>
-          <a:prstGeom prst="rect">
-            <a:avLst/>
-          </a:prstGeom>
-          <a:noFill/>
-        </p:spPr>
-        <p:txBody>
-          <a:bodyPr wrap="square" rtlCol="0">
-            <a:spAutoFit/>
-          </a:bodyPr>
-          <a:lstStyle/>
-          <a:p>
-            <a:pPr>
-              <a:defRPr/>
-            </a:pPr>
-            <a:endParaRPr lang="ru-RU" sz="2500">
-              <a:solidFill>
-                <a:schemeClr val="bg1"/>
-              </a:solidFill>
-              <a:latin typeface="Garamond"/>
-            </a:endParaRPr>
-          </a:p>
         </p:txBody>
       </p:sp>
       <p:pic>
         <p:nvPicPr>
-          <p:cNvPr id="972452525" name="Рисунок 5" hidden="0"/>
+          <p:cNvPr id="1410275714" name="Рисунок 5" hidden="0"/>
           <p:cNvPicPr>
             <a:picLocks noChangeAspect="1"/>
           </p:cNvPicPr>
           <p:nvPr isPhoto="0" userDrawn="0"/>
         </p:nvPicPr>
         <p:blipFill>
-          <a:blip r:embed="rId2"/>
+          <a:blip r:embed="rId3"/>
           <a:stretch/>
         </p:blipFill>
         <p:spPr bwMode="auto">
-          <a:xfrm>
-            <a:off x="5736668" y="1061758"/>
-            <a:ext cx="5668165" cy="4610742"/>
+          <a:xfrm rot="0" flipH="0" flipV="0">
+            <a:off x="1414116" y="4264539"/>
+            <a:ext cx="9420225" cy="1857375"/>
           </a:xfrm>
           <a:prstGeom prst="rect">
             <a:avLst/>
@@ -7931,4 +9936,211 @@
   </a:themeElements>
   <a:objectDefaults/>
 </a:theme>
+</file>
+
+<file path=ppt/theme/theme2.xml><?xml version="1.0" encoding="utf-8"?>
+<a:theme xmlns:a="http://schemas.openxmlformats.org/drawingml/2006/main" xmlns:r="http://schemas.openxmlformats.org/officeDocument/2006/relationships" xmlns:p="http://schemas.openxmlformats.org/presentationml/2006/main" name="Тема Office">
+  <a:themeElements>
+    <a:clrScheme name="Стандартная">
+      <a:dk1>
+        <a:sysClr val="windowText" lastClr="000000"/>
+      </a:dk1>
+      <a:lt1>
+        <a:sysClr val="window" lastClr="FFFFFF"/>
+      </a:lt1>
+      <a:dk2>
+        <a:srgbClr val="44546A"/>
+      </a:dk2>
+      <a:lt2>
+        <a:srgbClr val="E7E6E6"/>
+      </a:lt2>
+      <a:accent1>
+        <a:srgbClr val="4472C4"/>
+      </a:accent1>
+      <a:accent2>
+        <a:srgbClr val="ED7D31"/>
+      </a:accent2>
+      <a:accent3>
+        <a:srgbClr val="A5A5A5"/>
+      </a:accent3>
+      <a:accent4>
+        <a:srgbClr val="FFC000"/>
+      </a:accent4>
+      <a:accent5>
+        <a:srgbClr val="5B9BD5"/>
+      </a:accent5>
+      <a:accent6>
+        <a:srgbClr val="70AD47"/>
+      </a:accent6>
+      <a:hlink>
+        <a:srgbClr val="0563C1"/>
+      </a:hlink>
+      <a:folHlink>
+        <a:srgbClr val="954F72"/>
+      </a:folHlink>
+    </a:clrScheme>
+    <a:fontScheme name="Стандартная">
+      <a:majorFont>
+        <a:latin typeface="Calibri Light"/>
+        <a:ea typeface="Arial"/>
+        <a:cs typeface="Arial"/>
+      </a:majorFont>
+      <a:minorFont>
+        <a:latin typeface="Calibri"/>
+        <a:ea typeface="Arial"/>
+        <a:cs typeface="Arial"/>
+      </a:minorFont>
+    </a:fontScheme>
+    <a:fmtScheme name="Стандартная">
+      <a:fillStyleLst>
+        <a:solidFill>
+          <a:schemeClr val="phClr"/>
+        </a:solidFill>
+        <a:gradFill>
+          <a:gsLst>
+            <a:gs pos="0">
+              <a:schemeClr val="phClr">
+                <a:lumMod val="110000"/>
+                <a:satMod val="105000"/>
+                <a:tint val="67000"/>
+              </a:schemeClr>
+            </a:gs>
+            <a:gs pos="50000">
+              <a:schemeClr val="phClr">
+                <a:lumMod val="105000"/>
+                <a:satMod val="103000"/>
+                <a:tint val="73000"/>
+              </a:schemeClr>
+            </a:gs>
+            <a:gs pos="100000">
+              <a:schemeClr val="phClr">
+                <a:lumMod val="105000"/>
+                <a:satMod val="109000"/>
+                <a:tint val="81000"/>
+              </a:schemeClr>
+            </a:gs>
+          </a:gsLst>
+          <a:lin ang="5400000" scaled="0"/>
+        </a:gradFill>
+        <a:gradFill>
+          <a:gsLst>
+            <a:gs pos="0">
+              <a:schemeClr val="phClr">
+                <a:satMod val="103000"/>
+                <a:lumMod val="102000"/>
+                <a:tint val="94000"/>
+              </a:schemeClr>
+            </a:gs>
+            <a:gs pos="50000">
+              <a:schemeClr val="phClr">
+                <a:satMod val="110000"/>
+                <a:lumMod val="100000"/>
+                <a:shade val="100000"/>
+              </a:schemeClr>
+            </a:gs>
+            <a:gs pos="100000">
+              <a:schemeClr val="phClr">
+                <a:lumMod val="99000"/>
+                <a:satMod val="120000"/>
+                <a:shade val="78000"/>
+              </a:schemeClr>
+            </a:gs>
+          </a:gsLst>
+          <a:lin ang="5400000" scaled="0"/>
+        </a:gradFill>
+      </a:fillStyleLst>
+      <a:lnStyleLst>
+        <a:ln w="6350" cap="flat" cmpd="sng" algn="ctr">
+          <a:solidFill>
+            <a:schemeClr val="phClr"/>
+          </a:solidFill>
+          <a:prstDash val="solid"/>
+          <a:miter lim="800000"/>
+        </a:ln>
+        <a:ln w="12700" cap="flat" cmpd="sng" algn="ctr">
+          <a:solidFill>
+            <a:schemeClr val="phClr"/>
+          </a:solidFill>
+          <a:prstDash val="solid"/>
+          <a:miter lim="800000"/>
+        </a:ln>
+        <a:ln w="19050" cap="flat" cmpd="sng" algn="ctr">
+          <a:solidFill>
+            <a:schemeClr val="phClr"/>
+          </a:solidFill>
+          <a:prstDash val="solid"/>
+          <a:miter lim="800000"/>
+        </a:ln>
+      </a:lnStyleLst>
+      <a:effectStyleLst>
+        <a:effectStyle>
+          <a:effectLst>
+            <a:outerShdw blurRad="40000" dist="20000" dir="5400000" rotWithShape="0">
+              <a:srgbClr val="000000">
+                <a:alpha val="38000"/>
+              </a:srgbClr>
+            </a:outerShdw>
+          </a:effectLst>
+        </a:effectStyle>
+        <a:effectStyle>
+          <a:effectLst>
+            <a:outerShdw blurRad="40000" dist="23000" dir="5400000" rotWithShape="0">
+              <a:srgbClr val="000000">
+                <a:alpha val="35000"/>
+              </a:srgbClr>
+            </a:outerShdw>
+          </a:effectLst>
+        </a:effectStyle>
+        <a:effectStyle>
+          <a:effectLst>
+            <a:outerShdw blurRad="40000" dist="23000" dir="5400000" rotWithShape="0">
+              <a:srgbClr val="000000">
+                <a:alpha val="35000"/>
+              </a:srgbClr>
+            </a:outerShdw>
+          </a:effectLst>
+        </a:effectStyle>
+      </a:effectStyleLst>
+      <a:bgFillStyleLst>
+        <a:solidFill>
+          <a:schemeClr val="phClr"/>
+        </a:solidFill>
+        <a:solidFill>
+          <a:schemeClr val="phClr">
+            <a:tint val="95000"/>
+            <a:satMod val="170000"/>
+          </a:schemeClr>
+        </a:solidFill>
+        <a:gradFill>
+          <a:gsLst>
+            <a:gs pos="0">
+              <a:schemeClr val="phClr">
+                <a:tint val="93000"/>
+                <a:satMod val="150000"/>
+                <a:shade val="98000"/>
+                <a:lumMod val="102000"/>
+              </a:schemeClr>
+            </a:gs>
+            <a:gs pos="50000">
+              <a:schemeClr val="phClr">
+                <a:tint val="98000"/>
+                <a:satMod val="130000"/>
+                <a:shade val="90000"/>
+                <a:lumMod val="103000"/>
+              </a:schemeClr>
+            </a:gs>
+            <a:gs pos="100000">
+              <a:schemeClr val="phClr">
+                <a:shade val="63000"/>
+                <a:satMod val="120000"/>
+              </a:schemeClr>
+            </a:gs>
+          </a:gsLst>
+          <a:lin ang="5400000" scaled="0"/>
+        </a:gradFill>
+      </a:bgFillStyleLst>
+    </a:fmtScheme>
+  </a:themeElements>
+  <a:objectDefaults/>
+</a:theme>
 </file>
--- a/Presentation.pptx
+++ b/Presentation.pptx
@@ -5,7 +5,7 @@
     <p:sldMasterId id="2147483648" r:id="rId1"/>
   </p:sldMasterIdLst>
   <p:notesMasterIdLst>
-    <p:notesMasterId r:id="rId17"/>
+    <p:notesMasterId r:id="rId16"/>
   </p:notesMasterIdLst>
   <p:sldIdLst>
     <p:sldId id="256" r:id="rId4"/>
@@ -20,7 +20,6 @@
     <p:sldId id="265" r:id="rId13"/>
     <p:sldId id="266" r:id="rId14"/>
     <p:sldId id="267" r:id="rId15"/>
-    <p:sldId id="268" r:id="rId16"/>
   </p:sldIdLst>
   <p:sldSz cx="12192000" cy="6858000"/>
   <p:notesSz cx="12192000" cy="6858000"/>
@@ -680,7 +679,7 @@
           </a:prstGeom>
         </p:spPr>
         <p:txBody>
-          <a:bodyPr spcFirstLastPara="1" wrap="square" lIns="91424" tIns="91424" rIns="91424" bIns="91424" anchor="t" anchorCtr="0">
+          <a:bodyPr spcFirstLastPara="1" wrap="square" lIns="91423" tIns="91423" rIns="91423" bIns="91423" anchor="t" anchorCtr="0">
             <a:noAutofit/>
           </a:bodyPr>
           <a:lstStyle/>
@@ -758,88 +757,6 @@
             <a:r>
               <a:rPr lang="en-US"/>
               <a:t>Maxim</a:t>
-            </a:r>
-            <a:endParaRPr/>
-          </a:p>
-        </p:txBody>
-      </p:sp>
-      <p:sp>
-        <p:nvSpPr>
-          <p:cNvPr id="4" name="Slide Number Placeholder 3" hidden="0"/>
-          <p:cNvSpPr>
-            <a:spLocks noGrp="1"/>
-          </p:cNvSpPr>
-          <p:nvPr isPhoto="0" userDrawn="0">
-            <p:ph type="sldNum" sz="quarter" idx="10" hasCustomPrompt="0"/>
-          </p:nvPr>
-        </p:nvSpPr>
-        <p:spPr bwMode="auto"/>
-        <p:txBody>
-          <a:bodyPr/>
-          <a:lstStyle/>
-          <a:p>
-            <a:pPr>
-              <a:defRPr/>
-            </a:pPr>
-            <a:endParaRPr/>
-          </a:p>
-        </p:txBody>
-      </p:sp>
-    </p:spTree>
-  </p:cSld>
-</p:notes>
-</file>
-
-<file path=ppt/notesSlides/notesSlide12.xml><?xml version="1.0" encoding="utf-8"?>
-<p:notes xmlns:a="http://schemas.openxmlformats.org/drawingml/2006/main" xmlns:r="http://schemas.openxmlformats.org/officeDocument/2006/relationships" xmlns:p="http://schemas.openxmlformats.org/presentationml/2006/main" xmlns:m="http://schemas.openxmlformats.org/officeDocument/2006/math" xmlns:w="http://schemas.openxmlformats.org/wordprocessingml/2006/main">
-  <p:cSld name="">
-    <p:spTree>
-      <p:nvGrpSpPr>
-        <p:cNvPr id="1" name="" hidden="0"/>
-        <p:cNvGrpSpPr/>
-        <p:nvPr isPhoto="0" userDrawn="0"/>
-      </p:nvGrpSpPr>
-      <p:grpSpPr bwMode="auto">
-        <a:xfrm>
-          <a:off x="0" y="0"/>
-          <a:ext cx="0" cy="0"/>
-          <a:chOff x="0" y="0"/>
-          <a:chExt cx="0" cy="0"/>
-        </a:xfrm>
-      </p:grpSpPr>
-      <p:sp>
-        <p:nvSpPr>
-          <p:cNvPr id="2" name="Slide Image Placeholder 1" hidden="0"/>
-          <p:cNvSpPr>
-            <a:spLocks noChangeAspect="1" noGrp="1" noRot="1"/>
-          </p:cNvSpPr>
-          <p:nvPr isPhoto="0" userDrawn="0">
-            <p:ph type="sldImg" hasCustomPrompt="0"/>
-          </p:nvPr>
-        </p:nvSpPr>
-        <p:spPr bwMode="auto"/>
-      </p:sp>
-      <p:sp>
-        <p:nvSpPr>
-          <p:cNvPr id="3" name="Notes Placeholder 2" hidden="0"/>
-          <p:cNvSpPr>
-            <a:spLocks noGrp="1"/>
-          </p:cNvSpPr>
-          <p:nvPr isPhoto="0" userDrawn="0">
-            <p:ph type="body" idx="1" hasCustomPrompt="0"/>
-          </p:nvPr>
-        </p:nvSpPr>
-        <p:spPr bwMode="auto"/>
-        <p:txBody>
-          <a:bodyPr/>
-          <a:lstStyle/>
-          <a:p>
-            <a:pPr>
-              <a:defRPr/>
-            </a:pPr>
-            <a:r>
-              <a:rPr lang="en-US"/>
-              <a:t>Timofey</a:t>
             </a:r>
             <a:endParaRPr/>
           </a:p>
@@ -1333,7 +1250,7 @@
           </a:prstGeom>
         </p:spPr>
         <p:txBody>
-          <a:bodyPr spcFirstLastPara="1" wrap="square" lIns="91424" tIns="91424" rIns="91424" bIns="91424" anchor="t" anchorCtr="0">
+          <a:bodyPr spcFirstLastPara="1" wrap="square" lIns="91423" tIns="91423" rIns="91423" bIns="91423" anchor="t" anchorCtr="0">
             <a:noAutofit/>
           </a:bodyPr>
           <a:lstStyle/>
@@ -1439,7 +1356,7 @@
           </a:prstGeom>
         </p:spPr>
         <p:txBody>
-          <a:bodyPr spcFirstLastPara="1" wrap="square" lIns="91424" tIns="91424" rIns="91424" bIns="91424" anchor="t" anchorCtr="0">
+          <a:bodyPr spcFirstLastPara="1" wrap="square" lIns="91423" tIns="91423" rIns="91423" bIns="91423" anchor="t" anchorCtr="0">
             <a:noAutofit/>
           </a:bodyPr>
           <a:lstStyle/>
@@ -1545,7 +1462,7 @@
           </a:prstGeom>
         </p:spPr>
         <p:txBody>
-          <a:bodyPr spcFirstLastPara="1" wrap="square" lIns="91424" tIns="91424" rIns="91424" bIns="91424" anchor="t" anchorCtr="0">
+          <a:bodyPr spcFirstLastPara="1" wrap="square" lIns="91423" tIns="91423" rIns="91423" bIns="91423" anchor="t" anchorCtr="0">
             <a:noAutofit/>
           </a:bodyPr>
           <a:lstStyle/>
@@ -6063,7 +5980,7 @@
           </a:prstGeom>
         </p:spPr>
         <p:txBody>
-          <a:bodyPr spcFirstLastPara="1" vert="horz" wrap="square" lIns="121899" tIns="121899" rIns="121899" bIns="121899" rtlCol="0" anchor="t" anchorCtr="0">
+          <a:bodyPr spcFirstLastPara="1" vert="horz" wrap="square" lIns="121898" tIns="121898" rIns="121898" bIns="121898" rtlCol="0" anchor="t" anchorCtr="0">
             <a:noAutofit/>
           </a:bodyPr>
           <a:lstStyle/>
@@ -6112,7 +6029,7 @@
           </a:prstGeom>
         </p:spPr>
         <p:txBody>
-          <a:bodyPr spcFirstLastPara="1" vert="horz" wrap="square" lIns="121899" tIns="121899" rIns="121899" bIns="121899" rtlCol="0" anchor="t" anchorCtr="0">
+          <a:bodyPr spcFirstLastPara="1" vert="horz" wrap="square" lIns="121898" tIns="121898" rIns="121898" bIns="121898" rtlCol="0" anchor="t" anchorCtr="0">
             <a:noAutofit/>
           </a:bodyPr>
           <a:lstStyle/>
@@ -6451,428 +6368,6 @@
 </p:sld>
 </file>
 
-<file path=ppt/slides/slide13.xml><?xml version="1.0" encoding="utf-8"?>
-<p:sld xmlns:a="http://schemas.openxmlformats.org/drawingml/2006/main" xmlns:r="http://schemas.openxmlformats.org/officeDocument/2006/relationships" xmlns:p="http://schemas.openxmlformats.org/presentationml/2006/main" xmlns:m="http://schemas.openxmlformats.org/officeDocument/2006/math" xmlns:w="http://schemas.openxmlformats.org/wordprocessingml/2006/main" showMasterPhAnim="0" show="1">
-  <p:cSld name="">
-    <p:spTree>
-      <p:nvGrpSpPr>
-        <p:cNvPr id="1" name="" hidden="0"/>
-        <p:cNvGrpSpPr/>
-        <p:nvPr isPhoto="0" userDrawn="0"/>
-      </p:nvGrpSpPr>
-      <p:grpSpPr bwMode="auto">
-        <a:xfrm>
-          <a:off x="0" y="0"/>
-          <a:ext cx="0" cy="0"/>
-          <a:chOff x="0" y="0"/>
-          <a:chExt cx="0" cy="0"/>
-        </a:xfrm>
-      </p:grpSpPr>
-      <p:sp>
-        <p:nvSpPr>
-          <p:cNvPr id="1813310109" name="Google Shape;40;p9" hidden="0"/>
-          <p:cNvSpPr txBox="1">
-            <a:spLocks noGrp="1"/>
-          </p:cNvSpPr>
-          <p:nvPr isPhoto="0" userDrawn="0">
-            <p:ph type="title" hasCustomPrompt="0"/>
-          </p:nvPr>
-        </p:nvSpPr>
-        <p:spPr bwMode="auto">
-          <a:xfrm>
-            <a:off x="2818650" y="1158239"/>
-            <a:ext cx="6553599" cy="853599"/>
-          </a:xfrm>
-          <a:prstGeom prst="rect">
-            <a:avLst/>
-          </a:prstGeom>
-        </p:spPr>
-        <p:txBody>
-          <a:bodyPr spcFirstLastPara="1" wrap="square" lIns="91424" tIns="91424" rIns="91424" bIns="91424" anchor="t" anchorCtr="0">
-            <a:noAutofit/>
-          </a:bodyPr>
-          <a:lstStyle>
-            <a:lvl1pPr lvl="0">
-              <a:spcBef>
-                <a:spcPts val="0"/>
-              </a:spcBef>
-              <a:spcAft>
-                <a:spcPts val="0"/>
-              </a:spcAft>
-              <a:buSzPts val="2400"/>
-              <a:buFont typeface="Montserrat"/>
-              <a:buNone/>
-              <a:defRPr sz="3350" b="1">
-                <a:solidFill>
-                  <a:schemeClr val="lt1"/>
-                </a:solidFill>
-                <a:latin typeface="Playfair Display"/>
-                <a:ea typeface="Playfair Display"/>
-                <a:cs typeface="Playfair Display"/>
-              </a:defRPr>
-            </a:lvl1pPr>
-            <a:lvl2pPr lvl="1">
-              <a:spcBef>
-                <a:spcPts val="0"/>
-              </a:spcBef>
-              <a:spcAft>
-                <a:spcPts val="0"/>
-              </a:spcAft>
-              <a:buSzPts val="2100"/>
-              <a:buFont typeface="Montserrat"/>
-              <a:buNone/>
-              <a:defRPr sz="2800" b="1">
-                <a:latin typeface="Montserrat"/>
-                <a:ea typeface="Montserrat"/>
-                <a:cs typeface="Montserrat"/>
-              </a:defRPr>
-            </a:lvl2pPr>
-            <a:lvl3pPr lvl="2">
-              <a:spcBef>
-                <a:spcPts val="0"/>
-              </a:spcBef>
-              <a:spcAft>
-                <a:spcPts val="0"/>
-              </a:spcAft>
-              <a:buSzPts val="2100"/>
-              <a:buFont typeface="Montserrat"/>
-              <a:buNone/>
-              <a:defRPr sz="2800" b="1">
-                <a:latin typeface="Montserrat"/>
-                <a:ea typeface="Montserrat"/>
-                <a:cs typeface="Montserrat"/>
-              </a:defRPr>
-            </a:lvl3pPr>
-            <a:lvl4pPr lvl="3">
-              <a:spcBef>
-                <a:spcPts val="0"/>
-              </a:spcBef>
-              <a:spcAft>
-                <a:spcPts val="0"/>
-              </a:spcAft>
-              <a:buSzPts val="2100"/>
-              <a:buFont typeface="Montserrat"/>
-              <a:buNone/>
-              <a:defRPr sz="2800" b="1">
-                <a:latin typeface="Montserrat"/>
-                <a:ea typeface="Montserrat"/>
-                <a:cs typeface="Montserrat"/>
-              </a:defRPr>
-            </a:lvl4pPr>
-            <a:lvl5pPr lvl="4">
-              <a:spcBef>
-                <a:spcPts val="0"/>
-              </a:spcBef>
-              <a:spcAft>
-                <a:spcPts val="0"/>
-              </a:spcAft>
-              <a:buSzPts val="2100"/>
-              <a:buFont typeface="Montserrat"/>
-              <a:buNone/>
-              <a:defRPr sz="2800" b="1">
-                <a:latin typeface="Montserrat"/>
-                <a:ea typeface="Montserrat"/>
-                <a:cs typeface="Montserrat"/>
-              </a:defRPr>
-            </a:lvl5pPr>
-            <a:lvl6pPr lvl="5">
-              <a:spcBef>
-                <a:spcPts val="0"/>
-              </a:spcBef>
-              <a:spcAft>
-                <a:spcPts val="0"/>
-              </a:spcAft>
-              <a:buSzPts val="2100"/>
-              <a:buFont typeface="Montserrat"/>
-              <a:buNone/>
-              <a:defRPr sz="2800" b="1">
-                <a:latin typeface="Montserrat"/>
-                <a:ea typeface="Montserrat"/>
-                <a:cs typeface="Montserrat"/>
-              </a:defRPr>
-            </a:lvl6pPr>
-            <a:lvl7pPr lvl="6">
-              <a:spcBef>
-                <a:spcPts val="0"/>
-              </a:spcBef>
-              <a:spcAft>
-                <a:spcPts val="0"/>
-              </a:spcAft>
-              <a:buSzPts val="2100"/>
-              <a:buFont typeface="Montserrat"/>
-              <a:buNone/>
-              <a:defRPr sz="2800" b="1">
-                <a:latin typeface="Montserrat"/>
-                <a:ea typeface="Montserrat"/>
-                <a:cs typeface="Montserrat"/>
-              </a:defRPr>
-            </a:lvl7pPr>
-            <a:lvl8pPr lvl="7">
-              <a:spcBef>
-                <a:spcPts val="0"/>
-              </a:spcBef>
-              <a:spcAft>
-                <a:spcPts val="0"/>
-              </a:spcAft>
-              <a:buSzPts val="2100"/>
-              <a:buFont typeface="Montserrat"/>
-              <a:buNone/>
-              <a:defRPr sz="2800" b="1">
-                <a:latin typeface="Montserrat"/>
-                <a:ea typeface="Montserrat"/>
-                <a:cs typeface="Montserrat"/>
-              </a:defRPr>
-            </a:lvl8pPr>
-            <a:lvl9pPr lvl="8">
-              <a:spcBef>
-                <a:spcPts val="0"/>
-              </a:spcBef>
-              <a:spcAft>
-                <a:spcPts val="0"/>
-              </a:spcAft>
-              <a:buSzPts val="2100"/>
-              <a:buFont typeface="Montserrat"/>
-              <a:buNone/>
-              <a:defRPr sz="2800" b="1">
-                <a:latin typeface="Montserrat"/>
-                <a:ea typeface="Montserrat"/>
-                <a:cs typeface="Montserrat"/>
-              </a:defRPr>
-            </a:lvl9pPr>
-          </a:lstStyle>
-          <a:p>
-            <a:pPr>
-              <a:defRPr/>
-            </a:pPr>
-            <a:r>
-              <a:rPr lang="en-US"/>
-              <a:t>Time for computing</a:t>
-            </a:r>
-            <a:br>
-              <a:rPr lang="en-US"/>
-            </a:br>
-            <a:r>
-              <a:rPr lang="en-US"/>
-              <a:t>Velocity of a ball</a:t>
-            </a:r>
-            <a:endParaRPr/>
-          </a:p>
-        </p:txBody>
-      </p:sp>
-      <p:sp>
-        <p:nvSpPr>
-          <p:cNvPr id="1604347332" name="Google Shape;41;p9" hidden="0"/>
-          <p:cNvSpPr txBox="1">
-            <a:spLocks noGrp="1"/>
-          </p:cNvSpPr>
-          <p:nvPr isPhoto="0" userDrawn="0">
-            <p:ph type="body" idx="1" hasCustomPrompt="0"/>
-          </p:nvPr>
-        </p:nvSpPr>
-        <p:spPr bwMode="auto">
-          <a:xfrm>
-            <a:off x="2819750" y="2368203"/>
-            <a:ext cx="6553599" cy="3738399"/>
-          </a:xfrm>
-          <a:prstGeom prst="rect">
-            <a:avLst/>
-          </a:prstGeom>
-        </p:spPr>
-        <p:txBody>
-          <a:bodyPr spcFirstLastPara="1" wrap="square" lIns="91424" tIns="91424" rIns="91424" bIns="91424" anchor="t" anchorCtr="0">
-            <a:noAutofit/>
-          </a:bodyPr>
-          <a:lstStyle>
-            <a:lvl1pPr marL="609584" lvl="0" indent="-423322">
-              <a:lnSpc>
-                <a:spcPct val="100000"/>
-              </a:lnSpc>
-              <a:spcBef>
-                <a:spcPts val="0"/>
-              </a:spcBef>
-              <a:spcAft>
-                <a:spcPts val="0"/>
-              </a:spcAft>
-              <a:buClr>
-                <a:schemeClr val="lt1"/>
-              </a:buClr>
-              <a:buSzPts val="1400"/>
-              <a:buChar char="●"/>
-              <a:defRPr sz="1850">
-                <a:solidFill>
-                  <a:schemeClr val="lt1"/>
-                </a:solidFill>
-              </a:defRPr>
-            </a:lvl1pPr>
-            <a:lvl2pPr marL="1219169" lvl="1" indent="-389457">
-              <a:spcBef>
-                <a:spcPts val="2132"/>
-              </a:spcBef>
-              <a:spcAft>
-                <a:spcPts val="0"/>
-              </a:spcAft>
-              <a:buClr>
-                <a:schemeClr val="lt1"/>
-              </a:buClr>
-              <a:buSzPts val="1000"/>
-              <a:buChar char="○"/>
-              <a:defRPr sz="1350">
-                <a:solidFill>
-                  <a:schemeClr val="lt1"/>
-                </a:solidFill>
-              </a:defRPr>
-            </a:lvl2pPr>
-            <a:lvl3pPr marL="1828753" lvl="2" indent="-389457">
-              <a:spcBef>
-                <a:spcPts val="2132"/>
-              </a:spcBef>
-              <a:spcAft>
-                <a:spcPts val="0"/>
-              </a:spcAft>
-              <a:buClr>
-                <a:schemeClr val="lt1"/>
-              </a:buClr>
-              <a:buSzPts val="1000"/>
-              <a:buChar char="■"/>
-              <a:defRPr sz="1350">
-                <a:solidFill>
-                  <a:schemeClr val="lt1"/>
-                </a:solidFill>
-              </a:defRPr>
-            </a:lvl3pPr>
-            <a:lvl4pPr marL="2438338" lvl="3" indent="-389457">
-              <a:spcBef>
-                <a:spcPts val="2132"/>
-              </a:spcBef>
-              <a:spcAft>
-                <a:spcPts val="0"/>
-              </a:spcAft>
-              <a:buClr>
-                <a:schemeClr val="lt1"/>
-              </a:buClr>
-              <a:buSzPts val="1000"/>
-              <a:buChar char="●"/>
-              <a:defRPr sz="1350">
-                <a:solidFill>
-                  <a:schemeClr val="lt1"/>
-                </a:solidFill>
-              </a:defRPr>
-            </a:lvl4pPr>
-            <a:lvl5pPr marL="3047923" lvl="4" indent="-389457">
-              <a:spcBef>
-                <a:spcPts val="2132"/>
-              </a:spcBef>
-              <a:spcAft>
-                <a:spcPts val="0"/>
-              </a:spcAft>
-              <a:buClr>
-                <a:schemeClr val="lt1"/>
-              </a:buClr>
-              <a:buSzPts val="1000"/>
-              <a:buChar char="○"/>
-              <a:defRPr sz="1350">
-                <a:solidFill>
-                  <a:schemeClr val="lt1"/>
-                </a:solidFill>
-              </a:defRPr>
-            </a:lvl5pPr>
-            <a:lvl6pPr marL="3657508" lvl="5" indent="-389457">
-              <a:spcBef>
-                <a:spcPts val="2132"/>
-              </a:spcBef>
-              <a:spcAft>
-                <a:spcPts val="0"/>
-              </a:spcAft>
-              <a:buClr>
-                <a:schemeClr val="lt1"/>
-              </a:buClr>
-              <a:buSzPts val="1000"/>
-              <a:buChar char="■"/>
-              <a:defRPr sz="1350">
-                <a:solidFill>
-                  <a:schemeClr val="lt1"/>
-                </a:solidFill>
-              </a:defRPr>
-            </a:lvl6pPr>
-            <a:lvl7pPr marL="4267092" lvl="6" indent="-389457">
-              <a:spcBef>
-                <a:spcPts val="2132"/>
-              </a:spcBef>
-              <a:spcAft>
-                <a:spcPts val="0"/>
-              </a:spcAft>
-              <a:buClr>
-                <a:schemeClr val="lt1"/>
-              </a:buClr>
-              <a:buSzPts val="1000"/>
-              <a:buChar char="●"/>
-              <a:defRPr sz="1350">
-                <a:solidFill>
-                  <a:schemeClr val="lt1"/>
-                </a:solidFill>
-              </a:defRPr>
-            </a:lvl7pPr>
-            <a:lvl8pPr marL="4876677" lvl="7" indent="-389457">
-              <a:spcBef>
-                <a:spcPts val="2132"/>
-              </a:spcBef>
-              <a:spcAft>
-                <a:spcPts val="0"/>
-              </a:spcAft>
-              <a:buClr>
-                <a:schemeClr val="lt1"/>
-              </a:buClr>
-              <a:buSzPts val="1000"/>
-              <a:buChar char="○"/>
-              <a:defRPr sz="1350">
-                <a:solidFill>
-                  <a:schemeClr val="lt1"/>
-                </a:solidFill>
-              </a:defRPr>
-            </a:lvl8pPr>
-            <a:lvl9pPr marL="5486262" lvl="8" indent="-389457">
-              <a:spcBef>
-                <a:spcPts val="2132"/>
-              </a:spcBef>
-              <a:spcAft>
-                <a:spcPts val="2132"/>
-              </a:spcAft>
-              <a:buClr>
-                <a:schemeClr val="lt1"/>
-              </a:buClr>
-              <a:buSzPts val="1000"/>
-              <a:buChar char="■"/>
-              <a:defRPr sz="1350">
-                <a:solidFill>
-                  <a:schemeClr val="lt1"/>
-                </a:solidFill>
-              </a:defRPr>
-            </a:lvl9pPr>
-          </a:lstStyle>
-          <a:p>
-            <a:pPr>
-              <a:defRPr/>
-            </a:pPr>
-            <a:endParaRPr/>
-          </a:p>
-        </p:txBody>
-      </p:sp>
-    </p:spTree>
-  </p:cSld>
-  <p:clrMapOvr>
-    <a:masterClrMapping/>
-  </p:clrMapOvr>
-  <mc:AlternateContent xmlns:mc="http://schemas.openxmlformats.org/markup-compatibility/2006">
-    <mc:Choice xmlns:p14="http://schemas.microsoft.com/office/powerpoint/2010/main" Requires="p14">
-      <p:transition p14:dur="2000" advClick="1"/>
-    </mc:Choice>
-    <mc:Fallback>
-      <p:transition advClick="1"/>
-    </mc:Fallback>
-  </mc:AlternateContent>
-</p:sld>
-</file>
-
 <file path=ppt/slides/slide2.xml><?xml version="1.0" encoding="utf-8"?>
 <p:sld xmlns:a="http://schemas.openxmlformats.org/drawingml/2006/main" xmlns:r="http://schemas.openxmlformats.org/officeDocument/2006/relationships" xmlns:p="http://schemas.openxmlformats.org/presentationml/2006/main" xmlns:m="http://schemas.openxmlformats.org/officeDocument/2006/math" xmlns:w="http://schemas.openxmlformats.org/wordprocessingml/2006/main" showMasterPhAnim="0" show="1">
   <p:cSld name="">
@@ -7609,7 +7104,7 @@
           </a:prstGeom>
         </p:spPr>
         <p:txBody>
-          <a:bodyPr spcFirstLastPara="1" wrap="square" lIns="91424" tIns="91424" rIns="91424" bIns="91424" anchor="t" anchorCtr="0">
+          <a:bodyPr spcFirstLastPara="1" wrap="square" lIns="91423" tIns="91423" rIns="91423" bIns="91423" anchor="t" anchorCtr="0">
             <a:noAutofit/>
           </a:bodyPr>
           <a:lstStyle>
@@ -7854,8 +7349,8 @@
           <p:nvPr isPhoto="0" userDrawn="0"/>
         </p:nvSpPr>
         <p:spPr bwMode="auto">
-          <a:xfrm rot="5399978" flipH="1" flipV="0">
-            <a:off x="5891241" y="1846316"/>
+          <a:xfrm rot="5399977" flipH="1" flipV="0">
+            <a:off x="5891240" y="1846316"/>
             <a:ext cx="445548" cy="3683519"/>
           </a:xfrm>
           <a:prstGeom prst="leftBrace">
@@ -7909,7 +7404,7 @@
           <p:nvPr isPhoto="0" userDrawn="0"/>
         </p:nvSpPr>
         <p:spPr bwMode="auto">
-          <a:xfrm rot="5399978" flipH="0" flipV="0">
+          <a:xfrm rot="5399977" flipH="0" flipV="0">
             <a:off x="9603884" y="979942"/>
             <a:ext cx="387303" cy="3683518"/>
           </a:xfrm>
@@ -8056,7 +7551,7 @@
           <p:nvPr isPhoto="0" userDrawn="0"/>
         </p:nvSpPr>
         <p:spPr bwMode="auto">
-          <a:xfrm rot="5399978" flipH="0" flipV="0">
+          <a:xfrm rot="5399977" flipH="0" flipV="0">
             <a:off x="6840055" y="3470562"/>
             <a:ext cx="389680" cy="1841758"/>
           </a:xfrm>
@@ -8111,7 +7606,7 @@
           <p:nvPr isPhoto="0" userDrawn="0"/>
         </p:nvSpPr>
         <p:spPr bwMode="auto">
-          <a:xfrm rot="5399978" flipH="1" flipV="0">
+          <a:xfrm rot="5399977" flipH="1" flipV="0">
             <a:off x="9128247" y="3401545"/>
             <a:ext cx="392169" cy="3683518"/>
           </a:xfrm>
@@ -8416,7 +7911,7 @@
           <p:nvPr isPhoto="0" userDrawn="0"/>
         </p:nvSpPr>
         <p:spPr bwMode="auto">
-          <a:xfrm rot="5399978" flipH="0" flipV="0">
+          <a:xfrm rot="5399977" flipH="0" flipV="0">
             <a:off x="9603884" y="2550870"/>
             <a:ext cx="387303" cy="3683518"/>
           </a:xfrm>
@@ -8830,7 +8325,7 @@
           </a:prstGeom>
         </p:spPr>
         <p:txBody>
-          <a:bodyPr spcFirstLastPara="1" vert="horz" wrap="square" lIns="121899" tIns="121899" rIns="121899" bIns="121899" rtlCol="0" anchor="t" anchorCtr="0">
+          <a:bodyPr spcFirstLastPara="1" vert="horz" wrap="square" lIns="121898" tIns="121898" rIns="121898" bIns="121898" rtlCol="0" anchor="t" anchorCtr="0">
             <a:noAutofit/>
           </a:bodyPr>
           <a:lstStyle/>
@@ -8874,7 +8369,7 @@
           </a:prstGeom>
         </p:spPr>
         <p:txBody>
-          <a:bodyPr spcFirstLastPara="1" vert="horz" wrap="square" lIns="121899" tIns="121899" rIns="121899" bIns="121899" rtlCol="0" anchor="t" anchorCtr="0">
+          <a:bodyPr spcFirstLastPara="1" vert="horz" wrap="square" lIns="121898" tIns="121898" rIns="121898" bIns="121898" rtlCol="0" anchor="t" anchorCtr="0">
             <a:noAutofit/>
           </a:bodyPr>
           <a:lstStyle/>
@@ -8952,7 +8447,7 @@
         <p:spPr bwMode="auto">
           <a:xfrm>
             <a:off x="6862194" y="1442905"/>
-            <a:ext cx="5149814" cy="477054"/>
+            <a:ext cx="5149813" cy="477054"/>
           </a:xfrm>
           <a:prstGeom prst="rect">
             <a:avLst/>
@@ -9052,7 +8547,7 @@
           </a:prstGeom>
         </p:spPr>
         <p:txBody>
-          <a:bodyPr spcFirstLastPara="1" vert="horz" wrap="square" lIns="121899" tIns="121899" rIns="121899" bIns="121899" rtlCol="0" anchor="t" anchorCtr="0">
+          <a:bodyPr spcFirstLastPara="1" vert="horz" wrap="square" lIns="121898" tIns="121898" rIns="121898" bIns="121898" rtlCol="0" anchor="t" anchorCtr="0">
             <a:noAutofit/>
           </a:bodyPr>
           <a:lstStyle/>
@@ -9096,7 +8591,7 @@
           </a:prstGeom>
         </p:spPr>
         <p:txBody>
-          <a:bodyPr spcFirstLastPara="1" vert="horz" wrap="square" lIns="121899" tIns="121899" rIns="121899" bIns="121899" rtlCol="0" anchor="t" anchorCtr="0">
+          <a:bodyPr spcFirstLastPara="1" vert="horz" wrap="square" lIns="121898" tIns="121898" rIns="121898" bIns="121898" rtlCol="0" anchor="t" anchorCtr="0">
             <a:noAutofit/>
           </a:bodyPr>
           <a:lstStyle/>
@@ -9439,7 +8934,7 @@
         <p:spPr bwMode="auto">
           <a:xfrm>
             <a:off x="6862194" y="1442905"/>
-            <a:ext cx="5149814" cy="477054"/>
+            <a:ext cx="5149813" cy="477054"/>
           </a:xfrm>
           <a:prstGeom prst="rect">
             <a:avLst/>
@@ -9539,7 +9034,7 @@
           </a:prstGeom>
         </p:spPr>
         <p:txBody>
-          <a:bodyPr spcFirstLastPara="1" vert="horz" wrap="square" lIns="121899" tIns="121899" rIns="121899" bIns="121899" rtlCol="0" anchor="t" anchorCtr="0">
+          <a:bodyPr spcFirstLastPara="1" vert="horz" wrap="square" lIns="121898" tIns="121898" rIns="121898" bIns="121898" rtlCol="0" anchor="t" anchorCtr="0">
             <a:noAutofit/>
           </a:bodyPr>
           <a:lstStyle/>
@@ -9583,7 +9078,7 @@
           </a:prstGeom>
         </p:spPr>
         <p:txBody>
-          <a:bodyPr spcFirstLastPara="1" vert="horz" wrap="square" lIns="121899" tIns="121899" rIns="121899" bIns="121899" rtlCol="0" anchor="t" anchorCtr="0">
+          <a:bodyPr spcFirstLastPara="1" vert="horz" wrap="square" lIns="121898" tIns="121898" rIns="121898" bIns="121898" rtlCol="0" anchor="t" anchorCtr="0">
             <a:noAutofit/>
           </a:bodyPr>
           <a:lstStyle/>
